--- a/KJ Mart.pptx
+++ b/KJ Mart.pptx
@@ -14,8 +14,9 @@
     <p:sldId id="262" r:id="rId8"/>
     <p:sldId id="263" r:id="rId9"/>
     <p:sldId id="264" r:id="rId10"/>
-    <p:sldId id="265" r:id="rId11"/>
-    <p:sldId id="266" r:id="rId12"/>
+    <p:sldId id="267" r:id="rId11"/>
+    <p:sldId id="265" r:id="rId12"/>
+    <p:sldId id="266" r:id="rId13"/>
   </p:sldIdLst>
   <p:sldSz cx="12192000" cy="6858000"/>
   <p:notesSz cx="6858000" cy="9144000"/>
@@ -114,6 +115,11 @@
       </a:defRPr>
     </a:lvl9pPr>
   </p:defaultTextStyle>
+  <p:extLst>
+    <p:ext uri="{EFAFB233-063F-42B5-8137-9DF3F51BA10A}">
+      <p15:sldGuideLst xmlns:p15="http://schemas.microsoft.com/office/powerpoint/2012/main"/>
+    </p:ext>
+  </p:extLst>
 </p:presentation>
 </file>
 
@@ -391,7 +397,7 @@
           <a:p>
             <a:fld id="{78ABE3C1-DBE1-495D-B57B-2849774B866A}" type="datetimeFigureOut">
               <a:rPr lang="en-US" dirty="0"/>
-              <a:t>4/22/2021</a:t>
+              <a:t>4/24/2021</a:t>
             </a:fld>
             <a:endParaRPr lang="en-US" dirty="0"/>
           </a:p>
@@ -800,7 +806,7 @@
           <a:p>
             <a:fld id="{446C117F-5CCF-4837-BE5F-2B92066CAFAF}" type="datetimeFigureOut">
               <a:rPr lang="en-US" dirty="0"/>
-              <a:t>4/22/2021</a:t>
+              <a:t>4/24/2021</a:t>
             </a:fld>
             <a:endParaRPr lang="en-US" dirty="0"/>
           </a:p>
@@ -1131,7 +1137,7 @@
           <a:p>
             <a:fld id="{84EB90BD-B6CE-46B7-997F-7313B992CCDC}" type="datetimeFigureOut">
               <a:rPr lang="en-US" dirty="0"/>
-              <a:t>4/22/2021</a:t>
+              <a:t>4/24/2021</a:t>
             </a:fld>
             <a:endParaRPr lang="en-US" dirty="0"/>
           </a:p>
@@ -1531,7 +1537,7 @@
           <a:p>
             <a:fld id="{CDB9D11F-B188-461D-B23F-39381795C052}" type="datetimeFigureOut">
               <a:rPr lang="en-US" dirty="0"/>
-              <a:t>4/22/2021</a:t>
+              <a:t>4/24/2021</a:t>
             </a:fld>
             <a:endParaRPr lang="en-US" dirty="0"/>
           </a:p>
@@ -2094,7 +2100,7 @@
           <a:p>
             <a:fld id="{52E6D8D9-55A2-4063-B0F3-121F44549695}" type="datetimeFigureOut">
               <a:rPr lang="en-US" dirty="0"/>
-              <a:t>4/22/2021</a:t>
+              <a:t>4/24/2021</a:t>
             </a:fld>
             <a:endParaRPr lang="en-US" dirty="0"/>
           </a:p>
@@ -2770,7 +2776,7 @@
           <a:p>
             <a:fld id="{D4B24536-994D-4021-A283-9F449C0DB509}" type="datetimeFigureOut">
               <a:rPr lang="en-US" dirty="0"/>
-              <a:t>4/22/2021</a:t>
+              <a:t>4/24/2021</a:t>
             </a:fld>
             <a:endParaRPr lang="en-US" dirty="0"/>
           </a:p>
@@ -3678,7 +3684,7 @@
           <a:p>
             <a:fld id="{3CBBBB78-C96F-47B7-AB17-D852CA960AC9}" type="datetimeFigureOut">
               <a:rPr lang="en-US" dirty="0"/>
-              <a:t>4/22/2021</a:t>
+              <a:t>4/24/2021</a:t>
             </a:fld>
             <a:endParaRPr lang="en-US" dirty="0"/>
           </a:p>
@@ -3986,7 +3992,7 @@
           <a:p>
             <a:fld id="{1FA3F48C-C7C6-4055-9F49-3777875E72AE}" type="datetimeFigureOut">
               <a:rPr lang="en-US" dirty="0"/>
-              <a:t>4/22/2021</a:t>
+              <a:t>4/24/2021</a:t>
             </a:fld>
             <a:endParaRPr lang="en-US" dirty="0"/>
           </a:p>
@@ -4245,7 +4251,7 @@
           <a:p>
             <a:fld id="{6178E61D-D431-422C-9764-11DAFE33AB63}" type="datetimeFigureOut">
               <a:rPr lang="en-US" dirty="0"/>
-              <a:t>4/22/2021</a:t>
+              <a:t>4/24/2021</a:t>
             </a:fld>
             <a:endParaRPr lang="en-US" dirty="0"/>
           </a:p>
@@ -4564,7 +4570,7 @@
           <a:p>
             <a:fld id="{12DE42F4-6EEF-4EF7-8ED4-2208F0F89A08}" type="datetimeFigureOut">
               <a:rPr lang="en-US" dirty="0"/>
-              <a:t>4/22/2021</a:t>
+              <a:t>4/24/2021</a:t>
             </a:fld>
             <a:endParaRPr lang="en-US" dirty="0"/>
           </a:p>
@@ -4948,7 +4954,7 @@
           <a:p>
             <a:fld id="{30578ACC-22D6-47C1-A373-4FD133E34F3C}" type="datetimeFigureOut">
               <a:rPr lang="en-US" dirty="0"/>
-              <a:t>4/22/2021</a:t>
+              <a:t>4/24/2021</a:t>
             </a:fld>
             <a:endParaRPr lang="en-US" dirty="0"/>
           </a:p>
@@ -5319,7 +5325,7 @@
           <a:p>
             <a:fld id="{4E5A6C69-6797-4E8A-BF37-F2C3751466E9}" type="datetimeFigureOut">
               <a:rPr lang="en-US" dirty="0"/>
-              <a:t>4/22/2021</a:t>
+              <a:t>4/24/2021</a:t>
             </a:fld>
             <a:endParaRPr lang="en-US" dirty="0"/>
           </a:p>
@@ -5820,7 +5826,7 @@
           <a:p>
             <a:fld id="{D82014A1-A632-4878-A0D3-F52BA7563730}" type="datetimeFigureOut">
               <a:rPr lang="en-US" dirty="0"/>
-              <a:t>4/22/2021</a:t>
+              <a:t>4/24/2021</a:t>
             </a:fld>
             <a:endParaRPr lang="en-US" dirty="0"/>
           </a:p>
@@ -6072,7 +6078,7 @@
           <a:p>
             <a:fld id="{CE99F462-093F-4566-844B-4C71F2739DA5}" type="datetimeFigureOut">
               <a:rPr lang="en-US" dirty="0"/>
-              <a:t>4/22/2021</a:t>
+              <a:t>4/24/2021</a:t>
             </a:fld>
             <a:endParaRPr lang="en-US" dirty="0"/>
           </a:p>
@@ -6230,7 +6236,7 @@
           <a:p>
             <a:fld id="{3D24A7AC-904D-4781-85BA-7D10C17ED021}" type="datetimeFigureOut">
               <a:rPr lang="en-US" dirty="0"/>
-              <a:t>4/22/2021</a:t>
+              <a:t>4/24/2021</a:t>
             </a:fld>
             <a:endParaRPr lang="en-US" dirty="0"/>
           </a:p>
@@ -6615,7 +6621,7 @@
           <a:p>
             <a:fld id="{E331444B-B92B-4E27-8C94-BB93EAF5CB18}" type="datetimeFigureOut">
               <a:rPr lang="en-US" dirty="0"/>
-              <a:t>4/22/2021</a:t>
+              <a:t>4/24/2021</a:t>
             </a:fld>
             <a:endParaRPr lang="en-US" dirty="0"/>
           </a:p>
@@ -7019,7 +7025,7 @@
           <a:p>
             <a:fld id="{363EFA5E-FA76-400D-B3DC-F0BA90E6D107}" type="datetimeFigureOut">
               <a:rPr lang="en-US" dirty="0"/>
-              <a:t>4/22/2021</a:t>
+              <a:t>4/24/2021</a:t>
             </a:fld>
             <a:endParaRPr lang="en-US" dirty="0"/>
           </a:p>
@@ -7258,7 +7264,7 @@
           <a:p>
             <a:fld id="{9D6E9DEC-419B-4CC5-A080-3B06BD5A8291}" type="datetimeFigureOut">
               <a:rPr lang="en-US" dirty="0"/>
-              <a:t>4/22/2021</a:t>
+              <a:t>4/24/2021</a:t>
             </a:fld>
             <a:endParaRPr lang="en-US" dirty="0"/>
           </a:p>
@@ -7782,6 +7788,156 @@
           <p:cNvPr id="2" name="Title 1">
             <a:extLst>
               <a:ext uri="{FF2B5EF4-FFF2-40B4-BE49-F238E27FC236}">
+                <a16:creationId xmlns:a16="http://schemas.microsoft.com/office/drawing/2014/main" id="{603CB033-E0B4-4A60-BB6E-D8109CD40A69}"/>
+              </a:ext>
+            </a:extLst>
+          </p:cNvPr>
+          <p:cNvSpPr>
+            <a:spLocks noGrp="1"/>
+          </p:cNvSpPr>
+          <p:nvPr>
+            <p:ph type="title"/>
+          </p:nvPr>
+        </p:nvSpPr>
+        <p:spPr/>
+        <p:txBody>
+          <a:bodyPr/>
+          <a:lstStyle/>
+          <a:p>
+            <a:r>
+              <a:rPr lang="en-US" dirty="0"/>
+              <a:t>Application from our learnings</a:t>
+            </a:r>
+            <a:endParaRPr lang="en-IN" dirty="0"/>
+          </a:p>
+        </p:txBody>
+      </p:sp>
+      <p:sp>
+        <p:nvSpPr>
+          <p:cNvPr id="3" name="Content Placeholder 2">
+            <a:extLst>
+              <a:ext uri="{FF2B5EF4-FFF2-40B4-BE49-F238E27FC236}">
+                <a16:creationId xmlns:a16="http://schemas.microsoft.com/office/drawing/2014/main" id="{416DBBA3-9E21-4F7B-8DD4-07E0BD6E55BF}"/>
+              </a:ext>
+            </a:extLst>
+          </p:cNvPr>
+          <p:cNvSpPr>
+            <a:spLocks noGrp="1"/>
+          </p:cNvSpPr>
+          <p:nvPr>
+            <p:ph idx="1"/>
+          </p:nvPr>
+        </p:nvSpPr>
+        <p:spPr>
+          <a:xfrm>
+            <a:off x="680322" y="2272683"/>
+            <a:ext cx="9404712" cy="3832090"/>
+          </a:xfrm>
+        </p:spPr>
+        <p:txBody>
+          <a:bodyPr>
+            <a:normAutofit fontScale="92500" lnSpcReduction="10000"/>
+          </a:bodyPr>
+          <a:lstStyle/>
+          <a:p>
+            <a:r>
+              <a:rPr lang="en-US" sz="2800" dirty="0" err="1"/>
+              <a:t>Tkinter</a:t>
+            </a:r>
+            <a:r>
+              <a:rPr lang="en-US" sz="2800" dirty="0"/>
+              <a:t> module</a:t>
+            </a:r>
+            <a:endParaRPr lang="en-US" sz="2400" dirty="0"/>
+          </a:p>
+          <a:p>
+            <a:pPr lvl="1"/>
+            <a:r>
+              <a:rPr lang="en-US" sz="2400" dirty="0"/>
+              <a:t>Message box</a:t>
+            </a:r>
+          </a:p>
+          <a:p>
+            <a:pPr lvl="1"/>
+            <a:r>
+              <a:rPr lang="en-US" sz="2400" dirty="0"/>
+              <a:t>Combo box</a:t>
+            </a:r>
+          </a:p>
+          <a:p>
+            <a:pPr lvl="1"/>
+            <a:r>
+              <a:rPr lang="en-US" sz="2400" dirty="0"/>
+              <a:t>Frame navigations</a:t>
+            </a:r>
+          </a:p>
+          <a:p>
+            <a:r>
+              <a:rPr lang="en-US" sz="2800" dirty="0"/>
+              <a:t>Regular expressions</a:t>
+            </a:r>
+          </a:p>
+          <a:p>
+            <a:r>
+              <a:rPr lang="en-US" sz="2800" dirty="0"/>
+              <a:t>List comprehensions</a:t>
+            </a:r>
+          </a:p>
+          <a:p>
+            <a:r>
+              <a:rPr lang="en-US" sz="2800" dirty="0"/>
+              <a:t>Database connectivity</a:t>
+            </a:r>
+          </a:p>
+          <a:p>
+            <a:r>
+              <a:rPr lang="en-US" sz="2800" dirty="0"/>
+              <a:t>File handling</a:t>
+            </a:r>
+          </a:p>
+          <a:p>
+            <a:r>
+              <a:rPr lang="en-US" sz="2800" dirty="0"/>
+              <a:t>Lambda functions</a:t>
+            </a:r>
+          </a:p>
+        </p:txBody>
+      </p:sp>
+    </p:spTree>
+    <p:extLst>
+      <p:ext uri="{BB962C8B-B14F-4D97-AF65-F5344CB8AC3E}">
+        <p14:creationId xmlns:p14="http://schemas.microsoft.com/office/powerpoint/2010/main" val="3137549881"/>
+      </p:ext>
+    </p:extLst>
+  </p:cSld>
+  <p:clrMapOvr>
+    <a:masterClrMapping/>
+  </p:clrMapOvr>
+</p:sld>
+</file>
+
+<file path=ppt/slides/slide11.xml><?xml version="1.0" encoding="utf-8"?>
+<p:sld xmlns:a="http://schemas.openxmlformats.org/drawingml/2006/main" xmlns:r="http://schemas.openxmlformats.org/officeDocument/2006/relationships" xmlns:p="http://schemas.openxmlformats.org/presentationml/2006/main">
+  <p:cSld>
+    <p:spTree>
+      <p:nvGrpSpPr>
+        <p:cNvPr id="1" name=""/>
+        <p:cNvGrpSpPr/>
+        <p:nvPr/>
+      </p:nvGrpSpPr>
+      <p:grpSpPr>
+        <a:xfrm>
+          <a:off x="0" y="0"/>
+          <a:ext cx="0" cy="0"/>
+          <a:chOff x="0" y="0"/>
+          <a:chExt cx="0" cy="0"/>
+        </a:xfrm>
+      </p:grpSpPr>
+      <p:sp>
+        <p:nvSpPr>
+          <p:cNvPr id="2" name="Title 1">
+            <a:extLst>
+              <a:ext uri="{FF2B5EF4-FFF2-40B4-BE49-F238E27FC236}">
                 <a16:creationId xmlns:a16="http://schemas.microsoft.com/office/drawing/2014/main" id="{FD33C52F-37FF-4F31-9769-79EB10F787BF}"/>
               </a:ext>
             </a:extLst>
@@ -7910,7 +8066,7 @@
 </p:sld>
 </file>
 
-<file path=ppt/slides/slide11.xml><?xml version="1.0" encoding="utf-8"?>
+<file path=ppt/slides/slide12.xml><?xml version="1.0" encoding="utf-8"?>
 <p:sld xmlns:a="http://schemas.openxmlformats.org/drawingml/2006/main" xmlns:r="http://schemas.openxmlformats.org/officeDocument/2006/relationships" xmlns:p="http://schemas.openxmlformats.org/presentationml/2006/main">
   <p:cSld>
     <p:spTree>
@@ -8834,173 +8990,655 @@
           </a:p>
         </p:txBody>
       </p:sp>
-      <p:sp>
-        <p:nvSpPr>
-          <p:cNvPr id="3" name="Content Placeholder 2">
+      <p:graphicFrame>
+        <p:nvGraphicFramePr>
+          <p:cNvPr id="4" name="Table 4">
             <a:extLst>
               <a:ext uri="{FF2B5EF4-FFF2-40B4-BE49-F238E27FC236}">
-                <a16:creationId xmlns:a16="http://schemas.microsoft.com/office/drawing/2014/main" id="{348576FD-9C5C-4D9B-B9F8-036013D49FCB}"/>
+                <a16:creationId xmlns:a16="http://schemas.microsoft.com/office/drawing/2014/main" id="{DE186617-92A0-4EA2-BED0-F1E34DD79E54}"/>
               </a:ext>
             </a:extLst>
           </p:cNvPr>
-          <p:cNvSpPr>
-            <a:spLocks noGrp="1"/>
-          </p:cNvSpPr>
-          <p:nvPr>
-            <p:ph idx="1"/>
-          </p:nvPr>
-        </p:nvSpPr>
-        <p:spPr>
-          <a:xfrm>
-            <a:off x="680321" y="2336873"/>
-            <a:ext cx="9613861" cy="4134948"/>
-          </a:xfrm>
-        </p:spPr>
-        <p:txBody>
-          <a:bodyPr>
-            <a:normAutofit/>
-          </a:bodyPr>
-          <a:lstStyle/>
-          <a:p>
-            <a:r>
-              <a:rPr lang="en-US" dirty="0"/>
-              <a:t>Frontend-Rushabh Gandhi &amp; </a:t>
-            </a:r>
-            <a:r>
-              <a:rPr lang="en-US" dirty="0" err="1"/>
-              <a:t>Pathik</a:t>
-            </a:r>
-            <a:r>
-              <a:rPr lang="en-US" dirty="0"/>
-              <a:t> </a:t>
-            </a:r>
-            <a:r>
-              <a:rPr lang="en-US" dirty="0" err="1"/>
-              <a:t>Ghugare</a:t>
-            </a:r>
-            <a:r>
-              <a:rPr lang="en-US" dirty="0"/>
-              <a:t>.</a:t>
-            </a:r>
-          </a:p>
-          <a:p>
-            <a:r>
-              <a:rPr lang="en-US" dirty="0"/>
-              <a:t>UI Design-Rushabh Gandhi &amp; </a:t>
-            </a:r>
-            <a:r>
-              <a:rPr lang="en-US" dirty="0" err="1"/>
-              <a:t>Pathik</a:t>
-            </a:r>
-            <a:r>
-              <a:rPr lang="en-US" dirty="0"/>
-              <a:t> </a:t>
-            </a:r>
-            <a:r>
-              <a:rPr lang="en-US" dirty="0" err="1"/>
-              <a:t>Ghugare</a:t>
-            </a:r>
-            <a:r>
-              <a:rPr lang="en-US" dirty="0"/>
-              <a:t>.</a:t>
-            </a:r>
-            <a:endParaRPr lang="en-IN" dirty="0"/>
-          </a:p>
-          <a:p>
-            <a:r>
-              <a:rPr lang="en-US" dirty="0"/>
-              <a:t>Database Design- Rushabh Gandhi.</a:t>
-            </a:r>
-          </a:p>
-          <a:p>
-            <a:r>
-              <a:rPr lang="en-US" dirty="0"/>
-              <a:t>Database connectivity &amp; query handling-Rushabh Gandhi.</a:t>
-            </a:r>
-          </a:p>
-          <a:p>
-            <a:r>
-              <a:rPr lang="en-US" dirty="0"/>
-              <a:t>Creation of frames-</a:t>
-            </a:r>
-            <a:r>
-              <a:rPr lang="en-US" dirty="0" err="1"/>
-              <a:t>Pathik</a:t>
-            </a:r>
-            <a:r>
-              <a:rPr lang="en-US" dirty="0"/>
-              <a:t> </a:t>
-            </a:r>
-            <a:r>
-              <a:rPr lang="en-US" dirty="0" err="1"/>
-              <a:t>Ghugare</a:t>
-            </a:r>
-            <a:r>
-              <a:rPr lang="en-US" dirty="0"/>
-              <a:t>.</a:t>
-            </a:r>
-          </a:p>
-          <a:p>
-            <a:r>
-              <a:rPr lang="en-US" dirty="0"/>
-              <a:t>Adding functionality to frames-</a:t>
-            </a:r>
-            <a:r>
-              <a:rPr lang="en-US" dirty="0" err="1"/>
-              <a:t>Pathik</a:t>
-            </a:r>
-            <a:r>
-              <a:rPr lang="en-US" dirty="0"/>
-              <a:t> </a:t>
-            </a:r>
-            <a:r>
-              <a:rPr lang="en-US" dirty="0" err="1"/>
-              <a:t>Ghugare</a:t>
-            </a:r>
-            <a:r>
-              <a:rPr lang="en-US" dirty="0"/>
-              <a:t>.</a:t>
-            </a:r>
-          </a:p>
-          <a:p>
-            <a:r>
-              <a:rPr lang="en-US" dirty="0"/>
-              <a:t>Dynamic calculation of profit and loss-Rushabh Gandhi.</a:t>
-            </a:r>
-          </a:p>
-          <a:p>
-            <a:r>
-              <a:rPr lang="en-US" dirty="0"/>
-              <a:t>Managing the bills- Rushabh Gandhi.</a:t>
-            </a:r>
-          </a:p>
-          <a:p>
-            <a:r>
-              <a:rPr lang="en-US" dirty="0"/>
-              <a:t>Exception handling- </a:t>
-            </a:r>
-            <a:r>
-              <a:rPr lang="en-US" dirty="0" err="1"/>
-              <a:t>Pathik</a:t>
-            </a:r>
-            <a:r>
-              <a:rPr lang="en-US" dirty="0"/>
-              <a:t> </a:t>
-            </a:r>
-            <a:r>
-              <a:rPr lang="en-US" dirty="0" err="1"/>
-              <a:t>Ghugare</a:t>
-            </a:r>
-            <a:r>
-              <a:rPr lang="en-US" dirty="0"/>
-              <a:t>.</a:t>
-            </a:r>
-          </a:p>
-          <a:p>
-            <a:endParaRPr lang="en-US" dirty="0"/>
-          </a:p>
-        </p:txBody>
-      </p:sp>
+          <p:cNvGraphicFramePr>
+            <a:graphicFrameLocks noGrp="1"/>
+          </p:cNvGraphicFramePr>
+          <p:nvPr>
+            <p:extLst>
+              <p:ext uri="{D42A27DB-BD31-4B8C-83A1-F6EECF244321}">
+                <p14:modId xmlns:p14="http://schemas.microsoft.com/office/powerpoint/2010/main" val="2584626587"/>
+              </p:ext>
+            </p:extLst>
+          </p:nvPr>
+        </p:nvGraphicFramePr>
+        <p:xfrm>
+          <a:off x="1721280" y="1834166"/>
+          <a:ext cx="8128000" cy="4348480"/>
+        </p:xfrm>
+        <a:graphic>
+          <a:graphicData uri="http://schemas.openxmlformats.org/drawingml/2006/table">
+            <a:tbl>
+              <a:tblPr firstRow="1" bandRow="1">
+                <a:tableStyleId>{5C22544A-7EE6-4342-B048-85BDC9FD1C3A}</a:tableStyleId>
+              </a:tblPr>
+              <a:tblGrid>
+                <a:gridCol w="4064000">
+                  <a:extLst>
+                    <a:ext uri="{9D8B030D-6E8A-4147-A177-3AD203B41FA5}">
+                      <a16:colId xmlns:a16="http://schemas.microsoft.com/office/drawing/2014/main" val="2923306830"/>
+                    </a:ext>
+                  </a:extLst>
+                </a:gridCol>
+                <a:gridCol w="4064000">
+                  <a:extLst>
+                    <a:ext uri="{9D8B030D-6E8A-4147-A177-3AD203B41FA5}">
+                      <a16:colId xmlns:a16="http://schemas.microsoft.com/office/drawing/2014/main" val="3139532370"/>
+                    </a:ext>
+                  </a:extLst>
+                </a:gridCol>
+              </a:tblGrid>
+              <a:tr h="370840">
+                <a:tc>
+                  <a:txBody>
+                    <a:bodyPr/>
+                    <a:lstStyle/>
+                    <a:p>
+                      <a:pPr marL="0" marR="0" lvl="0" indent="0" algn="l" defTabSz="914400" rtl="0" eaLnBrk="1" fontAlgn="auto" latinLnBrk="0" hangingPunct="1">
+                        <a:lnSpc>
+                          <a:spcPct val="100000"/>
+                        </a:lnSpc>
+                        <a:spcBef>
+                          <a:spcPts val="0"/>
+                        </a:spcBef>
+                        <a:spcAft>
+                          <a:spcPts val="0"/>
+                        </a:spcAft>
+                        <a:buClrTx/>
+                        <a:buSzTx/>
+                        <a:buFontTx/>
+                        <a:buNone/>
+                        <a:tabLst/>
+                        <a:defRPr/>
+                      </a:pPr>
+                      <a:r>
+                        <a:rPr lang="en-US" dirty="0"/>
+                        <a:t>Work </a:t>
+                      </a:r>
+                    </a:p>
+                  </a:txBody>
+                  <a:tcPr/>
+                </a:tc>
+                <a:tc>
+                  <a:txBody>
+                    <a:bodyPr/>
+                    <a:lstStyle/>
+                    <a:p>
+                      <a:pPr marL="0" marR="0" lvl="0" indent="0" algn="l" defTabSz="914400" rtl="0" eaLnBrk="1" fontAlgn="auto" latinLnBrk="0" hangingPunct="1">
+                        <a:lnSpc>
+                          <a:spcPct val="100000"/>
+                        </a:lnSpc>
+                        <a:spcBef>
+                          <a:spcPts val="0"/>
+                        </a:spcBef>
+                        <a:spcAft>
+                          <a:spcPts val="0"/>
+                        </a:spcAft>
+                        <a:buClrTx/>
+                        <a:buSzTx/>
+                        <a:buFontTx/>
+                        <a:buNone/>
+                        <a:tabLst/>
+                        <a:defRPr/>
+                      </a:pPr>
+                      <a:r>
+                        <a:rPr lang="en-US" dirty="0"/>
+                        <a:t>Student Name</a:t>
+                      </a:r>
+                      <a:endParaRPr lang="en-IN" dirty="0"/>
+                    </a:p>
+                  </a:txBody>
+                  <a:tcPr/>
+                </a:tc>
+                <a:extLst>
+                  <a:ext uri="{0D108BD9-81ED-4DB2-BD59-A6C34878D82A}">
+                    <a16:rowId xmlns:a16="http://schemas.microsoft.com/office/drawing/2014/main" val="322224828"/>
+                  </a:ext>
+                </a:extLst>
+              </a:tr>
+              <a:tr h="370840">
+                <a:tc>
+                  <a:txBody>
+                    <a:bodyPr/>
+                    <a:lstStyle/>
+                    <a:p>
+                      <a:r>
+                        <a:rPr lang="en-US" dirty="0"/>
+                        <a:t>Frontend</a:t>
+                      </a:r>
+                      <a:endParaRPr lang="en-IN" dirty="0"/>
+                    </a:p>
+                  </a:txBody>
+                  <a:tcPr/>
+                </a:tc>
+                <a:tc>
+                  <a:txBody>
+                    <a:bodyPr/>
+                    <a:lstStyle/>
+                    <a:p>
+                      <a:pPr marL="0" marR="0" lvl="0" indent="0" algn="l" defTabSz="914400" rtl="0" eaLnBrk="1" fontAlgn="auto" latinLnBrk="0" hangingPunct="1">
+                        <a:lnSpc>
+                          <a:spcPct val="100000"/>
+                        </a:lnSpc>
+                        <a:spcBef>
+                          <a:spcPts val="0"/>
+                        </a:spcBef>
+                        <a:spcAft>
+                          <a:spcPts val="0"/>
+                        </a:spcAft>
+                        <a:buClrTx/>
+                        <a:buSzTx/>
+                        <a:buFontTx/>
+                        <a:buNone/>
+                        <a:tabLst/>
+                        <a:defRPr/>
+                      </a:pPr>
+                      <a:r>
+                        <a:rPr lang="en-US" dirty="0"/>
+                        <a:t>Rushabh Gandhi &amp; </a:t>
+                      </a:r>
+                      <a:r>
+                        <a:rPr lang="en-US" dirty="0" err="1"/>
+                        <a:t>Pathik</a:t>
+                      </a:r>
+                      <a:r>
+                        <a:rPr lang="en-US" dirty="0"/>
+                        <a:t> </a:t>
+                      </a:r>
+                      <a:r>
+                        <a:rPr lang="en-US" dirty="0" err="1"/>
+                        <a:t>Ghugare</a:t>
+                      </a:r>
+                      <a:r>
+                        <a:rPr lang="en-US" dirty="0"/>
+                        <a:t>.</a:t>
+                      </a:r>
+                    </a:p>
+                  </a:txBody>
+                  <a:tcPr/>
+                </a:tc>
+                <a:extLst>
+                  <a:ext uri="{0D108BD9-81ED-4DB2-BD59-A6C34878D82A}">
+                    <a16:rowId xmlns:a16="http://schemas.microsoft.com/office/drawing/2014/main" val="4262348320"/>
+                  </a:ext>
+                </a:extLst>
+              </a:tr>
+              <a:tr h="370840">
+                <a:tc>
+                  <a:txBody>
+                    <a:bodyPr/>
+                    <a:lstStyle/>
+                    <a:p>
+                      <a:r>
+                        <a:rPr lang="en-US" dirty="0"/>
+                        <a:t>UI Design</a:t>
+                      </a:r>
+                      <a:endParaRPr lang="en-IN" dirty="0"/>
+                    </a:p>
+                  </a:txBody>
+                  <a:tcPr/>
+                </a:tc>
+                <a:tc>
+                  <a:txBody>
+                    <a:bodyPr/>
+                    <a:lstStyle/>
+                    <a:p>
+                      <a:r>
+                        <a:rPr lang="en-US" dirty="0"/>
+                        <a:t>Rushabh Gandhi &amp; </a:t>
+                      </a:r>
+                      <a:r>
+                        <a:rPr lang="en-US" dirty="0" err="1"/>
+                        <a:t>Pathik</a:t>
+                      </a:r>
+                      <a:r>
+                        <a:rPr lang="en-US" dirty="0"/>
+                        <a:t> </a:t>
+                      </a:r>
+                      <a:r>
+                        <a:rPr lang="en-US" dirty="0" err="1"/>
+                        <a:t>Ghugare</a:t>
+                      </a:r>
+                      <a:r>
+                        <a:rPr lang="en-US" dirty="0"/>
+                        <a:t>.</a:t>
+                      </a:r>
+                      <a:endParaRPr lang="en-IN" dirty="0"/>
+                    </a:p>
+                  </a:txBody>
+                  <a:tcPr/>
+                </a:tc>
+                <a:extLst>
+                  <a:ext uri="{0D108BD9-81ED-4DB2-BD59-A6C34878D82A}">
+                    <a16:rowId xmlns:a16="http://schemas.microsoft.com/office/drawing/2014/main" val="843745211"/>
+                  </a:ext>
+                </a:extLst>
+              </a:tr>
+              <a:tr h="370840">
+                <a:tc>
+                  <a:txBody>
+                    <a:bodyPr/>
+                    <a:lstStyle/>
+                    <a:p>
+                      <a:r>
+                        <a:rPr lang="en-US" dirty="0"/>
+                        <a:t>Database Design</a:t>
+                      </a:r>
+                    </a:p>
+                  </a:txBody>
+                  <a:tcPr/>
+                </a:tc>
+                <a:tc>
+                  <a:txBody>
+                    <a:bodyPr/>
+                    <a:lstStyle/>
+                    <a:p>
+                      <a:r>
+                        <a:rPr lang="en-US" dirty="0"/>
+                        <a:t>Rushabh Gandhi</a:t>
+                      </a:r>
+                      <a:endParaRPr lang="en-IN" dirty="0"/>
+                    </a:p>
+                  </a:txBody>
+                  <a:tcPr/>
+                </a:tc>
+                <a:extLst>
+                  <a:ext uri="{0D108BD9-81ED-4DB2-BD59-A6C34878D82A}">
+                    <a16:rowId xmlns:a16="http://schemas.microsoft.com/office/drawing/2014/main" val="1747533852"/>
+                  </a:ext>
+                </a:extLst>
+              </a:tr>
+              <a:tr h="370840">
+                <a:tc>
+                  <a:txBody>
+                    <a:bodyPr/>
+                    <a:lstStyle/>
+                    <a:p>
+                      <a:r>
+                        <a:rPr lang="en-US" dirty="0"/>
+                        <a:t>Database connectivity &amp; query handling</a:t>
+                      </a:r>
+                    </a:p>
+                  </a:txBody>
+                  <a:tcPr/>
+                </a:tc>
+                <a:tc>
+                  <a:txBody>
+                    <a:bodyPr/>
+                    <a:lstStyle/>
+                    <a:p>
+                      <a:r>
+                        <a:rPr lang="en-US" dirty="0"/>
+                        <a:t>Rushabh Gandhi</a:t>
+                      </a:r>
+                      <a:endParaRPr lang="en-IN" dirty="0"/>
+                    </a:p>
+                  </a:txBody>
+                  <a:tcPr/>
+                </a:tc>
+                <a:extLst>
+                  <a:ext uri="{0D108BD9-81ED-4DB2-BD59-A6C34878D82A}">
+                    <a16:rowId xmlns:a16="http://schemas.microsoft.com/office/drawing/2014/main" val="4146126291"/>
+                  </a:ext>
+                </a:extLst>
+              </a:tr>
+              <a:tr h="370840">
+                <a:tc>
+                  <a:txBody>
+                    <a:bodyPr/>
+                    <a:lstStyle/>
+                    <a:p>
+                      <a:r>
+                        <a:rPr lang="en-US" dirty="0"/>
+                        <a:t>Creation of frames</a:t>
+                      </a:r>
+                    </a:p>
+                  </a:txBody>
+                  <a:tcPr/>
+                </a:tc>
+                <a:tc>
+                  <a:txBody>
+                    <a:bodyPr/>
+                    <a:lstStyle/>
+                    <a:p>
+                      <a:r>
+                        <a:rPr lang="en-US" dirty="0" err="1"/>
+                        <a:t>Pathik</a:t>
+                      </a:r>
+                      <a:r>
+                        <a:rPr lang="en-US" dirty="0"/>
+                        <a:t> </a:t>
+                      </a:r>
+                      <a:r>
+                        <a:rPr lang="en-US" dirty="0" err="1"/>
+                        <a:t>Ghugare</a:t>
+                      </a:r>
+                      <a:endParaRPr lang="en-IN" dirty="0"/>
+                    </a:p>
+                  </a:txBody>
+                  <a:tcPr/>
+                </a:tc>
+                <a:extLst>
+                  <a:ext uri="{0D108BD9-81ED-4DB2-BD59-A6C34878D82A}">
+                    <a16:rowId xmlns:a16="http://schemas.microsoft.com/office/drawing/2014/main" val="1363928256"/>
+                  </a:ext>
+                </a:extLst>
+              </a:tr>
+              <a:tr h="370840">
+                <a:tc>
+                  <a:txBody>
+                    <a:bodyPr/>
+                    <a:lstStyle/>
+                    <a:p>
+                      <a:r>
+                        <a:rPr lang="en-US" dirty="0"/>
+                        <a:t>Adding functionality to frames</a:t>
+                      </a:r>
+                    </a:p>
+                  </a:txBody>
+                  <a:tcPr/>
+                </a:tc>
+                <a:tc>
+                  <a:txBody>
+                    <a:bodyPr/>
+                    <a:lstStyle/>
+                    <a:p>
+                      <a:r>
+                        <a:rPr lang="en-US" dirty="0" err="1"/>
+                        <a:t>Pathik</a:t>
+                      </a:r>
+                      <a:r>
+                        <a:rPr lang="en-US" dirty="0"/>
+                        <a:t> </a:t>
+                      </a:r>
+                      <a:r>
+                        <a:rPr lang="en-US" dirty="0" err="1"/>
+                        <a:t>Ghugare</a:t>
+                      </a:r>
+                      <a:endParaRPr lang="en-IN" dirty="0"/>
+                    </a:p>
+                  </a:txBody>
+                  <a:tcPr/>
+                </a:tc>
+                <a:extLst>
+                  <a:ext uri="{0D108BD9-81ED-4DB2-BD59-A6C34878D82A}">
+                    <a16:rowId xmlns:a16="http://schemas.microsoft.com/office/drawing/2014/main" val="853855066"/>
+                  </a:ext>
+                </a:extLst>
+              </a:tr>
+              <a:tr h="370840">
+                <a:tc>
+                  <a:txBody>
+                    <a:bodyPr/>
+                    <a:lstStyle/>
+                    <a:p>
+                      <a:r>
+                        <a:rPr lang="en-US" dirty="0"/>
+                        <a:t>Dynamic calculation of profit and loss</a:t>
+                      </a:r>
+                    </a:p>
+                  </a:txBody>
+                  <a:tcPr/>
+                </a:tc>
+                <a:tc>
+                  <a:txBody>
+                    <a:bodyPr/>
+                    <a:lstStyle/>
+                    <a:p>
+                      <a:pPr marL="0" marR="0" lvl="0" indent="0" algn="l" defTabSz="914400" rtl="0" eaLnBrk="1" fontAlgn="auto" latinLnBrk="0" hangingPunct="1">
+                        <a:lnSpc>
+                          <a:spcPct val="100000"/>
+                        </a:lnSpc>
+                        <a:spcBef>
+                          <a:spcPts val="0"/>
+                        </a:spcBef>
+                        <a:spcAft>
+                          <a:spcPts val="0"/>
+                        </a:spcAft>
+                        <a:buClrTx/>
+                        <a:buSzTx/>
+                        <a:buFontTx/>
+                        <a:buNone/>
+                        <a:tabLst/>
+                        <a:defRPr/>
+                      </a:pPr>
+                      <a:r>
+                        <a:rPr lang="en-US" dirty="0"/>
+                        <a:t>Rushabh Gandhi</a:t>
+                      </a:r>
+                      <a:endParaRPr lang="en-IN" dirty="0"/>
+                    </a:p>
+                  </a:txBody>
+                  <a:tcPr/>
+                </a:tc>
+                <a:extLst>
+                  <a:ext uri="{0D108BD9-81ED-4DB2-BD59-A6C34878D82A}">
+                    <a16:rowId xmlns:a16="http://schemas.microsoft.com/office/drawing/2014/main" val="739587296"/>
+                  </a:ext>
+                </a:extLst>
+              </a:tr>
+              <a:tr h="370840">
+                <a:tc>
+                  <a:txBody>
+                    <a:bodyPr/>
+                    <a:lstStyle/>
+                    <a:p>
+                      <a:r>
+                        <a:rPr lang="en-US" dirty="0"/>
+                        <a:t>Managing the bills</a:t>
+                      </a:r>
+                    </a:p>
+                  </a:txBody>
+                  <a:tcPr/>
+                </a:tc>
+                <a:tc>
+                  <a:txBody>
+                    <a:bodyPr/>
+                    <a:lstStyle/>
+                    <a:p>
+                      <a:pPr marL="0" marR="0" lvl="0" indent="0" algn="l" defTabSz="914400" rtl="0" eaLnBrk="1" fontAlgn="auto" latinLnBrk="0" hangingPunct="1">
+                        <a:lnSpc>
+                          <a:spcPct val="100000"/>
+                        </a:lnSpc>
+                        <a:spcBef>
+                          <a:spcPts val="0"/>
+                        </a:spcBef>
+                        <a:spcAft>
+                          <a:spcPts val="0"/>
+                        </a:spcAft>
+                        <a:buClrTx/>
+                        <a:buSzTx/>
+                        <a:buFontTx/>
+                        <a:buNone/>
+                        <a:tabLst/>
+                        <a:defRPr/>
+                      </a:pPr>
+                      <a:r>
+                        <a:rPr lang="en-US" dirty="0"/>
+                        <a:t>Rushabh Gandhi</a:t>
+                      </a:r>
+                      <a:endParaRPr lang="en-IN" dirty="0"/>
+                    </a:p>
+                  </a:txBody>
+                  <a:tcPr/>
+                </a:tc>
+                <a:extLst>
+                  <a:ext uri="{0D108BD9-81ED-4DB2-BD59-A6C34878D82A}">
+                    <a16:rowId xmlns:a16="http://schemas.microsoft.com/office/drawing/2014/main" val="418851743"/>
+                  </a:ext>
+                </a:extLst>
+              </a:tr>
+              <a:tr h="370840">
+                <a:tc>
+                  <a:txBody>
+                    <a:bodyPr/>
+                    <a:lstStyle/>
+                    <a:p>
+                      <a:pPr marL="0" marR="0" lvl="0" indent="0" algn="l" defTabSz="914400" rtl="0" eaLnBrk="1" fontAlgn="auto" latinLnBrk="0" hangingPunct="1">
+                        <a:lnSpc>
+                          <a:spcPct val="100000"/>
+                        </a:lnSpc>
+                        <a:spcBef>
+                          <a:spcPts val="0"/>
+                        </a:spcBef>
+                        <a:spcAft>
+                          <a:spcPts val="0"/>
+                        </a:spcAft>
+                        <a:buClrTx/>
+                        <a:buSzTx/>
+                        <a:buFontTx/>
+                        <a:buNone/>
+                        <a:tabLst/>
+                        <a:defRPr/>
+                      </a:pPr>
+                      <a:r>
+                        <a:rPr lang="en-US" dirty="0"/>
+                        <a:t>Exception handling</a:t>
+                      </a:r>
+                    </a:p>
+                  </a:txBody>
+                  <a:tcPr/>
+                </a:tc>
+                <a:tc>
+                  <a:txBody>
+                    <a:bodyPr/>
+                    <a:lstStyle/>
+                    <a:p>
+                      <a:pPr marL="0" marR="0" lvl="0" indent="0" algn="l" defTabSz="914400" rtl="0" eaLnBrk="1" fontAlgn="auto" latinLnBrk="0" hangingPunct="1">
+                        <a:lnSpc>
+                          <a:spcPct val="100000"/>
+                        </a:lnSpc>
+                        <a:spcBef>
+                          <a:spcPts val="0"/>
+                        </a:spcBef>
+                        <a:spcAft>
+                          <a:spcPts val="0"/>
+                        </a:spcAft>
+                        <a:buClrTx/>
+                        <a:buSzTx/>
+                        <a:buFontTx/>
+                        <a:buNone/>
+                        <a:tabLst/>
+                        <a:defRPr/>
+                      </a:pPr>
+                      <a:r>
+                        <a:rPr lang="en-US" dirty="0" err="1"/>
+                        <a:t>Pathik</a:t>
+                      </a:r>
+                      <a:r>
+                        <a:rPr lang="en-US" dirty="0"/>
+                        <a:t> </a:t>
+                      </a:r>
+                      <a:r>
+                        <a:rPr lang="en-US" dirty="0" err="1"/>
+                        <a:t>Ghugare</a:t>
+                      </a:r>
+                      <a:endParaRPr lang="en-IN" dirty="0"/>
+                    </a:p>
+                  </a:txBody>
+                  <a:tcPr/>
+                </a:tc>
+                <a:extLst>
+                  <a:ext uri="{0D108BD9-81ED-4DB2-BD59-A6C34878D82A}">
+                    <a16:rowId xmlns:a16="http://schemas.microsoft.com/office/drawing/2014/main" val="1896127881"/>
+                  </a:ext>
+                </a:extLst>
+              </a:tr>
+              <a:tr h="370840">
+                <a:tc>
+                  <a:txBody>
+                    <a:bodyPr/>
+                    <a:lstStyle/>
+                    <a:p>
+                      <a:pPr marL="0" marR="0" lvl="0" indent="0" algn="l" defTabSz="914400" rtl="0" eaLnBrk="1" fontAlgn="auto" latinLnBrk="0" hangingPunct="1">
+                        <a:lnSpc>
+                          <a:spcPct val="100000"/>
+                        </a:lnSpc>
+                        <a:spcBef>
+                          <a:spcPts val="0"/>
+                        </a:spcBef>
+                        <a:spcAft>
+                          <a:spcPts val="0"/>
+                        </a:spcAft>
+                        <a:buClrTx/>
+                        <a:buSzTx/>
+                        <a:buFontTx/>
+                        <a:buNone/>
+                        <a:tabLst/>
+                        <a:defRPr/>
+                      </a:pPr>
+                      <a:r>
+                        <a:rPr lang="en-US" dirty="0"/>
+                        <a:t>Added product list view</a:t>
+                      </a:r>
+                    </a:p>
+                  </a:txBody>
+                  <a:tcPr/>
+                </a:tc>
+                <a:tc>
+                  <a:txBody>
+                    <a:bodyPr/>
+                    <a:lstStyle/>
+                    <a:p>
+                      <a:pPr marL="0" marR="0" lvl="0" indent="0" algn="l" defTabSz="914400" rtl="0" eaLnBrk="1" fontAlgn="auto" latinLnBrk="0" hangingPunct="1">
+                        <a:lnSpc>
+                          <a:spcPct val="100000"/>
+                        </a:lnSpc>
+                        <a:spcBef>
+                          <a:spcPts val="0"/>
+                        </a:spcBef>
+                        <a:spcAft>
+                          <a:spcPts val="0"/>
+                        </a:spcAft>
+                        <a:buClrTx/>
+                        <a:buSzTx/>
+                        <a:buFontTx/>
+                        <a:buNone/>
+                        <a:tabLst/>
+                        <a:defRPr/>
+                      </a:pPr>
+                      <a:r>
+                        <a:rPr lang="en-US" dirty="0"/>
+                        <a:t>Rushabh Gandhi &amp; </a:t>
+                      </a:r>
+                      <a:r>
+                        <a:rPr lang="en-US" dirty="0" err="1"/>
+                        <a:t>Pathik</a:t>
+                      </a:r>
+                      <a:r>
+                        <a:rPr lang="en-US" dirty="0"/>
+                        <a:t> </a:t>
+                      </a:r>
+                      <a:r>
+                        <a:rPr lang="en-US" dirty="0" err="1"/>
+                        <a:t>Ghugare</a:t>
+                      </a:r>
+                      <a:r>
+                        <a:rPr lang="en-US" dirty="0"/>
+                        <a:t>.</a:t>
+                      </a:r>
+                    </a:p>
+                  </a:txBody>
+                  <a:tcPr/>
+                </a:tc>
+                <a:extLst>
+                  <a:ext uri="{0D108BD9-81ED-4DB2-BD59-A6C34878D82A}">
+                    <a16:rowId xmlns:a16="http://schemas.microsoft.com/office/drawing/2014/main" val="3219972415"/>
+                  </a:ext>
+                </a:extLst>
+              </a:tr>
+            </a:tbl>
+          </a:graphicData>
+        </a:graphic>
+      </p:graphicFrame>
     </p:spTree>
     <p:extLst>
       <p:ext uri="{BB962C8B-B14F-4D97-AF65-F5344CB8AC3E}">

--- a/KJ Mart.pptx
+++ b/KJ Mart.pptx
@@ -8,13 +8,13 @@
     <p:sldId id="256" r:id="rId2"/>
     <p:sldId id="257" r:id="rId3"/>
     <p:sldId id="259" r:id="rId4"/>
-    <p:sldId id="260" r:id="rId5"/>
+    <p:sldId id="269" r:id="rId5"/>
     <p:sldId id="258" r:id="rId6"/>
-    <p:sldId id="261" r:id="rId7"/>
-    <p:sldId id="262" r:id="rId8"/>
-    <p:sldId id="263" r:id="rId9"/>
-    <p:sldId id="264" r:id="rId10"/>
-    <p:sldId id="267" r:id="rId11"/>
+    <p:sldId id="268" r:id="rId7"/>
+    <p:sldId id="270" r:id="rId8"/>
+    <p:sldId id="267" r:id="rId9"/>
+    <p:sldId id="271" r:id="rId10"/>
+    <p:sldId id="264" r:id="rId11"/>
     <p:sldId id="265" r:id="rId12"/>
     <p:sldId id="266" r:id="rId13"/>
   </p:sldIdLst>
@@ -397,7 +397,7 @@
           <a:p>
             <a:fld id="{78ABE3C1-DBE1-495D-B57B-2849774B866A}" type="datetimeFigureOut">
               <a:rPr lang="en-US" dirty="0"/>
-              <a:t>4/24/2021</a:t>
+              <a:t>4/25/2021</a:t>
             </a:fld>
             <a:endParaRPr lang="en-US" dirty="0"/>
           </a:p>
@@ -806,7 +806,7 @@
           <a:p>
             <a:fld id="{446C117F-5CCF-4837-BE5F-2B92066CAFAF}" type="datetimeFigureOut">
               <a:rPr lang="en-US" dirty="0"/>
-              <a:t>4/24/2021</a:t>
+              <a:t>4/25/2021</a:t>
             </a:fld>
             <a:endParaRPr lang="en-US" dirty="0"/>
           </a:p>
@@ -1137,7 +1137,7 @@
           <a:p>
             <a:fld id="{84EB90BD-B6CE-46B7-997F-7313B992CCDC}" type="datetimeFigureOut">
               <a:rPr lang="en-US" dirty="0"/>
-              <a:t>4/24/2021</a:t>
+              <a:t>4/25/2021</a:t>
             </a:fld>
             <a:endParaRPr lang="en-US" dirty="0"/>
           </a:p>
@@ -1537,7 +1537,7 @@
           <a:p>
             <a:fld id="{CDB9D11F-B188-461D-B23F-39381795C052}" type="datetimeFigureOut">
               <a:rPr lang="en-US" dirty="0"/>
-              <a:t>4/24/2021</a:t>
+              <a:t>4/25/2021</a:t>
             </a:fld>
             <a:endParaRPr lang="en-US" dirty="0"/>
           </a:p>
@@ -2100,7 +2100,7 @@
           <a:p>
             <a:fld id="{52E6D8D9-55A2-4063-B0F3-121F44549695}" type="datetimeFigureOut">
               <a:rPr lang="en-US" dirty="0"/>
-              <a:t>4/24/2021</a:t>
+              <a:t>4/25/2021</a:t>
             </a:fld>
             <a:endParaRPr lang="en-US" dirty="0"/>
           </a:p>
@@ -2776,7 +2776,7 @@
           <a:p>
             <a:fld id="{D4B24536-994D-4021-A283-9F449C0DB509}" type="datetimeFigureOut">
               <a:rPr lang="en-US" dirty="0"/>
-              <a:t>4/24/2021</a:t>
+              <a:t>4/25/2021</a:t>
             </a:fld>
             <a:endParaRPr lang="en-US" dirty="0"/>
           </a:p>
@@ -3684,7 +3684,7 @@
           <a:p>
             <a:fld id="{3CBBBB78-C96F-47B7-AB17-D852CA960AC9}" type="datetimeFigureOut">
               <a:rPr lang="en-US" dirty="0"/>
-              <a:t>4/24/2021</a:t>
+              <a:t>4/25/2021</a:t>
             </a:fld>
             <a:endParaRPr lang="en-US" dirty="0"/>
           </a:p>
@@ -3992,7 +3992,7 @@
           <a:p>
             <a:fld id="{1FA3F48C-C7C6-4055-9F49-3777875E72AE}" type="datetimeFigureOut">
               <a:rPr lang="en-US" dirty="0"/>
-              <a:t>4/24/2021</a:t>
+              <a:t>4/25/2021</a:t>
             </a:fld>
             <a:endParaRPr lang="en-US" dirty="0"/>
           </a:p>
@@ -4251,7 +4251,7 @@
           <a:p>
             <a:fld id="{6178E61D-D431-422C-9764-11DAFE33AB63}" type="datetimeFigureOut">
               <a:rPr lang="en-US" dirty="0"/>
-              <a:t>4/24/2021</a:t>
+              <a:t>4/25/2021</a:t>
             </a:fld>
             <a:endParaRPr lang="en-US" dirty="0"/>
           </a:p>
@@ -4570,7 +4570,7 @@
           <a:p>
             <a:fld id="{12DE42F4-6EEF-4EF7-8ED4-2208F0F89A08}" type="datetimeFigureOut">
               <a:rPr lang="en-US" dirty="0"/>
-              <a:t>4/24/2021</a:t>
+              <a:t>4/25/2021</a:t>
             </a:fld>
             <a:endParaRPr lang="en-US" dirty="0"/>
           </a:p>
@@ -4954,7 +4954,7 @@
           <a:p>
             <a:fld id="{30578ACC-22D6-47C1-A373-4FD133E34F3C}" type="datetimeFigureOut">
               <a:rPr lang="en-US" dirty="0"/>
-              <a:t>4/24/2021</a:t>
+              <a:t>4/25/2021</a:t>
             </a:fld>
             <a:endParaRPr lang="en-US" dirty="0"/>
           </a:p>
@@ -5325,7 +5325,7 @@
           <a:p>
             <a:fld id="{4E5A6C69-6797-4E8A-BF37-F2C3751466E9}" type="datetimeFigureOut">
               <a:rPr lang="en-US" dirty="0"/>
-              <a:t>4/24/2021</a:t>
+              <a:t>4/25/2021</a:t>
             </a:fld>
             <a:endParaRPr lang="en-US" dirty="0"/>
           </a:p>
@@ -5826,7 +5826,7 @@
           <a:p>
             <a:fld id="{D82014A1-A632-4878-A0D3-F52BA7563730}" type="datetimeFigureOut">
               <a:rPr lang="en-US" dirty="0"/>
-              <a:t>4/24/2021</a:t>
+              <a:t>4/25/2021</a:t>
             </a:fld>
             <a:endParaRPr lang="en-US" dirty="0"/>
           </a:p>
@@ -6078,7 +6078,7 @@
           <a:p>
             <a:fld id="{CE99F462-093F-4566-844B-4C71F2739DA5}" type="datetimeFigureOut">
               <a:rPr lang="en-US" dirty="0"/>
-              <a:t>4/24/2021</a:t>
+              <a:t>4/25/2021</a:t>
             </a:fld>
             <a:endParaRPr lang="en-US" dirty="0"/>
           </a:p>
@@ -6236,7 +6236,7 @@
           <a:p>
             <a:fld id="{3D24A7AC-904D-4781-85BA-7D10C17ED021}" type="datetimeFigureOut">
               <a:rPr lang="en-US" dirty="0"/>
-              <a:t>4/24/2021</a:t>
+              <a:t>4/25/2021</a:t>
             </a:fld>
             <a:endParaRPr lang="en-US" dirty="0"/>
           </a:p>
@@ -6621,7 +6621,7 @@
           <a:p>
             <a:fld id="{E331444B-B92B-4E27-8C94-BB93EAF5CB18}" type="datetimeFigureOut">
               <a:rPr lang="en-US" dirty="0"/>
-              <a:t>4/24/2021</a:t>
+              <a:t>4/25/2021</a:t>
             </a:fld>
             <a:endParaRPr lang="en-US" dirty="0"/>
           </a:p>
@@ -7025,7 +7025,7 @@
           <a:p>
             <a:fld id="{363EFA5E-FA76-400D-B3DC-F0BA90E6D107}" type="datetimeFigureOut">
               <a:rPr lang="en-US" dirty="0"/>
-              <a:t>4/24/2021</a:t>
+              <a:t>4/25/2021</a:t>
             </a:fld>
             <a:endParaRPr lang="en-US" dirty="0"/>
           </a:p>
@@ -7264,7 +7264,7 @@
           <a:p>
             <a:fld id="{9D6E9DEC-419B-4CC5-A080-3B06BD5A8291}" type="datetimeFigureOut">
               <a:rPr lang="en-US" dirty="0"/>
-              <a:t>4/24/2021</a:t>
+              <a:t>4/25/2021</a:t>
             </a:fld>
             <a:endParaRPr lang="en-US" dirty="0"/>
           </a:p>
@@ -7763,1188 +7763,165 @@
   <p:clrMapOvr>
     <a:masterClrMapping/>
   </p:clrMapOvr>
+  <p:timing>
+    <p:tnLst>
+      <p:par>
+        <p:cTn id="1" dur="indefinite" restart="never" nodeType="tmRoot">
+          <p:childTnLst>
+            <p:seq concurrent="1" nextAc="seek">
+              <p:cTn id="2" dur="indefinite" nodeType="mainSeq">
+                <p:childTnLst>
+                  <p:par>
+                    <p:cTn id="3" fill="hold">
+                      <p:stCondLst>
+                        <p:cond delay="indefinite"/>
+                      </p:stCondLst>
+                      <p:childTnLst>
+                        <p:par>
+                          <p:cTn id="4" fill="hold">
+                            <p:stCondLst>
+                              <p:cond delay="0"/>
+                            </p:stCondLst>
+                            <p:childTnLst>
+                              <p:par>
+                                <p:cTn id="5" presetID="10" presetClass="entr" presetSubtype="0" fill="hold" grpId="0" nodeType="clickEffect">
+                                  <p:stCondLst>
+                                    <p:cond delay="0"/>
+                                  </p:stCondLst>
+                                  <p:childTnLst>
+                                    <p:set>
+                                      <p:cBhvr>
+                                        <p:cTn id="6" dur="1" fill="hold">
+                                          <p:stCondLst>
+                                            <p:cond delay="0"/>
+                                          </p:stCondLst>
+                                        </p:cTn>
+                                        <p:tgtEl>
+                                          <p:spTgt spid="3">
+                                            <p:txEl>
+                                              <p:pRg st="0" end="0"/>
+                                            </p:txEl>
+                                          </p:spTgt>
+                                        </p:tgtEl>
+                                        <p:attrNameLst>
+                                          <p:attrName>style.visibility</p:attrName>
+                                        </p:attrNameLst>
+                                      </p:cBhvr>
+                                      <p:to>
+                                        <p:strVal val="visible"/>
+                                      </p:to>
+                                    </p:set>
+                                    <p:animEffect transition="in" filter="fade">
+                                      <p:cBhvr>
+                                        <p:cTn id="7" dur="500"/>
+                                        <p:tgtEl>
+                                          <p:spTgt spid="3">
+                                            <p:txEl>
+                                              <p:pRg st="0" end="0"/>
+                                            </p:txEl>
+                                          </p:spTgt>
+                                        </p:tgtEl>
+                                      </p:cBhvr>
+                                    </p:animEffect>
+                                  </p:childTnLst>
+                                </p:cTn>
+                              </p:par>
+                            </p:childTnLst>
+                          </p:cTn>
+                        </p:par>
+                      </p:childTnLst>
+                    </p:cTn>
+                  </p:par>
+                  <p:par>
+                    <p:cTn id="8" fill="hold">
+                      <p:stCondLst>
+                        <p:cond delay="indefinite"/>
+                      </p:stCondLst>
+                      <p:childTnLst>
+                        <p:par>
+                          <p:cTn id="9" fill="hold">
+                            <p:stCondLst>
+                              <p:cond delay="0"/>
+                            </p:stCondLst>
+                            <p:childTnLst>
+                              <p:par>
+                                <p:cTn id="10" presetID="10" presetClass="entr" presetSubtype="0" fill="hold" grpId="0" nodeType="clickEffect">
+                                  <p:stCondLst>
+                                    <p:cond delay="0"/>
+                                  </p:stCondLst>
+                                  <p:childTnLst>
+                                    <p:set>
+                                      <p:cBhvr>
+                                        <p:cTn id="11" dur="1" fill="hold">
+                                          <p:stCondLst>
+                                            <p:cond delay="0"/>
+                                          </p:stCondLst>
+                                        </p:cTn>
+                                        <p:tgtEl>
+                                          <p:spTgt spid="3">
+                                            <p:txEl>
+                                              <p:pRg st="1" end="1"/>
+                                            </p:txEl>
+                                          </p:spTgt>
+                                        </p:tgtEl>
+                                        <p:attrNameLst>
+                                          <p:attrName>style.visibility</p:attrName>
+                                        </p:attrNameLst>
+                                      </p:cBhvr>
+                                      <p:to>
+                                        <p:strVal val="visible"/>
+                                      </p:to>
+                                    </p:set>
+                                    <p:animEffect transition="in" filter="fade">
+                                      <p:cBhvr>
+                                        <p:cTn id="12" dur="500"/>
+                                        <p:tgtEl>
+                                          <p:spTgt spid="3">
+                                            <p:txEl>
+                                              <p:pRg st="1" end="1"/>
+                                            </p:txEl>
+                                          </p:spTgt>
+                                        </p:tgtEl>
+                                      </p:cBhvr>
+                                    </p:animEffect>
+                                  </p:childTnLst>
+                                </p:cTn>
+                              </p:par>
+                            </p:childTnLst>
+                          </p:cTn>
+                        </p:par>
+                      </p:childTnLst>
+                    </p:cTn>
+                  </p:par>
+                </p:childTnLst>
+              </p:cTn>
+              <p:prevCondLst>
+                <p:cond evt="onPrev" delay="0">
+                  <p:tgtEl>
+                    <p:sldTgt/>
+                  </p:tgtEl>
+                </p:cond>
+              </p:prevCondLst>
+              <p:nextCondLst>
+                <p:cond evt="onNext" delay="0">
+                  <p:tgtEl>
+                    <p:sldTgt/>
+                  </p:tgtEl>
+                </p:cond>
+              </p:nextCondLst>
+            </p:seq>
+          </p:childTnLst>
+        </p:cTn>
+      </p:par>
+    </p:tnLst>
+    <p:bldLst>
+      <p:bldP spid="3" grpId="0" build="p"/>
+    </p:bldLst>
+  </p:timing>
 </p:sld>
 </file>
 
 <file path=ppt/slides/slide10.xml><?xml version="1.0" encoding="utf-8"?>
-<p:sld xmlns:a="http://schemas.openxmlformats.org/drawingml/2006/main" xmlns:r="http://schemas.openxmlformats.org/officeDocument/2006/relationships" xmlns:p="http://schemas.openxmlformats.org/presentationml/2006/main">
-  <p:cSld>
-    <p:spTree>
-      <p:nvGrpSpPr>
-        <p:cNvPr id="1" name=""/>
-        <p:cNvGrpSpPr/>
-        <p:nvPr/>
-      </p:nvGrpSpPr>
-      <p:grpSpPr>
-        <a:xfrm>
-          <a:off x="0" y="0"/>
-          <a:ext cx="0" cy="0"/>
-          <a:chOff x="0" y="0"/>
-          <a:chExt cx="0" cy="0"/>
-        </a:xfrm>
-      </p:grpSpPr>
-      <p:sp>
-        <p:nvSpPr>
-          <p:cNvPr id="2" name="Title 1">
-            <a:extLst>
-              <a:ext uri="{FF2B5EF4-FFF2-40B4-BE49-F238E27FC236}">
-                <a16:creationId xmlns:a16="http://schemas.microsoft.com/office/drawing/2014/main" id="{603CB033-E0B4-4A60-BB6E-D8109CD40A69}"/>
-              </a:ext>
-            </a:extLst>
-          </p:cNvPr>
-          <p:cNvSpPr>
-            <a:spLocks noGrp="1"/>
-          </p:cNvSpPr>
-          <p:nvPr>
-            <p:ph type="title"/>
-          </p:nvPr>
-        </p:nvSpPr>
-        <p:spPr/>
-        <p:txBody>
-          <a:bodyPr/>
-          <a:lstStyle/>
-          <a:p>
-            <a:r>
-              <a:rPr lang="en-US" dirty="0"/>
-              <a:t>Application from our learnings</a:t>
-            </a:r>
-            <a:endParaRPr lang="en-IN" dirty="0"/>
-          </a:p>
-        </p:txBody>
-      </p:sp>
-      <p:sp>
-        <p:nvSpPr>
-          <p:cNvPr id="3" name="Content Placeholder 2">
-            <a:extLst>
-              <a:ext uri="{FF2B5EF4-FFF2-40B4-BE49-F238E27FC236}">
-                <a16:creationId xmlns:a16="http://schemas.microsoft.com/office/drawing/2014/main" id="{416DBBA3-9E21-4F7B-8DD4-07E0BD6E55BF}"/>
-              </a:ext>
-            </a:extLst>
-          </p:cNvPr>
-          <p:cNvSpPr>
-            <a:spLocks noGrp="1"/>
-          </p:cNvSpPr>
-          <p:nvPr>
-            <p:ph idx="1"/>
-          </p:nvPr>
-        </p:nvSpPr>
-        <p:spPr>
-          <a:xfrm>
-            <a:off x="680322" y="2272683"/>
-            <a:ext cx="9404712" cy="3832090"/>
-          </a:xfrm>
-        </p:spPr>
-        <p:txBody>
-          <a:bodyPr>
-            <a:normAutofit fontScale="92500" lnSpcReduction="10000"/>
-          </a:bodyPr>
-          <a:lstStyle/>
-          <a:p>
-            <a:r>
-              <a:rPr lang="en-US" sz="2800" dirty="0" err="1"/>
-              <a:t>Tkinter</a:t>
-            </a:r>
-            <a:r>
-              <a:rPr lang="en-US" sz="2800" dirty="0"/>
-              <a:t> module</a:t>
-            </a:r>
-            <a:endParaRPr lang="en-US" sz="2400" dirty="0"/>
-          </a:p>
-          <a:p>
-            <a:pPr lvl="1"/>
-            <a:r>
-              <a:rPr lang="en-US" sz="2400" dirty="0"/>
-              <a:t>Message box</a:t>
-            </a:r>
-          </a:p>
-          <a:p>
-            <a:pPr lvl="1"/>
-            <a:r>
-              <a:rPr lang="en-US" sz="2400" dirty="0"/>
-              <a:t>Combo box</a:t>
-            </a:r>
-          </a:p>
-          <a:p>
-            <a:pPr lvl="1"/>
-            <a:r>
-              <a:rPr lang="en-US" sz="2400" dirty="0"/>
-              <a:t>Frame navigations</a:t>
-            </a:r>
-          </a:p>
-          <a:p>
-            <a:r>
-              <a:rPr lang="en-US" sz="2800" dirty="0"/>
-              <a:t>Regular expressions</a:t>
-            </a:r>
-          </a:p>
-          <a:p>
-            <a:r>
-              <a:rPr lang="en-US" sz="2800" dirty="0"/>
-              <a:t>List comprehensions</a:t>
-            </a:r>
-          </a:p>
-          <a:p>
-            <a:r>
-              <a:rPr lang="en-US" sz="2800" dirty="0"/>
-              <a:t>Database connectivity</a:t>
-            </a:r>
-          </a:p>
-          <a:p>
-            <a:r>
-              <a:rPr lang="en-US" sz="2800" dirty="0"/>
-              <a:t>File handling</a:t>
-            </a:r>
-          </a:p>
-          <a:p>
-            <a:r>
-              <a:rPr lang="en-US" sz="2800" dirty="0"/>
-              <a:t>Lambda functions</a:t>
-            </a:r>
-          </a:p>
-        </p:txBody>
-      </p:sp>
-    </p:spTree>
-    <p:extLst>
-      <p:ext uri="{BB962C8B-B14F-4D97-AF65-F5344CB8AC3E}">
-        <p14:creationId xmlns:p14="http://schemas.microsoft.com/office/powerpoint/2010/main" val="3137549881"/>
-      </p:ext>
-    </p:extLst>
-  </p:cSld>
-  <p:clrMapOvr>
-    <a:masterClrMapping/>
-  </p:clrMapOvr>
-</p:sld>
-</file>
-
-<file path=ppt/slides/slide11.xml><?xml version="1.0" encoding="utf-8"?>
-<p:sld xmlns:a="http://schemas.openxmlformats.org/drawingml/2006/main" xmlns:r="http://schemas.openxmlformats.org/officeDocument/2006/relationships" xmlns:p="http://schemas.openxmlformats.org/presentationml/2006/main">
-  <p:cSld>
-    <p:spTree>
-      <p:nvGrpSpPr>
-        <p:cNvPr id="1" name=""/>
-        <p:cNvGrpSpPr/>
-        <p:nvPr/>
-      </p:nvGrpSpPr>
-      <p:grpSpPr>
-        <a:xfrm>
-          <a:off x="0" y="0"/>
-          <a:ext cx="0" cy="0"/>
-          <a:chOff x="0" y="0"/>
-          <a:chExt cx="0" cy="0"/>
-        </a:xfrm>
-      </p:grpSpPr>
-      <p:sp>
-        <p:nvSpPr>
-          <p:cNvPr id="2" name="Title 1">
-            <a:extLst>
-              <a:ext uri="{FF2B5EF4-FFF2-40B4-BE49-F238E27FC236}">
-                <a16:creationId xmlns:a16="http://schemas.microsoft.com/office/drawing/2014/main" id="{FD33C52F-37FF-4F31-9769-79EB10F787BF}"/>
-              </a:ext>
-            </a:extLst>
-          </p:cNvPr>
-          <p:cNvSpPr>
-            <a:spLocks noGrp="1"/>
-          </p:cNvSpPr>
-          <p:nvPr>
-            <p:ph type="title"/>
-          </p:nvPr>
-        </p:nvSpPr>
-        <p:spPr/>
-        <p:txBody>
-          <a:bodyPr/>
-          <a:lstStyle/>
-          <a:p>
-            <a:r>
-              <a:rPr lang="en-US" dirty="0"/>
-              <a:t>References</a:t>
-            </a:r>
-            <a:endParaRPr lang="en-IN" dirty="0"/>
-          </a:p>
-        </p:txBody>
-      </p:sp>
-      <p:sp>
-        <p:nvSpPr>
-          <p:cNvPr id="3" name="Content Placeholder 2">
-            <a:extLst>
-              <a:ext uri="{FF2B5EF4-FFF2-40B4-BE49-F238E27FC236}">
-                <a16:creationId xmlns:a16="http://schemas.microsoft.com/office/drawing/2014/main" id="{A51D8D62-1941-45D8-B71E-6EC795AA2A5D}"/>
-              </a:ext>
-            </a:extLst>
-          </p:cNvPr>
-          <p:cNvSpPr>
-            <a:spLocks noGrp="1"/>
-          </p:cNvSpPr>
-          <p:nvPr>
-            <p:ph idx="1"/>
-          </p:nvPr>
-        </p:nvSpPr>
-        <p:spPr/>
-        <p:txBody>
-          <a:bodyPr/>
-          <a:lstStyle/>
-          <a:p>
-            <a:r>
-              <a:rPr lang="en-IN" dirty="0">
-                <a:hlinkClick r:id="rId2"/>
-              </a:rPr>
-              <a:t>https://docs.python.org/3/library/tkinter.html</a:t>
-            </a:r>
-            <a:endParaRPr lang="en-IN" dirty="0"/>
-          </a:p>
-          <a:p>
-            <a:r>
-              <a:rPr lang="en-IN" dirty="0">
-                <a:hlinkClick r:id="rId3"/>
-              </a:rPr>
-              <a:t>https://www.python-course.eu/</a:t>
-            </a:r>
-            <a:endParaRPr lang="en-IN" dirty="0"/>
-          </a:p>
-          <a:p>
-            <a:r>
-              <a:rPr lang="en-IN" dirty="0">
-                <a:hlinkClick r:id="rId4"/>
-              </a:rPr>
-              <a:t>https://stackoverflow.com/questions</a:t>
-            </a:r>
-            <a:endParaRPr lang="en-IN" dirty="0"/>
-          </a:p>
-          <a:p>
-            <a:r>
-              <a:rPr lang="en-IN" dirty="0">
-                <a:hlinkClick r:id="rId5"/>
-              </a:rPr>
-              <a:t>https://www.tutorialspoint.com/python/</a:t>
-            </a:r>
-            <a:endParaRPr lang="en-IN" dirty="0"/>
-          </a:p>
-          <a:p>
-            <a:r>
-              <a:rPr lang="en-IN" dirty="0">
-                <a:hlinkClick r:id="rId6"/>
-              </a:rPr>
-              <a:t>https://www.geeksforgeeks.org/python-gui-tkinter/</a:t>
-            </a:r>
-            <a:endParaRPr lang="en-IN" dirty="0"/>
-          </a:p>
-          <a:p>
-            <a:r>
-              <a:rPr lang="en-IN" dirty="0">
-                <a:hlinkClick r:id="rId7"/>
-              </a:rPr>
-              <a:t>https://www.javatpoint.com/sqlite-tutorial</a:t>
-            </a:r>
-            <a:endParaRPr lang="en-IN" dirty="0"/>
-          </a:p>
-          <a:p>
-            <a:r>
-              <a:rPr lang="en-IN" dirty="0">
-                <a:hlinkClick r:id="rId8"/>
-              </a:rPr>
-              <a:t>https://www.sqlite.org/index.html</a:t>
-            </a:r>
-            <a:endParaRPr lang="en-IN" dirty="0"/>
-          </a:p>
-          <a:p>
-            <a:pPr marL="0" indent="0">
-              <a:buNone/>
-            </a:pPr>
-            <a:endParaRPr lang="en-IN" dirty="0"/>
-          </a:p>
-        </p:txBody>
-      </p:sp>
-    </p:spTree>
-    <p:extLst>
-      <p:ext uri="{BB962C8B-B14F-4D97-AF65-F5344CB8AC3E}">
-        <p14:creationId xmlns:p14="http://schemas.microsoft.com/office/powerpoint/2010/main" val="226450636"/>
-      </p:ext>
-    </p:extLst>
-  </p:cSld>
-  <p:clrMapOvr>
-    <a:masterClrMapping/>
-  </p:clrMapOvr>
-</p:sld>
-</file>
-
-<file path=ppt/slides/slide12.xml><?xml version="1.0" encoding="utf-8"?>
-<p:sld xmlns:a="http://schemas.openxmlformats.org/drawingml/2006/main" xmlns:r="http://schemas.openxmlformats.org/officeDocument/2006/relationships" xmlns:p="http://schemas.openxmlformats.org/presentationml/2006/main">
-  <p:cSld>
-    <p:spTree>
-      <p:nvGrpSpPr>
-        <p:cNvPr id="1" name=""/>
-        <p:cNvGrpSpPr/>
-        <p:nvPr/>
-      </p:nvGrpSpPr>
-      <p:grpSpPr>
-        <a:xfrm>
-          <a:off x="0" y="0"/>
-          <a:ext cx="0" cy="0"/>
-          <a:chOff x="0" y="0"/>
-          <a:chExt cx="0" cy="0"/>
-        </a:xfrm>
-      </p:grpSpPr>
-      <p:sp>
-        <p:nvSpPr>
-          <p:cNvPr id="4" name="Title 3">
-            <a:extLst>
-              <a:ext uri="{FF2B5EF4-FFF2-40B4-BE49-F238E27FC236}">
-                <a16:creationId xmlns:a16="http://schemas.microsoft.com/office/drawing/2014/main" id="{73BC312B-C2D1-4BF8-8955-FF8BB76AA78D}"/>
-              </a:ext>
-            </a:extLst>
-          </p:cNvPr>
-          <p:cNvSpPr>
-            <a:spLocks noGrp="1"/>
-          </p:cNvSpPr>
-          <p:nvPr>
-            <p:ph type="ctrTitle"/>
-          </p:nvPr>
-        </p:nvSpPr>
-        <p:spPr/>
-        <p:txBody>
-          <a:bodyPr/>
-          <a:lstStyle/>
-          <a:p>
-            <a:pPr algn="ctr"/>
-            <a:r>
-              <a:rPr lang="en-US" dirty="0"/>
-              <a:t>Thank You!!</a:t>
-            </a:r>
-            <a:endParaRPr lang="en-IN" dirty="0"/>
-          </a:p>
-        </p:txBody>
-      </p:sp>
-    </p:spTree>
-    <p:extLst>
-      <p:ext uri="{BB962C8B-B14F-4D97-AF65-F5344CB8AC3E}">
-        <p14:creationId xmlns:p14="http://schemas.microsoft.com/office/powerpoint/2010/main" val="3193051311"/>
-      </p:ext>
-    </p:extLst>
-  </p:cSld>
-  <p:clrMapOvr>
-    <a:masterClrMapping/>
-  </p:clrMapOvr>
-</p:sld>
-</file>
-
-<file path=ppt/slides/slide2.xml><?xml version="1.0" encoding="utf-8"?>
-<p:sld xmlns:a="http://schemas.openxmlformats.org/drawingml/2006/main" xmlns:r="http://schemas.openxmlformats.org/officeDocument/2006/relationships" xmlns:p="http://schemas.openxmlformats.org/presentationml/2006/main">
-  <p:cSld>
-    <p:spTree>
-      <p:nvGrpSpPr>
-        <p:cNvPr id="1" name=""/>
-        <p:cNvGrpSpPr/>
-        <p:nvPr/>
-      </p:nvGrpSpPr>
-      <p:grpSpPr>
-        <a:xfrm>
-          <a:off x="0" y="0"/>
-          <a:ext cx="0" cy="0"/>
-          <a:chOff x="0" y="0"/>
-          <a:chExt cx="0" cy="0"/>
-        </a:xfrm>
-      </p:grpSpPr>
-      <p:sp>
-        <p:nvSpPr>
-          <p:cNvPr id="2" name="Title 1">
-            <a:extLst>
-              <a:ext uri="{FF2B5EF4-FFF2-40B4-BE49-F238E27FC236}">
-                <a16:creationId xmlns:a16="http://schemas.microsoft.com/office/drawing/2014/main" id="{22ABD646-EB7F-4F62-B2F4-645AF93DAE72}"/>
-              </a:ext>
-            </a:extLst>
-          </p:cNvPr>
-          <p:cNvSpPr>
-            <a:spLocks noGrp="1"/>
-          </p:cNvSpPr>
-          <p:nvPr>
-            <p:ph type="title"/>
-          </p:nvPr>
-        </p:nvSpPr>
-        <p:spPr/>
-        <p:txBody>
-          <a:bodyPr/>
-          <a:lstStyle/>
-          <a:p>
-            <a:r>
-              <a:rPr lang="en-US" dirty="0"/>
-              <a:t>Problem Definition</a:t>
-            </a:r>
-            <a:endParaRPr lang="en-IN" dirty="0"/>
-          </a:p>
-        </p:txBody>
-      </p:sp>
-      <p:sp>
-        <p:nvSpPr>
-          <p:cNvPr id="3" name="Content Placeholder 2">
-            <a:extLst>
-              <a:ext uri="{FF2B5EF4-FFF2-40B4-BE49-F238E27FC236}">
-                <a16:creationId xmlns:a16="http://schemas.microsoft.com/office/drawing/2014/main" id="{0859BC33-3264-4303-B434-33368C97CCDB}"/>
-              </a:ext>
-            </a:extLst>
-          </p:cNvPr>
-          <p:cNvSpPr>
-            <a:spLocks noGrp="1"/>
-          </p:cNvSpPr>
-          <p:nvPr>
-            <p:ph idx="1"/>
-          </p:nvPr>
-        </p:nvSpPr>
-        <p:spPr>
-          <a:xfrm>
-            <a:off x="680321" y="2336873"/>
-            <a:ext cx="9014095" cy="3599316"/>
-          </a:xfrm>
-        </p:spPr>
-        <p:txBody>
-          <a:bodyPr>
-            <a:normAutofit/>
-          </a:bodyPr>
-          <a:lstStyle/>
-          <a:p>
-            <a:r>
-              <a:rPr lang="en-US" sz="2800" b="0" i="0" dirty="0">
-                <a:effectLst/>
-                <a:latin typeface="Roboto"/>
-              </a:rPr>
-              <a:t>Store management System is a desktop application that enables store owner to keep track of all of the products present in the store and also to handle the bills. </a:t>
-            </a:r>
-          </a:p>
-          <a:p>
-            <a:r>
-              <a:rPr lang="en-US" sz="2800" dirty="0">
-                <a:latin typeface="Roboto"/>
-              </a:rPr>
-              <a:t>It also provides a platform to update the stock and keep a track on the stocks sold.</a:t>
-            </a:r>
-          </a:p>
-          <a:p>
-            <a:r>
-              <a:rPr lang="en-US" sz="2800" dirty="0">
-                <a:latin typeface="Roboto"/>
-              </a:rPr>
-              <a:t>It also helps to maintain the money record of all the profits made buy the store</a:t>
-            </a:r>
-            <a:endParaRPr lang="en-IN" sz="2800" dirty="0"/>
-          </a:p>
-        </p:txBody>
-      </p:sp>
-    </p:spTree>
-    <p:extLst>
-      <p:ext uri="{BB962C8B-B14F-4D97-AF65-F5344CB8AC3E}">
-        <p14:creationId xmlns:p14="http://schemas.microsoft.com/office/powerpoint/2010/main" val="2384537705"/>
-      </p:ext>
-    </p:extLst>
-  </p:cSld>
-  <p:clrMapOvr>
-    <a:masterClrMapping/>
-  </p:clrMapOvr>
-</p:sld>
-</file>
-
-<file path=ppt/slides/slide3.xml><?xml version="1.0" encoding="utf-8"?>
-<p:sld xmlns:a="http://schemas.openxmlformats.org/drawingml/2006/main" xmlns:r="http://schemas.openxmlformats.org/officeDocument/2006/relationships" xmlns:p="http://schemas.openxmlformats.org/presentationml/2006/main">
-  <p:cSld>
-    <p:spTree>
-      <p:nvGrpSpPr>
-        <p:cNvPr id="1" name=""/>
-        <p:cNvGrpSpPr/>
-        <p:nvPr/>
-      </p:nvGrpSpPr>
-      <p:grpSpPr>
-        <a:xfrm>
-          <a:off x="0" y="0"/>
-          <a:ext cx="0" cy="0"/>
-          <a:chOff x="0" y="0"/>
-          <a:chExt cx="0" cy="0"/>
-        </a:xfrm>
-      </p:grpSpPr>
-      <p:sp>
-        <p:nvSpPr>
-          <p:cNvPr id="2" name="Title 1">
-            <a:extLst>
-              <a:ext uri="{FF2B5EF4-FFF2-40B4-BE49-F238E27FC236}">
-                <a16:creationId xmlns:a16="http://schemas.microsoft.com/office/drawing/2014/main" id="{57BF91C6-1603-4BEB-9D7A-3B7876CB23E9}"/>
-              </a:ext>
-            </a:extLst>
-          </p:cNvPr>
-          <p:cNvSpPr>
-            <a:spLocks noGrp="1"/>
-          </p:cNvSpPr>
-          <p:nvPr>
-            <p:ph type="title"/>
-          </p:nvPr>
-        </p:nvSpPr>
-        <p:spPr/>
-        <p:txBody>
-          <a:bodyPr/>
-          <a:lstStyle/>
-          <a:p>
-            <a:r>
-              <a:rPr lang="en-US" dirty="0"/>
-              <a:t>Scope of KJ Mart</a:t>
-            </a:r>
-            <a:endParaRPr lang="en-IN" dirty="0"/>
-          </a:p>
-        </p:txBody>
-      </p:sp>
-      <p:sp>
-        <p:nvSpPr>
-          <p:cNvPr id="3" name="Content Placeholder 2">
-            <a:extLst>
-              <a:ext uri="{FF2B5EF4-FFF2-40B4-BE49-F238E27FC236}">
-                <a16:creationId xmlns:a16="http://schemas.microsoft.com/office/drawing/2014/main" id="{8CCCA028-A1D3-4885-96FF-8A2A6A643D5C}"/>
-              </a:ext>
-            </a:extLst>
-          </p:cNvPr>
-          <p:cNvSpPr>
-            <a:spLocks noGrp="1"/>
-          </p:cNvSpPr>
-          <p:nvPr>
-            <p:ph idx="1"/>
-          </p:nvPr>
-        </p:nvSpPr>
-        <p:spPr>
-          <a:xfrm>
-            <a:off x="680321" y="2336873"/>
-            <a:ext cx="9613861" cy="4250358"/>
-          </a:xfrm>
-        </p:spPr>
-        <p:txBody>
-          <a:bodyPr>
-            <a:normAutofit/>
-          </a:bodyPr>
-          <a:lstStyle/>
-          <a:p>
-            <a:r>
-              <a:rPr lang="en-US" dirty="0"/>
-              <a:t>User can easily add products to the database</a:t>
-            </a:r>
-          </a:p>
-          <a:p>
-            <a:r>
-              <a:rPr lang="en-US" dirty="0"/>
-              <a:t>User can generate bills.</a:t>
-            </a:r>
-          </a:p>
-          <a:p>
-            <a:r>
-              <a:rPr lang="en-US" dirty="0"/>
-              <a:t>The bills get automatically printed and saved.</a:t>
-            </a:r>
-          </a:p>
-          <a:p>
-            <a:r>
-              <a:rPr lang="en-US" dirty="0"/>
-              <a:t>The stock of products gets updated according to the quantity of the products sold.</a:t>
-            </a:r>
-          </a:p>
-          <a:p>
-            <a:r>
-              <a:rPr lang="en-US" dirty="0"/>
-              <a:t>The user gets notification for less stock of products in the store.</a:t>
-            </a:r>
-          </a:p>
-          <a:p>
-            <a:r>
-              <a:rPr lang="en-US" dirty="0"/>
-              <a:t>The user can give discounts to the special customers.</a:t>
-            </a:r>
-          </a:p>
-          <a:p>
-            <a:r>
-              <a:rPr lang="en-US" dirty="0"/>
-              <a:t>The user can easily calculate the change amount according the bill amount and the sum paid by the customer.</a:t>
-            </a:r>
-          </a:p>
-        </p:txBody>
-      </p:sp>
-    </p:spTree>
-    <p:extLst>
-      <p:ext uri="{BB962C8B-B14F-4D97-AF65-F5344CB8AC3E}">
-        <p14:creationId xmlns:p14="http://schemas.microsoft.com/office/powerpoint/2010/main" val="3191290567"/>
-      </p:ext>
-    </p:extLst>
-  </p:cSld>
-  <p:clrMapOvr>
-    <a:masterClrMapping/>
-  </p:clrMapOvr>
-</p:sld>
-</file>
-
-<file path=ppt/slides/slide4.xml><?xml version="1.0" encoding="utf-8"?>
-<p:sld xmlns:a="http://schemas.openxmlformats.org/drawingml/2006/main" xmlns:r="http://schemas.openxmlformats.org/officeDocument/2006/relationships" xmlns:p="http://schemas.openxmlformats.org/presentationml/2006/main">
-  <p:cSld>
-    <p:spTree>
-      <p:nvGrpSpPr>
-        <p:cNvPr id="1" name=""/>
-        <p:cNvGrpSpPr/>
-        <p:nvPr/>
-      </p:nvGrpSpPr>
-      <p:grpSpPr>
-        <a:xfrm>
-          <a:off x="0" y="0"/>
-          <a:ext cx="0" cy="0"/>
-          <a:chOff x="0" y="0"/>
-          <a:chExt cx="0" cy="0"/>
-        </a:xfrm>
-      </p:grpSpPr>
-      <p:sp>
-        <p:nvSpPr>
-          <p:cNvPr id="2" name="Title 1">
-            <a:extLst>
-              <a:ext uri="{FF2B5EF4-FFF2-40B4-BE49-F238E27FC236}">
-                <a16:creationId xmlns:a16="http://schemas.microsoft.com/office/drawing/2014/main" id="{E3B4FD04-2A35-492C-B876-9F3479E736F7}"/>
-              </a:ext>
-            </a:extLst>
-          </p:cNvPr>
-          <p:cNvSpPr>
-            <a:spLocks noGrp="1"/>
-          </p:cNvSpPr>
-          <p:nvPr>
-            <p:ph type="title"/>
-          </p:nvPr>
-        </p:nvSpPr>
-        <p:spPr/>
-        <p:txBody>
-          <a:bodyPr/>
-          <a:lstStyle/>
-          <a:p>
-            <a:r>
-              <a:rPr lang="en-US" dirty="0"/>
-              <a:t>Technologies used</a:t>
-            </a:r>
-            <a:endParaRPr lang="en-IN" dirty="0"/>
-          </a:p>
-        </p:txBody>
-      </p:sp>
-      <p:sp>
-        <p:nvSpPr>
-          <p:cNvPr id="3" name="Content Placeholder 2">
-            <a:extLst>
-              <a:ext uri="{FF2B5EF4-FFF2-40B4-BE49-F238E27FC236}">
-                <a16:creationId xmlns:a16="http://schemas.microsoft.com/office/drawing/2014/main" id="{5B286690-4F02-48F2-90F4-30EFFB47132E}"/>
-              </a:ext>
-            </a:extLst>
-          </p:cNvPr>
-          <p:cNvSpPr>
-            <a:spLocks noGrp="1"/>
-          </p:cNvSpPr>
-          <p:nvPr>
-            <p:ph idx="1"/>
-          </p:nvPr>
-        </p:nvSpPr>
-        <p:spPr/>
-        <p:txBody>
-          <a:bodyPr>
-            <a:normAutofit lnSpcReduction="10000"/>
-          </a:bodyPr>
-          <a:lstStyle/>
-          <a:p>
-            <a:r>
-              <a:rPr lang="en-US" sz="3200" b="1" u="sng" dirty="0">
-                <a:effectLst>
-                  <a:outerShdw blurRad="38100" dist="38100" dir="2700000" algn="tl">
-                    <a:srgbClr val="000000">
-                      <a:alpha val="43137"/>
-                    </a:srgbClr>
-                  </a:outerShdw>
-                </a:effectLst>
-              </a:rPr>
-              <a:t>Backend</a:t>
-            </a:r>
-          </a:p>
-          <a:p>
-            <a:pPr marL="457200" lvl="1" indent="0">
-              <a:buNone/>
-            </a:pPr>
-            <a:r>
-              <a:rPr lang="en-US" sz="2800" dirty="0"/>
-              <a:t>Python</a:t>
-            </a:r>
-          </a:p>
-          <a:p>
-            <a:pPr marL="457200" lvl="1" indent="0">
-              <a:buNone/>
-            </a:pPr>
-            <a:endParaRPr lang="en-US" sz="2800" dirty="0"/>
-          </a:p>
-          <a:p>
-            <a:r>
-              <a:rPr lang="en-US" sz="3200" b="1" i="1" u="sng" dirty="0"/>
-              <a:t>Frontend</a:t>
-            </a:r>
-          </a:p>
-          <a:p>
-            <a:pPr marL="457200" lvl="1" indent="0">
-              <a:buNone/>
-            </a:pPr>
-            <a:r>
-              <a:rPr lang="en-US" sz="2800" dirty="0" err="1"/>
-              <a:t>Tkinter</a:t>
-            </a:r>
-            <a:r>
-              <a:rPr lang="en-US" sz="2800" dirty="0"/>
-              <a:t> module</a:t>
-            </a:r>
-          </a:p>
-          <a:p>
-            <a:pPr marL="457200" lvl="1" indent="0">
-              <a:buNone/>
-            </a:pPr>
-            <a:endParaRPr lang="en-US" sz="2800" dirty="0"/>
-          </a:p>
-          <a:p>
-            <a:r>
-              <a:rPr lang="en-US" sz="3200" b="1" i="1" u="sng" dirty="0"/>
-              <a:t>Database</a:t>
-            </a:r>
-          </a:p>
-          <a:p>
-            <a:pPr marL="457200" lvl="1" indent="0">
-              <a:buNone/>
-            </a:pPr>
-            <a:r>
-              <a:rPr lang="en-US" sz="2800" dirty="0"/>
-              <a:t>Sqlite3</a:t>
-            </a:r>
-          </a:p>
-          <a:p>
-            <a:pPr marL="457200" lvl="1" indent="0">
-              <a:buNone/>
-            </a:pPr>
-            <a:endParaRPr lang="en-IN" sz="2800" dirty="0"/>
-          </a:p>
-          <a:p>
-            <a:pPr lvl="1"/>
-            <a:endParaRPr lang="en-IN" dirty="0"/>
-          </a:p>
-        </p:txBody>
-      </p:sp>
-    </p:spTree>
-    <p:extLst>
-      <p:ext uri="{BB962C8B-B14F-4D97-AF65-F5344CB8AC3E}">
-        <p14:creationId xmlns:p14="http://schemas.microsoft.com/office/powerpoint/2010/main" val="236519033"/>
-      </p:ext>
-    </p:extLst>
-  </p:cSld>
-  <p:clrMapOvr>
-    <a:masterClrMapping/>
-  </p:clrMapOvr>
-</p:sld>
-</file>
-
-<file path=ppt/slides/slide5.xml><?xml version="1.0" encoding="utf-8"?>
-<p:sld xmlns:a="http://schemas.openxmlformats.org/drawingml/2006/main" xmlns:r="http://schemas.openxmlformats.org/officeDocument/2006/relationships" xmlns:p="http://schemas.openxmlformats.org/presentationml/2006/main">
-  <p:cSld>
-    <p:spTree>
-      <p:nvGrpSpPr>
-        <p:cNvPr id="1" name=""/>
-        <p:cNvGrpSpPr/>
-        <p:nvPr/>
-      </p:nvGrpSpPr>
-      <p:grpSpPr>
-        <a:xfrm>
-          <a:off x="0" y="0"/>
-          <a:ext cx="0" cy="0"/>
-          <a:chOff x="0" y="0"/>
-          <a:chExt cx="0" cy="0"/>
-        </a:xfrm>
-      </p:grpSpPr>
-      <p:sp>
-        <p:nvSpPr>
-          <p:cNvPr id="2" name="Title 1">
-            <a:extLst>
-              <a:ext uri="{FF2B5EF4-FFF2-40B4-BE49-F238E27FC236}">
-                <a16:creationId xmlns:a16="http://schemas.microsoft.com/office/drawing/2014/main" id="{75DB9AC5-40FC-4BE4-9641-AC1A82C93DC9}"/>
-              </a:ext>
-            </a:extLst>
-          </p:cNvPr>
-          <p:cNvSpPr>
-            <a:spLocks noGrp="1"/>
-          </p:cNvSpPr>
-          <p:nvPr>
-            <p:ph type="title"/>
-          </p:nvPr>
-        </p:nvSpPr>
-        <p:spPr/>
-        <p:txBody>
-          <a:bodyPr/>
-          <a:lstStyle/>
-          <a:p>
-            <a:r>
-              <a:rPr lang="en-IN" b="1" i="0" dirty="0">
-                <a:solidFill>
-                  <a:srgbClr val="C9D1D9"/>
-                </a:solidFill>
-                <a:effectLst/>
-                <a:latin typeface="-apple-system"/>
-              </a:rPr>
-              <a:t>Functionalities of KJ Mart</a:t>
-            </a:r>
-            <a:endParaRPr lang="en-IN" dirty="0"/>
-          </a:p>
-        </p:txBody>
-      </p:sp>
-      <p:sp>
-        <p:nvSpPr>
-          <p:cNvPr id="3" name="Content Placeholder 2">
-            <a:extLst>
-              <a:ext uri="{FF2B5EF4-FFF2-40B4-BE49-F238E27FC236}">
-                <a16:creationId xmlns:a16="http://schemas.microsoft.com/office/drawing/2014/main" id="{38027110-7306-4AEB-84AB-79B006A5E584}"/>
-              </a:ext>
-            </a:extLst>
-          </p:cNvPr>
-          <p:cNvSpPr>
-            <a:spLocks noGrp="1"/>
-          </p:cNvSpPr>
-          <p:nvPr>
-            <p:ph idx="1"/>
-          </p:nvPr>
-        </p:nvSpPr>
-        <p:spPr/>
-        <p:txBody>
-          <a:bodyPr>
-            <a:normAutofit lnSpcReduction="10000"/>
-          </a:bodyPr>
-          <a:lstStyle/>
-          <a:p>
-            <a:pPr algn="l">
-              <a:buFont typeface="+mj-lt"/>
-              <a:buAutoNum type="arabicPeriod"/>
-            </a:pPr>
-            <a:r>
-              <a:rPr lang="en-US" sz="2800" b="0" i="0" dirty="0">
-                <a:solidFill>
-                  <a:srgbClr val="C9D1D9"/>
-                </a:solidFill>
-                <a:effectLst/>
-                <a:latin typeface="-apple-system"/>
-              </a:rPr>
-              <a:t>Add as many products to database</a:t>
-            </a:r>
-          </a:p>
-          <a:p>
-            <a:pPr algn="l">
-              <a:buFont typeface="+mj-lt"/>
-              <a:buAutoNum type="arabicPeriod"/>
-            </a:pPr>
-            <a:r>
-              <a:rPr lang="en-US" sz="2800" b="0" i="0" dirty="0">
-                <a:solidFill>
-                  <a:srgbClr val="C9D1D9"/>
-                </a:solidFill>
-                <a:effectLst/>
-                <a:latin typeface="-apple-system"/>
-              </a:rPr>
-              <a:t>Update info about products as per your choice</a:t>
-            </a:r>
-          </a:p>
-          <a:p>
-            <a:pPr algn="l">
-              <a:buFont typeface="+mj-lt"/>
-              <a:buAutoNum type="arabicPeriod"/>
-            </a:pPr>
-            <a:r>
-              <a:rPr lang="en-US" sz="2800" b="0" i="0" dirty="0">
-                <a:solidFill>
-                  <a:srgbClr val="C9D1D9"/>
-                </a:solidFill>
-                <a:effectLst/>
-                <a:latin typeface="-apple-system"/>
-              </a:rPr>
-              <a:t>Handle dynamic sales</a:t>
-            </a:r>
-          </a:p>
-          <a:p>
-            <a:pPr algn="l">
-              <a:buFont typeface="+mj-lt"/>
-              <a:buAutoNum type="arabicPeriod"/>
-            </a:pPr>
-            <a:r>
-              <a:rPr lang="en-US" sz="2800" b="0" i="0" dirty="0">
-                <a:solidFill>
-                  <a:srgbClr val="C9D1D9"/>
-                </a:solidFill>
-                <a:effectLst/>
-                <a:latin typeface="-apple-system"/>
-              </a:rPr>
-              <a:t>Generate &amp; save bills</a:t>
-            </a:r>
-          </a:p>
-          <a:p>
-            <a:pPr algn="l">
-              <a:buFont typeface="+mj-lt"/>
-              <a:buAutoNum type="arabicPeriod"/>
-            </a:pPr>
-            <a:r>
-              <a:rPr lang="en-US" sz="2800" b="0" i="0" dirty="0">
-                <a:solidFill>
-                  <a:srgbClr val="C9D1D9"/>
-                </a:solidFill>
-                <a:effectLst/>
-                <a:latin typeface="-apple-system"/>
-              </a:rPr>
-              <a:t>Print bills</a:t>
-            </a:r>
-          </a:p>
-          <a:p>
-            <a:pPr algn="l">
-              <a:buFont typeface="+mj-lt"/>
-              <a:buAutoNum type="arabicPeriod"/>
-            </a:pPr>
-            <a:r>
-              <a:rPr lang="en-US" sz="2800" b="0" i="0" dirty="0">
-                <a:solidFill>
-                  <a:srgbClr val="C9D1D9"/>
-                </a:solidFill>
-                <a:effectLst/>
-                <a:latin typeface="-apple-system"/>
-              </a:rPr>
-              <a:t>Notifies less stock in database</a:t>
-            </a:r>
-          </a:p>
-          <a:p>
-            <a:pPr algn="l">
-              <a:buFont typeface="+mj-lt"/>
-              <a:buAutoNum type="arabicPeriod"/>
-            </a:pPr>
-            <a:r>
-              <a:rPr lang="en-US" sz="2800" b="0" i="0" dirty="0">
-                <a:solidFill>
-                  <a:srgbClr val="C9D1D9"/>
-                </a:solidFill>
-                <a:effectLst/>
-                <a:latin typeface="-apple-system"/>
-              </a:rPr>
-              <a:t>Compiles so that it can run on any windows platform without having python installed</a:t>
-            </a:r>
-          </a:p>
-          <a:p>
-            <a:endParaRPr lang="en-IN" dirty="0"/>
-          </a:p>
-        </p:txBody>
-      </p:sp>
-    </p:spTree>
-    <p:extLst>
-      <p:ext uri="{BB962C8B-B14F-4D97-AF65-F5344CB8AC3E}">
-        <p14:creationId xmlns:p14="http://schemas.microsoft.com/office/powerpoint/2010/main" val="3968669192"/>
-      </p:ext>
-    </p:extLst>
-  </p:cSld>
-  <p:clrMapOvr>
-    <a:masterClrMapping/>
-  </p:clrMapOvr>
-</p:sld>
-</file>
-
-<file path=ppt/slides/slide6.xml><?xml version="1.0" encoding="utf-8"?>
-<p:sld xmlns:a="http://schemas.openxmlformats.org/drawingml/2006/main" xmlns:r="http://schemas.openxmlformats.org/officeDocument/2006/relationships" xmlns:p="http://schemas.openxmlformats.org/presentationml/2006/main">
-  <p:cSld>
-    <p:spTree>
-      <p:nvGrpSpPr>
-        <p:cNvPr id="1" name=""/>
-        <p:cNvGrpSpPr/>
-        <p:nvPr/>
-      </p:nvGrpSpPr>
-      <p:grpSpPr>
-        <a:xfrm>
-          <a:off x="0" y="0"/>
-          <a:ext cx="0" cy="0"/>
-          <a:chOff x="0" y="0"/>
-          <a:chExt cx="0" cy="0"/>
-        </a:xfrm>
-      </p:grpSpPr>
-      <p:sp>
-        <p:nvSpPr>
-          <p:cNvPr id="2" name="Title 1">
-            <a:extLst>
-              <a:ext uri="{FF2B5EF4-FFF2-40B4-BE49-F238E27FC236}">
-                <a16:creationId xmlns:a16="http://schemas.microsoft.com/office/drawing/2014/main" id="{403878E8-2924-4694-84D3-4B6EB8BBF1F0}"/>
-              </a:ext>
-            </a:extLst>
-          </p:cNvPr>
-          <p:cNvSpPr>
-            <a:spLocks noGrp="1"/>
-          </p:cNvSpPr>
-          <p:nvPr>
-            <p:ph type="title"/>
-          </p:nvPr>
-        </p:nvSpPr>
-        <p:spPr/>
-        <p:txBody>
-          <a:bodyPr/>
-          <a:lstStyle/>
-          <a:p>
-            <a:r>
-              <a:rPr lang="en-US" dirty="0"/>
-              <a:t>User Interface</a:t>
-            </a:r>
-            <a:endParaRPr lang="en-IN" dirty="0"/>
-          </a:p>
-        </p:txBody>
-      </p:sp>
-      <p:pic>
-        <p:nvPicPr>
-          <p:cNvPr id="5" name="Content Placeholder 4">
-            <a:extLst>
-              <a:ext uri="{FF2B5EF4-FFF2-40B4-BE49-F238E27FC236}">
-                <a16:creationId xmlns:a16="http://schemas.microsoft.com/office/drawing/2014/main" id="{C809888B-3B95-492F-AD88-23764C26BC76}"/>
-              </a:ext>
-            </a:extLst>
-          </p:cNvPr>
-          <p:cNvPicPr>
-            <a:picLocks noGrp="1" noChangeAspect="1"/>
-          </p:cNvPicPr>
-          <p:nvPr>
-            <p:ph idx="1"/>
-          </p:nvPr>
-        </p:nvPicPr>
-        <p:blipFill>
-          <a:blip r:embed="rId2"/>
-          <a:stretch>
-            <a:fillRect/>
-          </a:stretch>
-        </p:blipFill>
-        <p:spPr>
-          <a:xfrm>
-            <a:off x="861134" y="2336800"/>
-            <a:ext cx="9312676" cy="4188287"/>
-          </a:xfrm>
-        </p:spPr>
-      </p:pic>
-    </p:spTree>
-    <p:extLst>
-      <p:ext uri="{BB962C8B-B14F-4D97-AF65-F5344CB8AC3E}">
-        <p14:creationId xmlns:p14="http://schemas.microsoft.com/office/powerpoint/2010/main" val="4174945285"/>
-      </p:ext>
-    </p:extLst>
-  </p:cSld>
-  <p:clrMapOvr>
-    <a:masterClrMapping/>
-  </p:clrMapOvr>
-</p:sld>
-</file>
-
-<file path=ppt/slides/slide7.xml><?xml version="1.0" encoding="utf-8"?>
-<p:sld xmlns:a="http://schemas.openxmlformats.org/drawingml/2006/main" xmlns:r="http://schemas.openxmlformats.org/officeDocument/2006/relationships" xmlns:p="http://schemas.openxmlformats.org/presentationml/2006/main">
-  <p:cSld>
-    <p:spTree>
-      <p:nvGrpSpPr>
-        <p:cNvPr id="1" name=""/>
-        <p:cNvGrpSpPr/>
-        <p:nvPr/>
-      </p:nvGrpSpPr>
-      <p:grpSpPr>
-        <a:xfrm>
-          <a:off x="0" y="0"/>
-          <a:ext cx="0" cy="0"/>
-          <a:chOff x="0" y="0"/>
-          <a:chExt cx="0" cy="0"/>
-        </a:xfrm>
-      </p:grpSpPr>
-      <p:pic>
-        <p:nvPicPr>
-          <p:cNvPr id="7" name="Picture 6">
-            <a:extLst>
-              <a:ext uri="{FF2B5EF4-FFF2-40B4-BE49-F238E27FC236}">
-                <a16:creationId xmlns:a16="http://schemas.microsoft.com/office/drawing/2014/main" id="{27DA9D45-F2B7-4358-A732-106318903E34}"/>
-              </a:ext>
-            </a:extLst>
-          </p:cNvPr>
-          <p:cNvPicPr>
-            <a:picLocks noChangeAspect="1"/>
-          </p:cNvPicPr>
-          <p:nvPr/>
-        </p:nvPicPr>
-        <p:blipFill>
-          <a:blip r:embed="rId2"/>
-          <a:stretch>
-            <a:fillRect/>
-          </a:stretch>
-        </p:blipFill>
-        <p:spPr>
-          <a:xfrm>
-            <a:off x="817743" y="769517"/>
-            <a:ext cx="10048525" cy="5318966"/>
-          </a:xfrm>
-          <a:prstGeom prst="rect">
-            <a:avLst/>
-          </a:prstGeom>
-        </p:spPr>
-      </p:pic>
-    </p:spTree>
-    <p:extLst>
-      <p:ext uri="{BB962C8B-B14F-4D97-AF65-F5344CB8AC3E}">
-        <p14:creationId xmlns:p14="http://schemas.microsoft.com/office/powerpoint/2010/main" val="1827067944"/>
-      </p:ext>
-    </p:extLst>
-  </p:cSld>
-  <p:clrMapOvr>
-    <a:masterClrMapping/>
-  </p:clrMapOvr>
-</p:sld>
-</file>
-
-<file path=ppt/slides/slide8.xml><?xml version="1.0" encoding="utf-8"?>
-<p:sld xmlns:a="http://schemas.openxmlformats.org/drawingml/2006/main" xmlns:r="http://schemas.openxmlformats.org/officeDocument/2006/relationships" xmlns:p="http://schemas.openxmlformats.org/presentationml/2006/main">
-  <p:cSld>
-    <p:spTree>
-      <p:nvGrpSpPr>
-        <p:cNvPr id="1" name=""/>
-        <p:cNvGrpSpPr/>
-        <p:nvPr/>
-      </p:nvGrpSpPr>
-      <p:grpSpPr>
-        <a:xfrm>
-          <a:off x="0" y="0"/>
-          <a:ext cx="0" cy="0"/>
-          <a:chOff x="0" y="0"/>
-          <a:chExt cx="0" cy="0"/>
-        </a:xfrm>
-      </p:grpSpPr>
-      <p:pic>
-        <p:nvPicPr>
-          <p:cNvPr id="3" name="Picture 2">
-            <a:extLst>
-              <a:ext uri="{FF2B5EF4-FFF2-40B4-BE49-F238E27FC236}">
-                <a16:creationId xmlns:a16="http://schemas.microsoft.com/office/drawing/2014/main" id="{EE2966EA-EECE-4593-A1D7-39FB2E608082}"/>
-              </a:ext>
-            </a:extLst>
-          </p:cNvPr>
-          <p:cNvPicPr>
-            <a:picLocks noChangeAspect="1"/>
-          </p:cNvPicPr>
-          <p:nvPr/>
-        </p:nvPicPr>
-        <p:blipFill>
-          <a:blip r:embed="rId2"/>
-          <a:stretch>
-            <a:fillRect/>
-          </a:stretch>
-        </p:blipFill>
-        <p:spPr>
-          <a:xfrm>
-            <a:off x="363985" y="299147"/>
-            <a:ext cx="11105086" cy="6259706"/>
-          </a:xfrm>
-          <a:prstGeom prst="rect">
-            <a:avLst/>
-          </a:prstGeom>
-        </p:spPr>
-      </p:pic>
-    </p:spTree>
-    <p:extLst>
-      <p:ext uri="{BB962C8B-B14F-4D97-AF65-F5344CB8AC3E}">
-        <p14:creationId xmlns:p14="http://schemas.microsoft.com/office/powerpoint/2010/main" val="2112532741"/>
-      </p:ext>
-    </p:extLst>
-  </p:cSld>
-  <p:clrMapOvr>
-    <a:masterClrMapping/>
-  </p:clrMapOvr>
-</p:sld>
-</file>
-
-<file path=ppt/slides/slide9.xml><?xml version="1.0" encoding="utf-8"?>
 <p:sld xmlns:a="http://schemas.openxmlformats.org/drawingml/2006/main" xmlns:r="http://schemas.openxmlformats.org/officeDocument/2006/relationships" xmlns:p="http://schemas.openxmlformats.org/presentationml/2006/main">
   <p:cSld>
     <p:spTree>
@@ -9649,6 +8626,6016 @@
   <p:clrMapOvr>
     <a:masterClrMapping/>
   </p:clrMapOvr>
+  <p:timing>
+    <p:tnLst>
+      <p:par>
+        <p:cTn id="1" dur="indefinite" restart="never" nodeType="tmRoot">
+          <p:childTnLst>
+            <p:seq concurrent="1" nextAc="seek">
+              <p:cTn id="2" dur="indefinite" nodeType="mainSeq">
+                <p:childTnLst>
+                  <p:par>
+                    <p:cTn id="3" fill="hold">
+                      <p:stCondLst>
+                        <p:cond delay="indefinite"/>
+                      </p:stCondLst>
+                      <p:childTnLst>
+                        <p:par>
+                          <p:cTn id="4" fill="hold">
+                            <p:stCondLst>
+                              <p:cond delay="0"/>
+                            </p:stCondLst>
+                            <p:childTnLst>
+                              <p:par>
+                                <p:cTn id="5" presetID="1" presetClass="entr" presetSubtype="0" fill="hold" grpId="0" nodeType="clickEffect">
+                                  <p:stCondLst>
+                                    <p:cond delay="0"/>
+                                  </p:stCondLst>
+                                  <p:childTnLst>
+                                    <p:set>
+                                      <p:cBhvr>
+                                        <p:cTn id="6" dur="1" fill="hold">
+                                          <p:stCondLst>
+                                            <p:cond delay="0"/>
+                                          </p:stCondLst>
+                                        </p:cTn>
+                                        <p:tgtEl>
+                                          <p:spTgt spid="2"/>
+                                        </p:tgtEl>
+                                        <p:attrNameLst>
+                                          <p:attrName>style.visibility</p:attrName>
+                                        </p:attrNameLst>
+                                      </p:cBhvr>
+                                      <p:to>
+                                        <p:strVal val="visible"/>
+                                      </p:to>
+                                    </p:set>
+                                  </p:childTnLst>
+                                </p:cTn>
+                              </p:par>
+                            </p:childTnLst>
+                          </p:cTn>
+                        </p:par>
+                      </p:childTnLst>
+                    </p:cTn>
+                  </p:par>
+                  <p:par>
+                    <p:cTn id="7" fill="hold">
+                      <p:stCondLst>
+                        <p:cond delay="indefinite"/>
+                      </p:stCondLst>
+                      <p:childTnLst>
+                        <p:par>
+                          <p:cTn id="8" fill="hold">
+                            <p:stCondLst>
+                              <p:cond delay="0"/>
+                            </p:stCondLst>
+                            <p:childTnLst>
+                              <p:par>
+                                <p:cTn id="9" presetID="14" presetClass="entr" presetSubtype="10" fill="hold" nodeType="clickEffect">
+                                  <p:stCondLst>
+                                    <p:cond delay="0"/>
+                                  </p:stCondLst>
+                                  <p:childTnLst>
+                                    <p:set>
+                                      <p:cBhvr>
+                                        <p:cTn id="10" dur="1" fill="hold">
+                                          <p:stCondLst>
+                                            <p:cond delay="0"/>
+                                          </p:stCondLst>
+                                        </p:cTn>
+                                        <p:tgtEl>
+                                          <p:spTgt spid="4"/>
+                                        </p:tgtEl>
+                                        <p:attrNameLst>
+                                          <p:attrName>style.visibility</p:attrName>
+                                        </p:attrNameLst>
+                                      </p:cBhvr>
+                                      <p:to>
+                                        <p:strVal val="visible"/>
+                                      </p:to>
+                                    </p:set>
+                                    <p:animEffect transition="in" filter="randombar(horizontal)">
+                                      <p:cBhvr>
+                                        <p:cTn id="11" dur="500"/>
+                                        <p:tgtEl>
+                                          <p:spTgt spid="4"/>
+                                        </p:tgtEl>
+                                      </p:cBhvr>
+                                    </p:animEffect>
+                                  </p:childTnLst>
+                                </p:cTn>
+                              </p:par>
+                            </p:childTnLst>
+                          </p:cTn>
+                        </p:par>
+                      </p:childTnLst>
+                    </p:cTn>
+                  </p:par>
+                </p:childTnLst>
+              </p:cTn>
+              <p:prevCondLst>
+                <p:cond evt="onPrev" delay="0">
+                  <p:tgtEl>
+                    <p:sldTgt/>
+                  </p:tgtEl>
+                </p:cond>
+              </p:prevCondLst>
+              <p:nextCondLst>
+                <p:cond evt="onNext" delay="0">
+                  <p:tgtEl>
+                    <p:sldTgt/>
+                  </p:tgtEl>
+                </p:cond>
+              </p:nextCondLst>
+            </p:seq>
+          </p:childTnLst>
+        </p:cTn>
+      </p:par>
+    </p:tnLst>
+    <p:bldLst>
+      <p:bldP spid="2" grpId="0"/>
+    </p:bldLst>
+  </p:timing>
+</p:sld>
+</file>
+
+<file path=ppt/slides/slide11.xml><?xml version="1.0" encoding="utf-8"?>
+<p:sld xmlns:a="http://schemas.openxmlformats.org/drawingml/2006/main" xmlns:r="http://schemas.openxmlformats.org/officeDocument/2006/relationships" xmlns:p="http://schemas.openxmlformats.org/presentationml/2006/main">
+  <p:cSld>
+    <p:spTree>
+      <p:nvGrpSpPr>
+        <p:cNvPr id="1" name=""/>
+        <p:cNvGrpSpPr/>
+        <p:nvPr/>
+      </p:nvGrpSpPr>
+      <p:grpSpPr>
+        <a:xfrm>
+          <a:off x="0" y="0"/>
+          <a:ext cx="0" cy="0"/>
+          <a:chOff x="0" y="0"/>
+          <a:chExt cx="0" cy="0"/>
+        </a:xfrm>
+      </p:grpSpPr>
+      <p:sp>
+        <p:nvSpPr>
+          <p:cNvPr id="2" name="Title 1">
+            <a:extLst>
+              <a:ext uri="{FF2B5EF4-FFF2-40B4-BE49-F238E27FC236}">
+                <a16:creationId xmlns:a16="http://schemas.microsoft.com/office/drawing/2014/main" id="{FD33C52F-37FF-4F31-9769-79EB10F787BF}"/>
+              </a:ext>
+            </a:extLst>
+          </p:cNvPr>
+          <p:cNvSpPr>
+            <a:spLocks noGrp="1"/>
+          </p:cNvSpPr>
+          <p:nvPr>
+            <p:ph type="title"/>
+          </p:nvPr>
+        </p:nvSpPr>
+        <p:spPr/>
+        <p:txBody>
+          <a:bodyPr/>
+          <a:lstStyle/>
+          <a:p>
+            <a:r>
+              <a:rPr lang="en-US" dirty="0"/>
+              <a:t>References</a:t>
+            </a:r>
+            <a:endParaRPr lang="en-IN" dirty="0"/>
+          </a:p>
+        </p:txBody>
+      </p:sp>
+      <p:sp>
+        <p:nvSpPr>
+          <p:cNvPr id="3" name="Content Placeholder 2">
+            <a:extLst>
+              <a:ext uri="{FF2B5EF4-FFF2-40B4-BE49-F238E27FC236}">
+                <a16:creationId xmlns:a16="http://schemas.microsoft.com/office/drawing/2014/main" id="{A51D8D62-1941-45D8-B71E-6EC795AA2A5D}"/>
+              </a:ext>
+            </a:extLst>
+          </p:cNvPr>
+          <p:cNvSpPr>
+            <a:spLocks noGrp="1"/>
+          </p:cNvSpPr>
+          <p:nvPr>
+            <p:ph idx="1"/>
+          </p:nvPr>
+        </p:nvSpPr>
+        <p:spPr/>
+        <p:txBody>
+          <a:bodyPr/>
+          <a:lstStyle/>
+          <a:p>
+            <a:r>
+              <a:rPr lang="en-IN" dirty="0">
+                <a:hlinkClick r:id="rId2"/>
+              </a:rPr>
+              <a:t>https://docs.python.org/3/library/tkinter.html</a:t>
+            </a:r>
+            <a:endParaRPr lang="en-IN" dirty="0"/>
+          </a:p>
+          <a:p>
+            <a:r>
+              <a:rPr lang="en-IN" dirty="0">
+                <a:hlinkClick r:id="rId3"/>
+              </a:rPr>
+              <a:t>https://www.python-course.eu/</a:t>
+            </a:r>
+            <a:endParaRPr lang="en-IN" dirty="0"/>
+          </a:p>
+          <a:p>
+            <a:r>
+              <a:rPr lang="en-IN" dirty="0">
+                <a:hlinkClick r:id="rId4"/>
+              </a:rPr>
+              <a:t>https://stackoverflow.com/questions</a:t>
+            </a:r>
+            <a:endParaRPr lang="en-IN" dirty="0"/>
+          </a:p>
+          <a:p>
+            <a:r>
+              <a:rPr lang="en-IN" dirty="0">
+                <a:hlinkClick r:id="rId5"/>
+              </a:rPr>
+              <a:t>https://www.tutorialspoint.com/python/</a:t>
+            </a:r>
+            <a:endParaRPr lang="en-IN" dirty="0"/>
+          </a:p>
+          <a:p>
+            <a:r>
+              <a:rPr lang="en-IN" dirty="0">
+                <a:hlinkClick r:id="rId6"/>
+              </a:rPr>
+              <a:t>https://www.geeksforgeeks.org/python-gui-tkinter/</a:t>
+            </a:r>
+            <a:endParaRPr lang="en-IN" dirty="0"/>
+          </a:p>
+          <a:p>
+            <a:r>
+              <a:rPr lang="en-IN" dirty="0">
+                <a:hlinkClick r:id="rId7"/>
+              </a:rPr>
+              <a:t>https://www.javatpoint.com/sqlite-tutorial</a:t>
+            </a:r>
+            <a:endParaRPr lang="en-IN" dirty="0"/>
+          </a:p>
+          <a:p>
+            <a:r>
+              <a:rPr lang="en-IN" dirty="0">
+                <a:hlinkClick r:id="rId8"/>
+              </a:rPr>
+              <a:t>https://www.sqlite.org/index.html</a:t>
+            </a:r>
+            <a:endParaRPr lang="en-IN" dirty="0"/>
+          </a:p>
+          <a:p>
+            <a:pPr marL="0" indent="0">
+              <a:buNone/>
+            </a:pPr>
+            <a:endParaRPr lang="en-IN" dirty="0"/>
+          </a:p>
+        </p:txBody>
+      </p:sp>
+      <p:pic>
+        <p:nvPicPr>
+          <p:cNvPr id="5" name="Picture 4">
+            <a:extLst>
+              <a:ext uri="{FF2B5EF4-FFF2-40B4-BE49-F238E27FC236}">
+                <a16:creationId xmlns:a16="http://schemas.microsoft.com/office/drawing/2014/main" id="{C4D06CC5-6D3C-42F3-9580-96BC250E8124}"/>
+              </a:ext>
+            </a:extLst>
+          </p:cNvPr>
+          <p:cNvPicPr>
+            <a:picLocks noChangeAspect="1"/>
+          </p:cNvPicPr>
+          <p:nvPr/>
+        </p:nvPicPr>
+        <p:blipFill rotWithShape="1">
+          <a:blip r:embed="rId9"/>
+          <a:srcRect t="19482"/>
+          <a:stretch/>
+        </p:blipFill>
+        <p:spPr>
+          <a:xfrm>
+            <a:off x="8461353" y="2336873"/>
+            <a:ext cx="3482778" cy="3059571"/>
+          </a:xfrm>
+          <a:prstGeom prst="rect">
+            <a:avLst/>
+          </a:prstGeom>
+        </p:spPr>
+      </p:pic>
+    </p:spTree>
+    <p:extLst>
+      <p:ext uri="{BB962C8B-B14F-4D97-AF65-F5344CB8AC3E}">
+        <p14:creationId xmlns:p14="http://schemas.microsoft.com/office/powerpoint/2010/main" val="226450636"/>
+      </p:ext>
+    </p:extLst>
+  </p:cSld>
+  <p:clrMapOvr>
+    <a:masterClrMapping/>
+  </p:clrMapOvr>
+</p:sld>
+</file>
+
+<file path=ppt/slides/slide12.xml><?xml version="1.0" encoding="utf-8"?>
+<p:sld xmlns:a="http://schemas.openxmlformats.org/drawingml/2006/main" xmlns:r="http://schemas.openxmlformats.org/officeDocument/2006/relationships" xmlns:p="http://schemas.openxmlformats.org/presentationml/2006/main">
+  <p:cSld>
+    <p:spTree>
+      <p:nvGrpSpPr>
+        <p:cNvPr id="1" name=""/>
+        <p:cNvGrpSpPr/>
+        <p:nvPr/>
+      </p:nvGrpSpPr>
+      <p:grpSpPr>
+        <a:xfrm>
+          <a:off x="0" y="0"/>
+          <a:ext cx="0" cy="0"/>
+          <a:chOff x="0" y="0"/>
+          <a:chExt cx="0" cy="0"/>
+        </a:xfrm>
+      </p:grpSpPr>
+      <p:sp>
+        <p:nvSpPr>
+          <p:cNvPr id="4" name="Title 3">
+            <a:extLst>
+              <a:ext uri="{FF2B5EF4-FFF2-40B4-BE49-F238E27FC236}">
+                <a16:creationId xmlns:a16="http://schemas.microsoft.com/office/drawing/2014/main" id="{73BC312B-C2D1-4BF8-8955-FF8BB76AA78D}"/>
+              </a:ext>
+            </a:extLst>
+          </p:cNvPr>
+          <p:cNvSpPr>
+            <a:spLocks noGrp="1"/>
+          </p:cNvSpPr>
+          <p:nvPr>
+            <p:ph type="ctrTitle"/>
+          </p:nvPr>
+        </p:nvSpPr>
+        <p:spPr/>
+        <p:txBody>
+          <a:bodyPr/>
+          <a:lstStyle/>
+          <a:p>
+            <a:pPr algn="ctr"/>
+            <a:r>
+              <a:rPr lang="en-US" dirty="0"/>
+              <a:t>Thank You!!</a:t>
+            </a:r>
+            <a:endParaRPr lang="en-IN" dirty="0"/>
+          </a:p>
+        </p:txBody>
+      </p:sp>
+      <p:pic>
+        <p:nvPicPr>
+          <p:cNvPr id="15362" name="Picture 2" descr="Boy Saying Thank-you - Vector Graphics PNG Image | Transparent PNG Free  Download on SeekPNG">
+            <a:extLst>
+              <a:ext uri="{FF2B5EF4-FFF2-40B4-BE49-F238E27FC236}">
+                <a16:creationId xmlns:a16="http://schemas.microsoft.com/office/drawing/2014/main" id="{3E637482-5857-48B0-B7E2-F5E809D87856}"/>
+              </a:ext>
+            </a:extLst>
+          </p:cNvPr>
+          <p:cNvPicPr>
+            <a:picLocks noChangeAspect="1" noChangeArrowheads="1"/>
+          </p:cNvPicPr>
+          <p:nvPr/>
+        </p:nvPicPr>
+        <p:blipFill>
+          <a:blip r:embed="rId2">
+            <a:extLst>
+              <a:ext uri="{BEBA8EAE-BF5A-486C-A8C5-ECC9F3942E4B}">
+                <a14:imgProps xmlns:a14="http://schemas.microsoft.com/office/drawing/2010/main">
+                  <a14:imgLayer r:embed="rId3">
+                    <a14:imgEffect>
+                      <a14:backgroundRemoval t="3664" b="94370" l="10000" r="90000"/>
+                    </a14:imgEffect>
+                  </a14:imgLayer>
+                </a14:imgProps>
+              </a:ext>
+              <a:ext uri="{28A0092B-C50C-407E-A947-70E740481C1C}">
+                <a14:useLocalDpi xmlns:a14="http://schemas.microsoft.com/office/drawing/2010/main" val="0"/>
+              </a:ext>
+            </a:extLst>
+          </a:blip>
+          <a:srcRect/>
+          <a:stretch>
+            <a:fillRect/>
+          </a:stretch>
+        </p:blipFill>
+        <p:spPr bwMode="auto">
+          <a:xfrm>
+            <a:off x="-456516" y="416560"/>
+            <a:ext cx="5026025" cy="6858000"/>
+          </a:xfrm>
+          <a:prstGeom prst="rect">
+            <a:avLst/>
+          </a:prstGeom>
+          <a:noFill/>
+          <a:extLst>
+            <a:ext uri="{909E8E84-426E-40DD-AFC4-6F175D3DCCD1}">
+              <a14:hiddenFill xmlns:a14="http://schemas.microsoft.com/office/drawing/2010/main">
+                <a:solidFill>
+                  <a:srgbClr val="FFFFFF"/>
+                </a:solidFill>
+              </a14:hiddenFill>
+            </a:ext>
+          </a:extLst>
+        </p:spPr>
+      </p:pic>
+    </p:spTree>
+    <p:extLst>
+      <p:ext uri="{BB962C8B-B14F-4D97-AF65-F5344CB8AC3E}">
+        <p14:creationId xmlns:p14="http://schemas.microsoft.com/office/powerpoint/2010/main" val="3193051311"/>
+      </p:ext>
+    </p:extLst>
+  </p:cSld>
+  <p:clrMapOvr>
+    <a:masterClrMapping/>
+  </p:clrMapOvr>
+  <p:timing>
+    <p:tnLst>
+      <p:par>
+        <p:cTn id="1" dur="indefinite" restart="never" nodeType="tmRoot">
+          <p:childTnLst>
+            <p:seq concurrent="1" nextAc="seek">
+              <p:cTn id="2" dur="indefinite" nodeType="mainSeq">
+                <p:childTnLst>
+                  <p:par>
+                    <p:cTn id="3" fill="hold">
+                      <p:stCondLst>
+                        <p:cond delay="indefinite"/>
+                      </p:stCondLst>
+                      <p:childTnLst>
+                        <p:par>
+                          <p:cTn id="4" fill="hold">
+                            <p:stCondLst>
+                              <p:cond delay="0"/>
+                            </p:stCondLst>
+                            <p:childTnLst>
+                              <p:par>
+                                <p:cTn id="5" presetID="10" presetClass="entr" presetSubtype="0" fill="hold" nodeType="clickEffect">
+                                  <p:stCondLst>
+                                    <p:cond delay="0"/>
+                                  </p:stCondLst>
+                                  <p:childTnLst>
+                                    <p:set>
+                                      <p:cBhvr>
+                                        <p:cTn id="6" dur="1" fill="hold">
+                                          <p:stCondLst>
+                                            <p:cond delay="0"/>
+                                          </p:stCondLst>
+                                        </p:cTn>
+                                        <p:tgtEl>
+                                          <p:spTgt spid="15362"/>
+                                        </p:tgtEl>
+                                        <p:attrNameLst>
+                                          <p:attrName>style.visibility</p:attrName>
+                                        </p:attrNameLst>
+                                      </p:cBhvr>
+                                      <p:to>
+                                        <p:strVal val="visible"/>
+                                      </p:to>
+                                    </p:set>
+                                    <p:animEffect transition="in" filter="fade">
+                                      <p:cBhvr>
+                                        <p:cTn id="7" dur="500"/>
+                                        <p:tgtEl>
+                                          <p:spTgt spid="15362"/>
+                                        </p:tgtEl>
+                                      </p:cBhvr>
+                                    </p:animEffect>
+                                  </p:childTnLst>
+                                </p:cTn>
+                              </p:par>
+                            </p:childTnLst>
+                          </p:cTn>
+                        </p:par>
+                      </p:childTnLst>
+                    </p:cTn>
+                  </p:par>
+                  <p:par>
+                    <p:cTn id="8" fill="hold">
+                      <p:stCondLst>
+                        <p:cond delay="indefinite"/>
+                      </p:stCondLst>
+                      <p:childTnLst>
+                        <p:par>
+                          <p:cTn id="9" fill="hold">
+                            <p:stCondLst>
+                              <p:cond delay="0"/>
+                            </p:stCondLst>
+                            <p:childTnLst>
+                              <p:par>
+                                <p:cTn id="10" presetID="10" presetClass="entr" presetSubtype="0" fill="hold" grpId="0" nodeType="clickEffect">
+                                  <p:stCondLst>
+                                    <p:cond delay="0"/>
+                                  </p:stCondLst>
+                                  <p:childTnLst>
+                                    <p:set>
+                                      <p:cBhvr>
+                                        <p:cTn id="11" dur="1" fill="hold">
+                                          <p:stCondLst>
+                                            <p:cond delay="0"/>
+                                          </p:stCondLst>
+                                        </p:cTn>
+                                        <p:tgtEl>
+                                          <p:spTgt spid="4"/>
+                                        </p:tgtEl>
+                                        <p:attrNameLst>
+                                          <p:attrName>style.visibility</p:attrName>
+                                        </p:attrNameLst>
+                                      </p:cBhvr>
+                                      <p:to>
+                                        <p:strVal val="visible"/>
+                                      </p:to>
+                                    </p:set>
+                                    <p:animEffect transition="in" filter="fade">
+                                      <p:cBhvr>
+                                        <p:cTn id="12" dur="500"/>
+                                        <p:tgtEl>
+                                          <p:spTgt spid="4"/>
+                                        </p:tgtEl>
+                                      </p:cBhvr>
+                                    </p:animEffect>
+                                  </p:childTnLst>
+                                </p:cTn>
+                              </p:par>
+                            </p:childTnLst>
+                          </p:cTn>
+                        </p:par>
+                      </p:childTnLst>
+                    </p:cTn>
+                  </p:par>
+                </p:childTnLst>
+              </p:cTn>
+              <p:prevCondLst>
+                <p:cond evt="onPrev" delay="0">
+                  <p:tgtEl>
+                    <p:sldTgt/>
+                  </p:tgtEl>
+                </p:cond>
+              </p:prevCondLst>
+              <p:nextCondLst>
+                <p:cond evt="onNext" delay="0">
+                  <p:tgtEl>
+                    <p:sldTgt/>
+                  </p:tgtEl>
+                </p:cond>
+              </p:nextCondLst>
+            </p:seq>
+          </p:childTnLst>
+        </p:cTn>
+      </p:par>
+    </p:tnLst>
+    <p:bldLst>
+      <p:bldP spid="4" grpId="0"/>
+    </p:bldLst>
+  </p:timing>
+</p:sld>
+</file>
+
+<file path=ppt/slides/slide2.xml><?xml version="1.0" encoding="utf-8"?>
+<p:sld xmlns:a="http://schemas.openxmlformats.org/drawingml/2006/main" xmlns:r="http://schemas.openxmlformats.org/officeDocument/2006/relationships" xmlns:p="http://schemas.openxmlformats.org/presentationml/2006/main">
+  <p:cSld>
+    <p:spTree>
+      <p:nvGrpSpPr>
+        <p:cNvPr id="1" name=""/>
+        <p:cNvGrpSpPr/>
+        <p:nvPr/>
+      </p:nvGrpSpPr>
+      <p:grpSpPr>
+        <a:xfrm>
+          <a:off x="0" y="0"/>
+          <a:ext cx="0" cy="0"/>
+          <a:chOff x="0" y="0"/>
+          <a:chExt cx="0" cy="0"/>
+        </a:xfrm>
+      </p:grpSpPr>
+      <p:sp>
+        <p:nvSpPr>
+          <p:cNvPr id="2" name="Title 1">
+            <a:extLst>
+              <a:ext uri="{FF2B5EF4-FFF2-40B4-BE49-F238E27FC236}">
+                <a16:creationId xmlns:a16="http://schemas.microsoft.com/office/drawing/2014/main" id="{22ABD646-EB7F-4F62-B2F4-645AF93DAE72}"/>
+              </a:ext>
+            </a:extLst>
+          </p:cNvPr>
+          <p:cNvSpPr>
+            <a:spLocks noGrp="1"/>
+          </p:cNvSpPr>
+          <p:nvPr>
+            <p:ph type="title"/>
+          </p:nvPr>
+        </p:nvSpPr>
+        <p:spPr/>
+        <p:txBody>
+          <a:bodyPr/>
+          <a:lstStyle/>
+          <a:p>
+            <a:r>
+              <a:rPr lang="en-US" dirty="0"/>
+              <a:t>Problem Definition</a:t>
+            </a:r>
+            <a:endParaRPr lang="en-IN" dirty="0"/>
+          </a:p>
+        </p:txBody>
+      </p:sp>
+      <p:sp>
+        <p:nvSpPr>
+          <p:cNvPr id="3" name="Content Placeholder 2">
+            <a:extLst>
+              <a:ext uri="{FF2B5EF4-FFF2-40B4-BE49-F238E27FC236}">
+                <a16:creationId xmlns:a16="http://schemas.microsoft.com/office/drawing/2014/main" id="{0859BC33-3264-4303-B434-33368C97CCDB}"/>
+              </a:ext>
+            </a:extLst>
+          </p:cNvPr>
+          <p:cNvSpPr>
+            <a:spLocks noGrp="1"/>
+          </p:cNvSpPr>
+          <p:nvPr>
+            <p:ph idx="1"/>
+          </p:nvPr>
+        </p:nvSpPr>
+        <p:spPr>
+          <a:xfrm>
+            <a:off x="680321" y="2336873"/>
+            <a:ext cx="9014095" cy="3599316"/>
+          </a:xfrm>
+        </p:spPr>
+        <p:txBody>
+          <a:bodyPr>
+            <a:normAutofit/>
+          </a:bodyPr>
+          <a:lstStyle/>
+          <a:p>
+            <a:r>
+              <a:rPr lang="en-US" sz="2800" b="0" i="0" dirty="0">
+                <a:effectLst/>
+                <a:latin typeface="Roboto"/>
+              </a:rPr>
+              <a:t>Store management System is a desktop application that enables store owner to keep track of all of the products present in the store and also to handle the bills. </a:t>
+            </a:r>
+          </a:p>
+          <a:p>
+            <a:r>
+              <a:rPr lang="en-US" sz="2800" dirty="0">
+                <a:latin typeface="Roboto"/>
+              </a:rPr>
+              <a:t>It also provides a platform to update the stock and keep a track on the stocks sold.</a:t>
+            </a:r>
+          </a:p>
+          <a:p>
+            <a:r>
+              <a:rPr lang="en-US" sz="2800" dirty="0">
+                <a:latin typeface="Roboto"/>
+              </a:rPr>
+              <a:t>It also helps to maintain the money record of all the profits made buy the store</a:t>
+            </a:r>
+            <a:endParaRPr lang="en-IN" sz="2800" dirty="0"/>
+          </a:p>
+        </p:txBody>
+      </p:sp>
+    </p:spTree>
+    <p:extLst>
+      <p:ext uri="{BB962C8B-B14F-4D97-AF65-F5344CB8AC3E}">
+        <p14:creationId xmlns:p14="http://schemas.microsoft.com/office/powerpoint/2010/main" val="2384537705"/>
+      </p:ext>
+    </p:extLst>
+  </p:cSld>
+  <p:clrMapOvr>
+    <a:masterClrMapping/>
+  </p:clrMapOvr>
+  <p:timing>
+    <p:tnLst>
+      <p:par>
+        <p:cTn id="1" dur="indefinite" restart="never" nodeType="tmRoot">
+          <p:childTnLst>
+            <p:seq concurrent="1" nextAc="seek">
+              <p:cTn id="2" dur="indefinite" nodeType="mainSeq">
+                <p:childTnLst>
+                  <p:par>
+                    <p:cTn id="3" fill="hold">
+                      <p:stCondLst>
+                        <p:cond delay="indefinite"/>
+                      </p:stCondLst>
+                      <p:childTnLst>
+                        <p:par>
+                          <p:cTn id="4" fill="hold">
+                            <p:stCondLst>
+                              <p:cond delay="0"/>
+                            </p:stCondLst>
+                            <p:childTnLst>
+                              <p:par>
+                                <p:cTn id="5" presetID="1" presetClass="entr" presetSubtype="0" fill="hold" grpId="0" nodeType="clickEffect">
+                                  <p:stCondLst>
+                                    <p:cond delay="0"/>
+                                  </p:stCondLst>
+                                  <p:childTnLst>
+                                    <p:set>
+                                      <p:cBhvr>
+                                        <p:cTn id="6" dur="1" fill="hold">
+                                          <p:stCondLst>
+                                            <p:cond delay="0"/>
+                                          </p:stCondLst>
+                                        </p:cTn>
+                                        <p:tgtEl>
+                                          <p:spTgt spid="2"/>
+                                        </p:tgtEl>
+                                        <p:attrNameLst>
+                                          <p:attrName>style.visibility</p:attrName>
+                                        </p:attrNameLst>
+                                      </p:cBhvr>
+                                      <p:to>
+                                        <p:strVal val="visible"/>
+                                      </p:to>
+                                    </p:set>
+                                  </p:childTnLst>
+                                </p:cTn>
+                              </p:par>
+                            </p:childTnLst>
+                          </p:cTn>
+                        </p:par>
+                      </p:childTnLst>
+                    </p:cTn>
+                  </p:par>
+                  <p:par>
+                    <p:cTn id="7" fill="hold">
+                      <p:stCondLst>
+                        <p:cond delay="indefinite"/>
+                      </p:stCondLst>
+                      <p:childTnLst>
+                        <p:par>
+                          <p:cTn id="8" fill="hold">
+                            <p:stCondLst>
+                              <p:cond delay="0"/>
+                            </p:stCondLst>
+                            <p:childTnLst>
+                              <p:par>
+                                <p:cTn id="9" presetID="14" presetClass="entr" presetSubtype="10" fill="hold" nodeType="clickEffect">
+                                  <p:stCondLst>
+                                    <p:cond delay="0"/>
+                                  </p:stCondLst>
+                                  <p:childTnLst>
+                                    <p:set>
+                                      <p:cBhvr>
+                                        <p:cTn id="10" dur="1" fill="hold">
+                                          <p:stCondLst>
+                                            <p:cond delay="0"/>
+                                          </p:stCondLst>
+                                        </p:cTn>
+                                        <p:tgtEl>
+                                          <p:spTgt spid="3">
+                                            <p:txEl>
+                                              <p:pRg st="0" end="0"/>
+                                            </p:txEl>
+                                          </p:spTgt>
+                                        </p:tgtEl>
+                                        <p:attrNameLst>
+                                          <p:attrName>style.visibility</p:attrName>
+                                        </p:attrNameLst>
+                                      </p:cBhvr>
+                                      <p:to>
+                                        <p:strVal val="visible"/>
+                                      </p:to>
+                                    </p:set>
+                                    <p:animEffect transition="in" filter="randombar(horizontal)">
+                                      <p:cBhvr>
+                                        <p:cTn id="11" dur="500"/>
+                                        <p:tgtEl>
+                                          <p:spTgt spid="3">
+                                            <p:txEl>
+                                              <p:pRg st="0" end="0"/>
+                                            </p:txEl>
+                                          </p:spTgt>
+                                        </p:tgtEl>
+                                      </p:cBhvr>
+                                    </p:animEffect>
+                                  </p:childTnLst>
+                                </p:cTn>
+                              </p:par>
+                              <p:par>
+                                <p:cTn id="12" presetID="14" presetClass="entr" presetSubtype="10" fill="hold" nodeType="withEffect">
+                                  <p:stCondLst>
+                                    <p:cond delay="0"/>
+                                  </p:stCondLst>
+                                  <p:childTnLst>
+                                    <p:set>
+                                      <p:cBhvr>
+                                        <p:cTn id="13" dur="1" fill="hold">
+                                          <p:stCondLst>
+                                            <p:cond delay="0"/>
+                                          </p:stCondLst>
+                                        </p:cTn>
+                                        <p:tgtEl>
+                                          <p:spTgt spid="3">
+                                            <p:txEl>
+                                              <p:pRg st="1" end="1"/>
+                                            </p:txEl>
+                                          </p:spTgt>
+                                        </p:tgtEl>
+                                        <p:attrNameLst>
+                                          <p:attrName>style.visibility</p:attrName>
+                                        </p:attrNameLst>
+                                      </p:cBhvr>
+                                      <p:to>
+                                        <p:strVal val="visible"/>
+                                      </p:to>
+                                    </p:set>
+                                    <p:animEffect transition="in" filter="randombar(horizontal)">
+                                      <p:cBhvr>
+                                        <p:cTn id="14" dur="500"/>
+                                        <p:tgtEl>
+                                          <p:spTgt spid="3">
+                                            <p:txEl>
+                                              <p:pRg st="1" end="1"/>
+                                            </p:txEl>
+                                          </p:spTgt>
+                                        </p:tgtEl>
+                                      </p:cBhvr>
+                                    </p:animEffect>
+                                  </p:childTnLst>
+                                </p:cTn>
+                              </p:par>
+                              <p:par>
+                                <p:cTn id="15" presetID="14" presetClass="entr" presetSubtype="10" fill="hold" nodeType="withEffect">
+                                  <p:stCondLst>
+                                    <p:cond delay="0"/>
+                                  </p:stCondLst>
+                                  <p:childTnLst>
+                                    <p:set>
+                                      <p:cBhvr>
+                                        <p:cTn id="16" dur="1" fill="hold">
+                                          <p:stCondLst>
+                                            <p:cond delay="0"/>
+                                          </p:stCondLst>
+                                        </p:cTn>
+                                        <p:tgtEl>
+                                          <p:spTgt spid="3">
+                                            <p:txEl>
+                                              <p:pRg st="2" end="2"/>
+                                            </p:txEl>
+                                          </p:spTgt>
+                                        </p:tgtEl>
+                                        <p:attrNameLst>
+                                          <p:attrName>style.visibility</p:attrName>
+                                        </p:attrNameLst>
+                                      </p:cBhvr>
+                                      <p:to>
+                                        <p:strVal val="visible"/>
+                                      </p:to>
+                                    </p:set>
+                                    <p:animEffect transition="in" filter="randombar(horizontal)">
+                                      <p:cBhvr>
+                                        <p:cTn id="17" dur="500"/>
+                                        <p:tgtEl>
+                                          <p:spTgt spid="3">
+                                            <p:txEl>
+                                              <p:pRg st="2" end="2"/>
+                                            </p:txEl>
+                                          </p:spTgt>
+                                        </p:tgtEl>
+                                      </p:cBhvr>
+                                    </p:animEffect>
+                                  </p:childTnLst>
+                                </p:cTn>
+                              </p:par>
+                            </p:childTnLst>
+                          </p:cTn>
+                        </p:par>
+                      </p:childTnLst>
+                    </p:cTn>
+                  </p:par>
+                </p:childTnLst>
+              </p:cTn>
+              <p:prevCondLst>
+                <p:cond evt="onPrev" delay="0">
+                  <p:tgtEl>
+                    <p:sldTgt/>
+                  </p:tgtEl>
+                </p:cond>
+              </p:prevCondLst>
+              <p:nextCondLst>
+                <p:cond evt="onNext" delay="0">
+                  <p:tgtEl>
+                    <p:sldTgt/>
+                  </p:tgtEl>
+                </p:cond>
+              </p:nextCondLst>
+            </p:seq>
+          </p:childTnLst>
+        </p:cTn>
+      </p:par>
+    </p:tnLst>
+    <p:bldLst>
+      <p:bldP spid="2" grpId="0"/>
+    </p:bldLst>
+  </p:timing>
+</p:sld>
+</file>
+
+<file path=ppt/slides/slide3.xml><?xml version="1.0" encoding="utf-8"?>
+<p:sld xmlns:a="http://schemas.openxmlformats.org/drawingml/2006/main" xmlns:r="http://schemas.openxmlformats.org/officeDocument/2006/relationships" xmlns:p="http://schemas.openxmlformats.org/presentationml/2006/main">
+  <p:cSld>
+    <p:spTree>
+      <p:nvGrpSpPr>
+        <p:cNvPr id="1" name=""/>
+        <p:cNvGrpSpPr/>
+        <p:nvPr/>
+      </p:nvGrpSpPr>
+      <p:grpSpPr>
+        <a:xfrm>
+          <a:off x="0" y="0"/>
+          <a:ext cx="0" cy="0"/>
+          <a:chOff x="0" y="0"/>
+          <a:chExt cx="0" cy="0"/>
+        </a:xfrm>
+      </p:grpSpPr>
+      <p:sp>
+        <p:nvSpPr>
+          <p:cNvPr id="2" name="Title 1">
+            <a:extLst>
+              <a:ext uri="{FF2B5EF4-FFF2-40B4-BE49-F238E27FC236}">
+                <a16:creationId xmlns:a16="http://schemas.microsoft.com/office/drawing/2014/main" id="{57BF91C6-1603-4BEB-9D7A-3B7876CB23E9}"/>
+              </a:ext>
+            </a:extLst>
+          </p:cNvPr>
+          <p:cNvSpPr>
+            <a:spLocks noGrp="1"/>
+          </p:cNvSpPr>
+          <p:nvPr>
+            <p:ph type="title"/>
+          </p:nvPr>
+        </p:nvSpPr>
+        <p:spPr/>
+        <p:txBody>
+          <a:bodyPr/>
+          <a:lstStyle/>
+          <a:p>
+            <a:r>
+              <a:rPr lang="en-US" dirty="0"/>
+              <a:t>Scope of KJ Mart</a:t>
+            </a:r>
+            <a:endParaRPr lang="en-IN" dirty="0"/>
+          </a:p>
+        </p:txBody>
+      </p:sp>
+      <p:sp>
+        <p:nvSpPr>
+          <p:cNvPr id="3" name="Content Placeholder 2">
+            <a:extLst>
+              <a:ext uri="{FF2B5EF4-FFF2-40B4-BE49-F238E27FC236}">
+                <a16:creationId xmlns:a16="http://schemas.microsoft.com/office/drawing/2014/main" id="{8CCCA028-A1D3-4885-96FF-8A2A6A643D5C}"/>
+              </a:ext>
+            </a:extLst>
+          </p:cNvPr>
+          <p:cNvSpPr>
+            <a:spLocks noGrp="1"/>
+          </p:cNvSpPr>
+          <p:nvPr>
+            <p:ph idx="1"/>
+          </p:nvPr>
+        </p:nvSpPr>
+        <p:spPr>
+          <a:xfrm>
+            <a:off x="680321" y="2336873"/>
+            <a:ext cx="9613861" cy="4250358"/>
+          </a:xfrm>
+        </p:spPr>
+        <p:txBody>
+          <a:bodyPr>
+            <a:normAutofit/>
+          </a:bodyPr>
+          <a:lstStyle/>
+          <a:p>
+            <a:r>
+              <a:rPr lang="en-US" dirty="0"/>
+              <a:t>User can easily add products to the database</a:t>
+            </a:r>
+          </a:p>
+          <a:p>
+            <a:r>
+              <a:rPr lang="en-US" dirty="0"/>
+              <a:t>User can generate bills.</a:t>
+            </a:r>
+          </a:p>
+          <a:p>
+            <a:r>
+              <a:rPr lang="en-US" dirty="0"/>
+              <a:t>The bills get automatically printed and saved.</a:t>
+            </a:r>
+          </a:p>
+          <a:p>
+            <a:r>
+              <a:rPr lang="en-US" dirty="0"/>
+              <a:t>The stock of products gets updated according to the quantity of the products sold.</a:t>
+            </a:r>
+          </a:p>
+          <a:p>
+            <a:r>
+              <a:rPr lang="en-US" dirty="0"/>
+              <a:t>The user gets notification for less stock of products in the store.</a:t>
+            </a:r>
+          </a:p>
+          <a:p>
+            <a:r>
+              <a:rPr lang="en-US" dirty="0"/>
+              <a:t>The user can give discounts to the special customers.</a:t>
+            </a:r>
+          </a:p>
+          <a:p>
+            <a:r>
+              <a:rPr lang="en-US" dirty="0"/>
+              <a:t>The user can easily calculate the change amount according the bill amount and the sum paid by the customer.</a:t>
+            </a:r>
+          </a:p>
+        </p:txBody>
+      </p:sp>
+    </p:spTree>
+    <p:extLst>
+      <p:ext uri="{BB962C8B-B14F-4D97-AF65-F5344CB8AC3E}">
+        <p14:creationId xmlns:p14="http://schemas.microsoft.com/office/powerpoint/2010/main" val="3191290567"/>
+      </p:ext>
+    </p:extLst>
+  </p:cSld>
+  <p:clrMapOvr>
+    <a:masterClrMapping/>
+  </p:clrMapOvr>
+  <p:timing>
+    <p:tnLst>
+      <p:par>
+        <p:cTn id="1" dur="indefinite" restart="never" nodeType="tmRoot">
+          <p:childTnLst>
+            <p:seq concurrent="1" nextAc="seek">
+              <p:cTn id="2" dur="indefinite" nodeType="mainSeq">
+                <p:childTnLst>
+                  <p:par>
+                    <p:cTn id="3" fill="hold">
+                      <p:stCondLst>
+                        <p:cond delay="indefinite"/>
+                      </p:stCondLst>
+                      <p:childTnLst>
+                        <p:par>
+                          <p:cTn id="4" fill="hold">
+                            <p:stCondLst>
+                              <p:cond delay="0"/>
+                            </p:stCondLst>
+                            <p:childTnLst>
+                              <p:par>
+                                <p:cTn id="5" presetID="10" presetClass="entr" presetSubtype="0" fill="hold" grpId="0" nodeType="clickEffect">
+                                  <p:stCondLst>
+                                    <p:cond delay="0"/>
+                                  </p:stCondLst>
+                                  <p:childTnLst>
+                                    <p:set>
+                                      <p:cBhvr>
+                                        <p:cTn id="6" dur="1" fill="hold">
+                                          <p:stCondLst>
+                                            <p:cond delay="0"/>
+                                          </p:stCondLst>
+                                        </p:cTn>
+                                        <p:tgtEl>
+                                          <p:spTgt spid="2"/>
+                                        </p:tgtEl>
+                                        <p:attrNameLst>
+                                          <p:attrName>style.visibility</p:attrName>
+                                        </p:attrNameLst>
+                                      </p:cBhvr>
+                                      <p:to>
+                                        <p:strVal val="visible"/>
+                                      </p:to>
+                                    </p:set>
+                                    <p:animEffect transition="in" filter="fade">
+                                      <p:cBhvr>
+                                        <p:cTn id="7" dur="500"/>
+                                        <p:tgtEl>
+                                          <p:spTgt spid="2"/>
+                                        </p:tgtEl>
+                                      </p:cBhvr>
+                                    </p:animEffect>
+                                  </p:childTnLst>
+                                </p:cTn>
+                              </p:par>
+                            </p:childTnLst>
+                          </p:cTn>
+                        </p:par>
+                      </p:childTnLst>
+                    </p:cTn>
+                  </p:par>
+                  <p:par>
+                    <p:cTn id="8" fill="hold">
+                      <p:stCondLst>
+                        <p:cond delay="indefinite"/>
+                      </p:stCondLst>
+                      <p:childTnLst>
+                        <p:par>
+                          <p:cTn id="9" fill="hold">
+                            <p:stCondLst>
+                              <p:cond delay="0"/>
+                            </p:stCondLst>
+                            <p:childTnLst>
+                              <p:par>
+                                <p:cTn id="10" presetID="10" presetClass="entr" presetSubtype="0" fill="hold" nodeType="clickEffect">
+                                  <p:stCondLst>
+                                    <p:cond delay="0"/>
+                                  </p:stCondLst>
+                                  <p:childTnLst>
+                                    <p:set>
+                                      <p:cBhvr>
+                                        <p:cTn id="11" dur="1" fill="hold">
+                                          <p:stCondLst>
+                                            <p:cond delay="0"/>
+                                          </p:stCondLst>
+                                        </p:cTn>
+                                        <p:tgtEl>
+                                          <p:spTgt spid="3">
+                                            <p:txEl>
+                                              <p:pRg st="0" end="0"/>
+                                            </p:txEl>
+                                          </p:spTgt>
+                                        </p:tgtEl>
+                                        <p:attrNameLst>
+                                          <p:attrName>style.visibility</p:attrName>
+                                        </p:attrNameLst>
+                                      </p:cBhvr>
+                                      <p:to>
+                                        <p:strVal val="visible"/>
+                                      </p:to>
+                                    </p:set>
+                                    <p:animEffect transition="in" filter="fade">
+                                      <p:cBhvr>
+                                        <p:cTn id="12" dur="500"/>
+                                        <p:tgtEl>
+                                          <p:spTgt spid="3">
+                                            <p:txEl>
+                                              <p:pRg st="0" end="0"/>
+                                            </p:txEl>
+                                          </p:spTgt>
+                                        </p:tgtEl>
+                                      </p:cBhvr>
+                                    </p:animEffect>
+                                  </p:childTnLst>
+                                </p:cTn>
+                              </p:par>
+                            </p:childTnLst>
+                          </p:cTn>
+                        </p:par>
+                      </p:childTnLst>
+                    </p:cTn>
+                  </p:par>
+                  <p:par>
+                    <p:cTn id="13" fill="hold">
+                      <p:stCondLst>
+                        <p:cond delay="indefinite"/>
+                      </p:stCondLst>
+                      <p:childTnLst>
+                        <p:par>
+                          <p:cTn id="14" fill="hold">
+                            <p:stCondLst>
+                              <p:cond delay="0"/>
+                            </p:stCondLst>
+                            <p:childTnLst>
+                              <p:par>
+                                <p:cTn id="15" presetID="10" presetClass="entr" presetSubtype="0" fill="hold" nodeType="clickEffect">
+                                  <p:stCondLst>
+                                    <p:cond delay="0"/>
+                                  </p:stCondLst>
+                                  <p:childTnLst>
+                                    <p:set>
+                                      <p:cBhvr>
+                                        <p:cTn id="16" dur="1" fill="hold">
+                                          <p:stCondLst>
+                                            <p:cond delay="0"/>
+                                          </p:stCondLst>
+                                        </p:cTn>
+                                        <p:tgtEl>
+                                          <p:spTgt spid="3">
+                                            <p:txEl>
+                                              <p:pRg st="1" end="1"/>
+                                            </p:txEl>
+                                          </p:spTgt>
+                                        </p:tgtEl>
+                                        <p:attrNameLst>
+                                          <p:attrName>style.visibility</p:attrName>
+                                        </p:attrNameLst>
+                                      </p:cBhvr>
+                                      <p:to>
+                                        <p:strVal val="visible"/>
+                                      </p:to>
+                                    </p:set>
+                                    <p:animEffect transition="in" filter="fade">
+                                      <p:cBhvr>
+                                        <p:cTn id="17" dur="500"/>
+                                        <p:tgtEl>
+                                          <p:spTgt spid="3">
+                                            <p:txEl>
+                                              <p:pRg st="1" end="1"/>
+                                            </p:txEl>
+                                          </p:spTgt>
+                                        </p:tgtEl>
+                                      </p:cBhvr>
+                                    </p:animEffect>
+                                  </p:childTnLst>
+                                </p:cTn>
+                              </p:par>
+                            </p:childTnLst>
+                          </p:cTn>
+                        </p:par>
+                      </p:childTnLst>
+                    </p:cTn>
+                  </p:par>
+                  <p:par>
+                    <p:cTn id="18" fill="hold">
+                      <p:stCondLst>
+                        <p:cond delay="indefinite"/>
+                      </p:stCondLst>
+                      <p:childTnLst>
+                        <p:par>
+                          <p:cTn id="19" fill="hold">
+                            <p:stCondLst>
+                              <p:cond delay="0"/>
+                            </p:stCondLst>
+                            <p:childTnLst>
+                              <p:par>
+                                <p:cTn id="20" presetID="10" presetClass="entr" presetSubtype="0" fill="hold" nodeType="clickEffect">
+                                  <p:stCondLst>
+                                    <p:cond delay="0"/>
+                                  </p:stCondLst>
+                                  <p:childTnLst>
+                                    <p:set>
+                                      <p:cBhvr>
+                                        <p:cTn id="21" dur="1" fill="hold">
+                                          <p:stCondLst>
+                                            <p:cond delay="0"/>
+                                          </p:stCondLst>
+                                        </p:cTn>
+                                        <p:tgtEl>
+                                          <p:spTgt spid="3">
+                                            <p:txEl>
+                                              <p:pRg st="2" end="2"/>
+                                            </p:txEl>
+                                          </p:spTgt>
+                                        </p:tgtEl>
+                                        <p:attrNameLst>
+                                          <p:attrName>style.visibility</p:attrName>
+                                        </p:attrNameLst>
+                                      </p:cBhvr>
+                                      <p:to>
+                                        <p:strVal val="visible"/>
+                                      </p:to>
+                                    </p:set>
+                                    <p:animEffect transition="in" filter="fade">
+                                      <p:cBhvr>
+                                        <p:cTn id="22" dur="500"/>
+                                        <p:tgtEl>
+                                          <p:spTgt spid="3">
+                                            <p:txEl>
+                                              <p:pRg st="2" end="2"/>
+                                            </p:txEl>
+                                          </p:spTgt>
+                                        </p:tgtEl>
+                                      </p:cBhvr>
+                                    </p:animEffect>
+                                  </p:childTnLst>
+                                </p:cTn>
+                              </p:par>
+                            </p:childTnLst>
+                          </p:cTn>
+                        </p:par>
+                      </p:childTnLst>
+                    </p:cTn>
+                  </p:par>
+                  <p:par>
+                    <p:cTn id="23" fill="hold">
+                      <p:stCondLst>
+                        <p:cond delay="indefinite"/>
+                      </p:stCondLst>
+                      <p:childTnLst>
+                        <p:par>
+                          <p:cTn id="24" fill="hold">
+                            <p:stCondLst>
+                              <p:cond delay="0"/>
+                            </p:stCondLst>
+                            <p:childTnLst>
+                              <p:par>
+                                <p:cTn id="25" presetID="10" presetClass="entr" presetSubtype="0" fill="hold" nodeType="clickEffect">
+                                  <p:stCondLst>
+                                    <p:cond delay="0"/>
+                                  </p:stCondLst>
+                                  <p:childTnLst>
+                                    <p:set>
+                                      <p:cBhvr>
+                                        <p:cTn id="26" dur="1" fill="hold">
+                                          <p:stCondLst>
+                                            <p:cond delay="0"/>
+                                          </p:stCondLst>
+                                        </p:cTn>
+                                        <p:tgtEl>
+                                          <p:spTgt spid="3">
+                                            <p:txEl>
+                                              <p:pRg st="3" end="3"/>
+                                            </p:txEl>
+                                          </p:spTgt>
+                                        </p:tgtEl>
+                                        <p:attrNameLst>
+                                          <p:attrName>style.visibility</p:attrName>
+                                        </p:attrNameLst>
+                                      </p:cBhvr>
+                                      <p:to>
+                                        <p:strVal val="visible"/>
+                                      </p:to>
+                                    </p:set>
+                                    <p:animEffect transition="in" filter="fade">
+                                      <p:cBhvr>
+                                        <p:cTn id="27" dur="500"/>
+                                        <p:tgtEl>
+                                          <p:spTgt spid="3">
+                                            <p:txEl>
+                                              <p:pRg st="3" end="3"/>
+                                            </p:txEl>
+                                          </p:spTgt>
+                                        </p:tgtEl>
+                                      </p:cBhvr>
+                                    </p:animEffect>
+                                  </p:childTnLst>
+                                </p:cTn>
+                              </p:par>
+                            </p:childTnLst>
+                          </p:cTn>
+                        </p:par>
+                      </p:childTnLst>
+                    </p:cTn>
+                  </p:par>
+                  <p:par>
+                    <p:cTn id="28" fill="hold">
+                      <p:stCondLst>
+                        <p:cond delay="indefinite"/>
+                      </p:stCondLst>
+                      <p:childTnLst>
+                        <p:par>
+                          <p:cTn id="29" fill="hold">
+                            <p:stCondLst>
+                              <p:cond delay="0"/>
+                            </p:stCondLst>
+                            <p:childTnLst>
+                              <p:par>
+                                <p:cTn id="30" presetID="10" presetClass="entr" presetSubtype="0" fill="hold" nodeType="clickEffect">
+                                  <p:stCondLst>
+                                    <p:cond delay="0"/>
+                                  </p:stCondLst>
+                                  <p:childTnLst>
+                                    <p:set>
+                                      <p:cBhvr>
+                                        <p:cTn id="31" dur="1" fill="hold">
+                                          <p:stCondLst>
+                                            <p:cond delay="0"/>
+                                          </p:stCondLst>
+                                        </p:cTn>
+                                        <p:tgtEl>
+                                          <p:spTgt spid="3">
+                                            <p:txEl>
+                                              <p:pRg st="4" end="4"/>
+                                            </p:txEl>
+                                          </p:spTgt>
+                                        </p:tgtEl>
+                                        <p:attrNameLst>
+                                          <p:attrName>style.visibility</p:attrName>
+                                        </p:attrNameLst>
+                                      </p:cBhvr>
+                                      <p:to>
+                                        <p:strVal val="visible"/>
+                                      </p:to>
+                                    </p:set>
+                                    <p:animEffect transition="in" filter="fade">
+                                      <p:cBhvr>
+                                        <p:cTn id="32" dur="500"/>
+                                        <p:tgtEl>
+                                          <p:spTgt spid="3">
+                                            <p:txEl>
+                                              <p:pRg st="4" end="4"/>
+                                            </p:txEl>
+                                          </p:spTgt>
+                                        </p:tgtEl>
+                                      </p:cBhvr>
+                                    </p:animEffect>
+                                  </p:childTnLst>
+                                </p:cTn>
+                              </p:par>
+                            </p:childTnLst>
+                          </p:cTn>
+                        </p:par>
+                      </p:childTnLst>
+                    </p:cTn>
+                  </p:par>
+                  <p:par>
+                    <p:cTn id="33" fill="hold">
+                      <p:stCondLst>
+                        <p:cond delay="indefinite"/>
+                      </p:stCondLst>
+                      <p:childTnLst>
+                        <p:par>
+                          <p:cTn id="34" fill="hold">
+                            <p:stCondLst>
+                              <p:cond delay="0"/>
+                            </p:stCondLst>
+                            <p:childTnLst>
+                              <p:par>
+                                <p:cTn id="35" presetID="10" presetClass="entr" presetSubtype="0" fill="hold" nodeType="clickEffect">
+                                  <p:stCondLst>
+                                    <p:cond delay="0"/>
+                                  </p:stCondLst>
+                                  <p:childTnLst>
+                                    <p:set>
+                                      <p:cBhvr>
+                                        <p:cTn id="36" dur="1" fill="hold">
+                                          <p:stCondLst>
+                                            <p:cond delay="0"/>
+                                          </p:stCondLst>
+                                        </p:cTn>
+                                        <p:tgtEl>
+                                          <p:spTgt spid="3">
+                                            <p:txEl>
+                                              <p:pRg st="5" end="5"/>
+                                            </p:txEl>
+                                          </p:spTgt>
+                                        </p:tgtEl>
+                                        <p:attrNameLst>
+                                          <p:attrName>style.visibility</p:attrName>
+                                        </p:attrNameLst>
+                                      </p:cBhvr>
+                                      <p:to>
+                                        <p:strVal val="visible"/>
+                                      </p:to>
+                                    </p:set>
+                                    <p:animEffect transition="in" filter="fade">
+                                      <p:cBhvr>
+                                        <p:cTn id="37" dur="500"/>
+                                        <p:tgtEl>
+                                          <p:spTgt spid="3">
+                                            <p:txEl>
+                                              <p:pRg st="5" end="5"/>
+                                            </p:txEl>
+                                          </p:spTgt>
+                                        </p:tgtEl>
+                                      </p:cBhvr>
+                                    </p:animEffect>
+                                  </p:childTnLst>
+                                </p:cTn>
+                              </p:par>
+                            </p:childTnLst>
+                          </p:cTn>
+                        </p:par>
+                      </p:childTnLst>
+                    </p:cTn>
+                  </p:par>
+                  <p:par>
+                    <p:cTn id="38" fill="hold">
+                      <p:stCondLst>
+                        <p:cond delay="indefinite"/>
+                      </p:stCondLst>
+                      <p:childTnLst>
+                        <p:par>
+                          <p:cTn id="39" fill="hold">
+                            <p:stCondLst>
+                              <p:cond delay="0"/>
+                            </p:stCondLst>
+                            <p:childTnLst>
+                              <p:par>
+                                <p:cTn id="40" presetID="10" presetClass="entr" presetSubtype="0" fill="hold" nodeType="clickEffect">
+                                  <p:stCondLst>
+                                    <p:cond delay="0"/>
+                                  </p:stCondLst>
+                                  <p:childTnLst>
+                                    <p:set>
+                                      <p:cBhvr>
+                                        <p:cTn id="41" dur="1" fill="hold">
+                                          <p:stCondLst>
+                                            <p:cond delay="0"/>
+                                          </p:stCondLst>
+                                        </p:cTn>
+                                        <p:tgtEl>
+                                          <p:spTgt spid="3">
+                                            <p:txEl>
+                                              <p:pRg st="6" end="6"/>
+                                            </p:txEl>
+                                          </p:spTgt>
+                                        </p:tgtEl>
+                                        <p:attrNameLst>
+                                          <p:attrName>style.visibility</p:attrName>
+                                        </p:attrNameLst>
+                                      </p:cBhvr>
+                                      <p:to>
+                                        <p:strVal val="visible"/>
+                                      </p:to>
+                                    </p:set>
+                                    <p:animEffect transition="in" filter="fade">
+                                      <p:cBhvr>
+                                        <p:cTn id="42" dur="500"/>
+                                        <p:tgtEl>
+                                          <p:spTgt spid="3">
+                                            <p:txEl>
+                                              <p:pRg st="6" end="6"/>
+                                            </p:txEl>
+                                          </p:spTgt>
+                                        </p:tgtEl>
+                                      </p:cBhvr>
+                                    </p:animEffect>
+                                  </p:childTnLst>
+                                </p:cTn>
+                              </p:par>
+                            </p:childTnLst>
+                          </p:cTn>
+                        </p:par>
+                      </p:childTnLst>
+                    </p:cTn>
+                  </p:par>
+                </p:childTnLst>
+              </p:cTn>
+              <p:prevCondLst>
+                <p:cond evt="onPrev" delay="0">
+                  <p:tgtEl>
+                    <p:sldTgt/>
+                  </p:tgtEl>
+                </p:cond>
+              </p:prevCondLst>
+              <p:nextCondLst>
+                <p:cond evt="onNext" delay="0">
+                  <p:tgtEl>
+                    <p:sldTgt/>
+                  </p:tgtEl>
+                </p:cond>
+              </p:nextCondLst>
+            </p:seq>
+          </p:childTnLst>
+        </p:cTn>
+      </p:par>
+    </p:tnLst>
+    <p:bldLst>
+      <p:bldP spid="2" grpId="0"/>
+    </p:bldLst>
+  </p:timing>
+</p:sld>
+</file>
+
+<file path=ppt/slides/slide4.xml><?xml version="1.0" encoding="utf-8"?>
+<p:sld xmlns:a="http://schemas.openxmlformats.org/drawingml/2006/main" xmlns:r="http://schemas.openxmlformats.org/officeDocument/2006/relationships" xmlns:p="http://schemas.openxmlformats.org/presentationml/2006/main">
+  <p:cSld>
+    <p:spTree>
+      <p:nvGrpSpPr>
+        <p:cNvPr id="1" name=""/>
+        <p:cNvGrpSpPr/>
+        <p:nvPr/>
+      </p:nvGrpSpPr>
+      <p:grpSpPr>
+        <a:xfrm>
+          <a:off x="0" y="0"/>
+          <a:ext cx="0" cy="0"/>
+          <a:chOff x="0" y="0"/>
+          <a:chExt cx="0" cy="0"/>
+        </a:xfrm>
+      </p:grpSpPr>
+      <p:sp>
+        <p:nvSpPr>
+          <p:cNvPr id="4" name="Title 3">
+            <a:extLst>
+              <a:ext uri="{FF2B5EF4-FFF2-40B4-BE49-F238E27FC236}">
+                <a16:creationId xmlns:a16="http://schemas.microsoft.com/office/drawing/2014/main" id="{F65DA823-4EB9-4B55-B72A-91AD5D9F9793}"/>
+              </a:ext>
+            </a:extLst>
+          </p:cNvPr>
+          <p:cNvSpPr>
+            <a:spLocks noGrp="1"/>
+          </p:cNvSpPr>
+          <p:nvPr>
+            <p:ph type="title"/>
+          </p:nvPr>
+        </p:nvSpPr>
+        <p:spPr/>
+        <p:txBody>
+          <a:bodyPr/>
+          <a:lstStyle/>
+          <a:p>
+            <a:r>
+              <a:rPr lang="en-US" dirty="0"/>
+              <a:t>Technologies used</a:t>
+            </a:r>
+            <a:endParaRPr lang="en-IN" dirty="0"/>
+          </a:p>
+        </p:txBody>
+      </p:sp>
+      <p:sp>
+        <p:nvSpPr>
+          <p:cNvPr id="5" name="Text Placeholder 4">
+            <a:extLst>
+              <a:ext uri="{FF2B5EF4-FFF2-40B4-BE49-F238E27FC236}">
+                <a16:creationId xmlns:a16="http://schemas.microsoft.com/office/drawing/2014/main" id="{8D8C048A-E2C0-4E92-9A7B-C03D53A47346}"/>
+              </a:ext>
+            </a:extLst>
+          </p:cNvPr>
+          <p:cNvSpPr>
+            <a:spLocks noGrp="1"/>
+          </p:cNvSpPr>
+          <p:nvPr>
+            <p:ph type="body" idx="1"/>
+          </p:nvPr>
+        </p:nvSpPr>
+        <p:spPr/>
+        <p:txBody>
+          <a:bodyPr/>
+          <a:lstStyle/>
+          <a:p>
+            <a:r>
+              <a:rPr lang="en-US" sz="3200" b="1" u="sng" dirty="0">
+                <a:effectLst>
+                  <a:outerShdw blurRad="38100" dist="38100" dir="2700000" algn="tl">
+                    <a:srgbClr val="000000">
+                      <a:alpha val="43137"/>
+                    </a:srgbClr>
+                  </a:outerShdw>
+                </a:effectLst>
+              </a:rPr>
+              <a:t>Backend</a:t>
+            </a:r>
+          </a:p>
+        </p:txBody>
+      </p:sp>
+      <p:sp>
+        <p:nvSpPr>
+          <p:cNvPr id="8" name="Text Placeholder 7">
+            <a:extLst>
+              <a:ext uri="{FF2B5EF4-FFF2-40B4-BE49-F238E27FC236}">
+                <a16:creationId xmlns:a16="http://schemas.microsoft.com/office/drawing/2014/main" id="{DD4B55C3-08E2-4AE2-8FDC-D863E690898E}"/>
+              </a:ext>
+            </a:extLst>
+          </p:cNvPr>
+          <p:cNvSpPr>
+            <a:spLocks noGrp="1"/>
+          </p:cNvSpPr>
+          <p:nvPr>
+            <p:ph type="body" sz="half" idx="15"/>
+          </p:nvPr>
+        </p:nvSpPr>
+        <p:spPr/>
+        <p:txBody>
+          <a:bodyPr/>
+          <a:lstStyle/>
+          <a:p>
+            <a:endParaRPr lang="en-US" sz="4000" kern="1200" dirty="0">
+              <a:solidFill>
+                <a:srgbClr val="FFFFFF"/>
+              </a:solidFill>
+              <a:effectLst/>
+              <a:latin typeface="Trebuchet MS" panose="020B0603020202020204" pitchFamily="34" charset="0"/>
+              <a:ea typeface="+mn-ea"/>
+              <a:cs typeface="+mn-cs"/>
+            </a:endParaRPr>
+          </a:p>
+          <a:p>
+            <a:endParaRPr lang="en-US" sz="4000" dirty="0">
+              <a:solidFill>
+                <a:srgbClr val="FFFFFF"/>
+              </a:solidFill>
+              <a:latin typeface="Trebuchet MS" panose="020B0603020202020204" pitchFamily="34" charset="0"/>
+            </a:endParaRPr>
+          </a:p>
+          <a:p>
+            <a:endParaRPr lang="en-US" sz="4000" kern="1200" dirty="0">
+              <a:solidFill>
+                <a:srgbClr val="FFFFFF"/>
+              </a:solidFill>
+              <a:effectLst/>
+              <a:latin typeface="Trebuchet MS" panose="020B0603020202020204" pitchFamily="34" charset="0"/>
+              <a:ea typeface="+mn-ea"/>
+              <a:cs typeface="+mn-cs"/>
+            </a:endParaRPr>
+          </a:p>
+          <a:p>
+            <a:r>
+              <a:rPr lang="en-US" sz="4000" kern="1200" dirty="0">
+                <a:solidFill>
+                  <a:srgbClr val="FFFFFF"/>
+                </a:solidFill>
+                <a:effectLst/>
+                <a:latin typeface="Trebuchet MS" panose="020B0603020202020204" pitchFamily="34" charset="0"/>
+                <a:ea typeface="+mn-ea"/>
+                <a:cs typeface="+mn-cs"/>
+              </a:rPr>
+              <a:t>Python</a:t>
+            </a:r>
+            <a:endParaRPr lang="en-IN" sz="3200" dirty="0">
+              <a:effectLst/>
+            </a:endParaRPr>
+          </a:p>
+          <a:p>
+            <a:endParaRPr lang="en-IN" dirty="0"/>
+          </a:p>
+        </p:txBody>
+      </p:sp>
+      <p:sp>
+        <p:nvSpPr>
+          <p:cNvPr id="9" name="Text Placeholder 8">
+            <a:extLst>
+              <a:ext uri="{FF2B5EF4-FFF2-40B4-BE49-F238E27FC236}">
+                <a16:creationId xmlns:a16="http://schemas.microsoft.com/office/drawing/2014/main" id="{CBB40B8E-E649-444F-B5D5-DD8F6F2E429A}"/>
+              </a:ext>
+            </a:extLst>
+          </p:cNvPr>
+          <p:cNvSpPr>
+            <a:spLocks noGrp="1"/>
+          </p:cNvSpPr>
+          <p:nvPr>
+            <p:ph type="body" sz="half" idx="16"/>
+          </p:nvPr>
+        </p:nvSpPr>
+        <p:spPr>
+          <a:xfrm>
+            <a:off x="3217934" y="2993065"/>
+            <a:ext cx="3063240" cy="2913513"/>
+          </a:xfrm>
+        </p:spPr>
+        <p:txBody>
+          <a:bodyPr>
+            <a:normAutofit/>
+          </a:bodyPr>
+          <a:lstStyle/>
+          <a:p>
+            <a:r>
+              <a:rPr lang="en-US" sz="4400" kern="1200" dirty="0">
+                <a:solidFill>
+                  <a:srgbClr val="FFFFFF"/>
+                </a:solidFill>
+                <a:effectLst/>
+                <a:latin typeface="Trebuchet MS" panose="020B0603020202020204" pitchFamily="34" charset="0"/>
+                <a:ea typeface="+mn-ea"/>
+                <a:cs typeface="+mn-cs"/>
+              </a:rPr>
+              <a:t>Sqlite3</a:t>
+            </a:r>
+            <a:endParaRPr lang="en-IN" sz="3600" dirty="0">
+              <a:effectLst/>
+            </a:endParaRPr>
+          </a:p>
+          <a:p>
+            <a:endParaRPr lang="en-IN" sz="3600" dirty="0"/>
+          </a:p>
+        </p:txBody>
+      </p:sp>
+      <p:sp>
+        <p:nvSpPr>
+          <p:cNvPr id="7" name="Text Placeholder 6">
+            <a:extLst>
+              <a:ext uri="{FF2B5EF4-FFF2-40B4-BE49-F238E27FC236}">
+                <a16:creationId xmlns:a16="http://schemas.microsoft.com/office/drawing/2014/main" id="{56E2A281-D791-4E8C-8AE3-BBE297514FD7}"/>
+              </a:ext>
+            </a:extLst>
+          </p:cNvPr>
+          <p:cNvSpPr>
+            <a:spLocks noGrp="1"/>
+          </p:cNvSpPr>
+          <p:nvPr>
+            <p:ph type="body" sz="quarter" idx="13"/>
+          </p:nvPr>
+        </p:nvSpPr>
+        <p:spPr/>
+        <p:txBody>
+          <a:bodyPr/>
+          <a:lstStyle/>
+          <a:p>
+            <a:r>
+              <a:rPr lang="en-US" sz="3200" b="1" i="1" u="sng" kern="1200" dirty="0">
+                <a:solidFill>
+                  <a:srgbClr val="FFFFFF"/>
+                </a:solidFill>
+                <a:effectLst/>
+                <a:latin typeface="Trebuchet MS" panose="020B0603020202020204" pitchFamily="34" charset="0"/>
+                <a:ea typeface="+mn-ea"/>
+                <a:cs typeface="+mn-cs"/>
+              </a:rPr>
+              <a:t>Frontend</a:t>
+            </a:r>
+            <a:endParaRPr lang="en-IN" sz="3200" dirty="0">
+              <a:effectLst/>
+            </a:endParaRPr>
+          </a:p>
+        </p:txBody>
+      </p:sp>
+      <p:sp>
+        <p:nvSpPr>
+          <p:cNvPr id="10" name="Text Placeholder 9">
+            <a:extLst>
+              <a:ext uri="{FF2B5EF4-FFF2-40B4-BE49-F238E27FC236}">
+                <a16:creationId xmlns:a16="http://schemas.microsoft.com/office/drawing/2014/main" id="{8A81863D-350A-4B02-A350-DEC101CEB0F4}"/>
+              </a:ext>
+            </a:extLst>
+          </p:cNvPr>
+          <p:cNvSpPr>
+            <a:spLocks noGrp="1"/>
+          </p:cNvSpPr>
+          <p:nvPr>
+            <p:ph type="body" sz="half" idx="17"/>
+          </p:nvPr>
+        </p:nvSpPr>
+        <p:spPr>
+          <a:xfrm>
+            <a:off x="7224156" y="3022673"/>
+            <a:ext cx="3992484" cy="2913513"/>
+          </a:xfrm>
+        </p:spPr>
+        <p:txBody>
+          <a:bodyPr>
+            <a:normAutofit/>
+          </a:bodyPr>
+          <a:lstStyle/>
+          <a:p>
+            <a:endParaRPr lang="en-US" sz="3200" kern="1200" dirty="0">
+              <a:solidFill>
+                <a:srgbClr val="FFFFFF"/>
+              </a:solidFill>
+              <a:effectLst/>
+              <a:latin typeface="Trebuchet MS" panose="020B0603020202020204" pitchFamily="34" charset="0"/>
+              <a:ea typeface="+mn-ea"/>
+              <a:cs typeface="+mn-cs"/>
+            </a:endParaRPr>
+          </a:p>
+          <a:p>
+            <a:endParaRPr lang="en-US" sz="3200" dirty="0">
+              <a:solidFill>
+                <a:srgbClr val="FFFFFF"/>
+              </a:solidFill>
+              <a:latin typeface="Trebuchet MS" panose="020B0603020202020204" pitchFamily="34" charset="0"/>
+            </a:endParaRPr>
+          </a:p>
+          <a:p>
+            <a:endParaRPr lang="en-US" sz="3200" kern="1200" dirty="0">
+              <a:solidFill>
+                <a:srgbClr val="FFFFFF"/>
+              </a:solidFill>
+              <a:effectLst/>
+              <a:latin typeface="Trebuchet MS" panose="020B0603020202020204" pitchFamily="34" charset="0"/>
+              <a:ea typeface="+mn-ea"/>
+              <a:cs typeface="+mn-cs"/>
+            </a:endParaRPr>
+          </a:p>
+          <a:p>
+            <a:endParaRPr lang="en-US" sz="3200" dirty="0">
+              <a:solidFill>
+                <a:srgbClr val="FFFFFF"/>
+              </a:solidFill>
+              <a:latin typeface="Trebuchet MS" panose="020B0603020202020204" pitchFamily="34" charset="0"/>
+            </a:endParaRPr>
+          </a:p>
+          <a:p>
+            <a:r>
+              <a:rPr lang="en-US" sz="3600" kern="1200" dirty="0" err="1">
+                <a:solidFill>
+                  <a:srgbClr val="FFFFFF"/>
+                </a:solidFill>
+                <a:effectLst/>
+                <a:latin typeface="Trebuchet MS" panose="020B0603020202020204" pitchFamily="34" charset="0"/>
+                <a:ea typeface="+mn-ea"/>
+                <a:cs typeface="+mn-cs"/>
+              </a:rPr>
+              <a:t>Tkinter</a:t>
+            </a:r>
+            <a:r>
+              <a:rPr lang="en-US" sz="3600" kern="1200" dirty="0">
+                <a:solidFill>
+                  <a:srgbClr val="FFFFFF"/>
+                </a:solidFill>
+                <a:effectLst/>
+                <a:latin typeface="Trebuchet MS" panose="020B0603020202020204" pitchFamily="34" charset="0"/>
+                <a:ea typeface="+mn-ea"/>
+                <a:cs typeface="+mn-cs"/>
+              </a:rPr>
+              <a:t> module</a:t>
+            </a:r>
+            <a:endParaRPr lang="en-IN" sz="2800" dirty="0">
+              <a:effectLst/>
+            </a:endParaRPr>
+          </a:p>
+          <a:p>
+            <a:endParaRPr lang="en-IN" sz="2400" dirty="0"/>
+          </a:p>
+        </p:txBody>
+      </p:sp>
+      <p:sp>
+        <p:nvSpPr>
+          <p:cNvPr id="2" name="Text Placeholder 1">
+            <a:extLst>
+              <a:ext uri="{FF2B5EF4-FFF2-40B4-BE49-F238E27FC236}">
+                <a16:creationId xmlns:a16="http://schemas.microsoft.com/office/drawing/2014/main" id="{39F78669-0B08-4F24-ADED-AB13D315381F}"/>
+              </a:ext>
+            </a:extLst>
+          </p:cNvPr>
+          <p:cNvSpPr>
+            <a:spLocks noGrp="1" noChangeArrowheads="1"/>
+          </p:cNvSpPr>
+          <p:nvPr>
+            <p:ph type="body" sz="quarter" idx="3"/>
+          </p:nvPr>
+        </p:nvSpPr>
+        <p:spPr bwMode="auto">
+          <a:xfrm>
+            <a:off x="3366745" y="2297178"/>
+            <a:ext cx="2033497" cy="589865"/>
+          </a:xfrm>
+          <a:prstGeom prst="rect">
+            <a:avLst/>
+          </a:prstGeom>
+          <a:noFill/>
+          <a:ln>
+            <a:noFill/>
+          </a:ln>
+          <a:effectLst/>
+          <a:extLst>
+            <a:ext uri="{909E8E84-426E-40DD-AFC4-6F175D3DCCD1}">
+              <a14:hiddenFill xmlns:a14="http://schemas.microsoft.com/office/drawing/2010/main">
+                <a:solidFill>
+                  <a:schemeClr val="accent1"/>
+                </a:solidFill>
+              </a14:hiddenFill>
+            </a:ext>
+            <a:ext uri="{91240B29-F687-4F45-9708-019B960494DF}">
+              <a14:hiddenLine xmlns:a14="http://schemas.microsoft.com/office/drawing/2010/main" w="9525">
+                <a:solidFill>
+                  <a:schemeClr val="tx1"/>
+                </a:solidFill>
+                <a:miter lim="800000"/>
+                <a:headEnd/>
+                <a:tailEnd/>
+              </a14:hiddenLine>
+            </a:ext>
+            <a:ext uri="{AF507438-7753-43E0-B8FC-AC1667EBCBE1}">
+              <a14:hiddenEffects xmlns:a14="http://schemas.microsoft.com/office/drawing/2010/main">
+                <a:effectLst>
+                  <a:outerShdw dist="35921" dir="2700000" algn="ctr" rotWithShape="0">
+                    <a:schemeClr val="bg2"/>
+                  </a:outerShdw>
+                </a:effectLst>
+              </a14:hiddenEffects>
+            </a:ext>
+          </a:extLst>
+        </p:spPr>
+        <p:txBody>
+          <a:bodyPr vert="horz" wrap="none" lIns="228528" tIns="126960" rIns="91440" bIns="0" numCol="1" anchor="ctr" anchorCtr="0" compatLnSpc="1">
+            <a:prstTxWarp prst="textNoShape">
+              <a:avLst/>
+            </a:prstTxWarp>
+            <a:spAutoFit/>
+          </a:bodyPr>
+          <a:lstStyle/>
+          <a:p>
+            <a:pPr marL="0" marR="0" lvl="0" indent="0" algn="l" defTabSz="914400" rtl="0" eaLnBrk="0" fontAlgn="base" latinLnBrk="0" hangingPunct="0">
+              <a:lnSpc>
+                <a:spcPct val="100000"/>
+              </a:lnSpc>
+              <a:spcBef>
+                <a:spcPct val="0"/>
+              </a:spcBef>
+              <a:spcAft>
+                <a:spcPct val="0"/>
+              </a:spcAft>
+              <a:buClrTx/>
+              <a:buSzTx/>
+              <a:tabLst/>
+            </a:pPr>
+            <a:r>
+              <a:rPr kumimoji="0" lang="en-US" altLang="en-US" sz="3000" b="1" i="1" u="sng" strike="noStrike" cap="none" normalizeH="0" baseline="0" dirty="0">
+                <a:ln>
+                  <a:noFill/>
+                </a:ln>
+                <a:solidFill>
+                  <a:schemeClr val="tx1"/>
+                </a:solidFill>
+                <a:effectLst/>
+                <a:latin typeface="Trebuchet MS" panose="020B0603020202020204" pitchFamily="34" charset="0"/>
+                <a:ea typeface="+mn-ea"/>
+                <a:cs typeface="+mn-cs"/>
+              </a:rPr>
+              <a:t>Database</a:t>
+            </a:r>
+            <a:endParaRPr kumimoji="0" lang="en-US" altLang="en-US" sz="1800" b="0" i="0" u="none" strike="noStrike" cap="none" normalizeH="0" baseline="0" dirty="0">
+              <a:ln>
+                <a:noFill/>
+              </a:ln>
+              <a:solidFill>
+                <a:schemeClr val="tx1"/>
+              </a:solidFill>
+              <a:effectLst/>
+              <a:latin typeface="Arial" panose="020B0604020202020204" pitchFamily="34" charset="0"/>
+            </a:endParaRPr>
+          </a:p>
+        </p:txBody>
+      </p:sp>
+      <p:pic>
+        <p:nvPicPr>
+          <p:cNvPr id="11" name="Picture 2" descr="Speeding up Python and NumPy: C++ing the Way | by Matt Fowler | Coding With  Clarity | Medium">
+            <a:extLst>
+              <a:ext uri="{FF2B5EF4-FFF2-40B4-BE49-F238E27FC236}">
+                <a16:creationId xmlns:a16="http://schemas.microsoft.com/office/drawing/2014/main" id="{F9AFADE2-82A1-4195-A089-2AE4E7BAECDA}"/>
+              </a:ext>
+            </a:extLst>
+          </p:cNvPr>
+          <p:cNvPicPr>
+            <a:picLocks noChangeAspect="1" noChangeArrowheads="1"/>
+          </p:cNvPicPr>
+          <p:nvPr/>
+        </p:nvPicPr>
+        <p:blipFill>
+          <a:blip r:embed="rId2">
+            <a:extLst>
+              <a:ext uri="{28A0092B-C50C-407E-A947-70E740481C1C}">
+                <a14:useLocalDpi xmlns:a14="http://schemas.microsoft.com/office/drawing/2010/main" val="0"/>
+              </a:ext>
+            </a:extLst>
+          </a:blip>
+          <a:srcRect/>
+          <a:stretch>
+            <a:fillRect/>
+          </a:stretch>
+        </p:blipFill>
+        <p:spPr bwMode="auto">
+          <a:xfrm>
+            <a:off x="660946" y="3133975"/>
+            <a:ext cx="1721679" cy="1726461"/>
+          </a:xfrm>
+          <a:prstGeom prst="rect">
+            <a:avLst/>
+          </a:prstGeom>
+          <a:noFill/>
+          <a:extLst>
+            <a:ext uri="{909E8E84-426E-40DD-AFC4-6F175D3DCCD1}">
+              <a14:hiddenFill xmlns:a14="http://schemas.microsoft.com/office/drawing/2010/main">
+                <a:solidFill>
+                  <a:srgbClr val="FFFFFF"/>
+                </a:solidFill>
+              </a14:hiddenFill>
+            </a:ext>
+          </a:extLst>
+        </p:spPr>
+      </p:pic>
+      <p:pic>
+        <p:nvPicPr>
+          <p:cNvPr id="7170" name="Picture 2" descr="Sqlite Database Logo - Free vector graphic on Pixabay">
+            <a:extLst>
+              <a:ext uri="{FF2B5EF4-FFF2-40B4-BE49-F238E27FC236}">
+                <a16:creationId xmlns:a16="http://schemas.microsoft.com/office/drawing/2014/main" id="{5B1D8833-D51F-4F50-9B8A-7ED6463DE56F}"/>
+              </a:ext>
+            </a:extLst>
+          </p:cNvPr>
+          <p:cNvPicPr>
+            <a:picLocks noChangeAspect="1" noChangeArrowheads="1"/>
+          </p:cNvPicPr>
+          <p:nvPr/>
+        </p:nvPicPr>
+        <p:blipFill>
+          <a:blip r:embed="rId3">
+            <a:extLst>
+              <a:ext uri="{28A0092B-C50C-407E-A947-70E740481C1C}">
+                <a14:useLocalDpi xmlns:a14="http://schemas.microsoft.com/office/drawing/2010/main" val="0"/>
+              </a:ext>
+            </a:extLst>
+          </a:blip>
+          <a:srcRect/>
+          <a:stretch>
+            <a:fillRect/>
+          </a:stretch>
+        </p:blipFill>
+        <p:spPr bwMode="auto">
+          <a:xfrm>
+            <a:off x="3231472" y="3995772"/>
+            <a:ext cx="3524435" cy="1650426"/>
+          </a:xfrm>
+          <a:prstGeom prst="rect">
+            <a:avLst/>
+          </a:prstGeom>
+          <a:noFill/>
+          <a:extLst>
+            <a:ext uri="{909E8E84-426E-40DD-AFC4-6F175D3DCCD1}">
+              <a14:hiddenFill xmlns:a14="http://schemas.microsoft.com/office/drawing/2010/main">
+                <a:solidFill>
+                  <a:srgbClr val="FFFFFF"/>
+                </a:solidFill>
+              </a14:hiddenFill>
+            </a:ext>
+          </a:extLst>
+        </p:spPr>
+      </p:pic>
+      <p:pic>
+        <p:nvPicPr>
+          <p:cNvPr id="10242" name="Picture 2">
+            <a:extLst>
+              <a:ext uri="{FF2B5EF4-FFF2-40B4-BE49-F238E27FC236}">
+                <a16:creationId xmlns:a16="http://schemas.microsoft.com/office/drawing/2014/main" id="{96857E47-4181-41C0-85DF-84411E7E9AC8}"/>
+              </a:ext>
+            </a:extLst>
+          </p:cNvPr>
+          <p:cNvPicPr>
+            <a:picLocks noChangeAspect="1" noChangeArrowheads="1"/>
+          </p:cNvPicPr>
+          <p:nvPr/>
+        </p:nvPicPr>
+        <p:blipFill rotWithShape="1">
+          <a:blip r:embed="rId4">
+            <a:extLst>
+              <a:ext uri="{28A0092B-C50C-407E-A947-70E740481C1C}">
+                <a14:useLocalDpi xmlns:a14="http://schemas.microsoft.com/office/drawing/2010/main" val="0"/>
+              </a:ext>
+            </a:extLst>
+          </a:blip>
+          <a:srcRect l="15327" t="7015" r="16140" b="7128"/>
+          <a:stretch/>
+        </p:blipFill>
+        <p:spPr bwMode="auto">
+          <a:xfrm>
+            <a:off x="7356464" y="3137739"/>
+            <a:ext cx="2569856" cy="1920717"/>
+          </a:xfrm>
+          <a:prstGeom prst="rect">
+            <a:avLst/>
+          </a:prstGeom>
+          <a:noFill/>
+          <a:extLst>
+            <a:ext uri="{909E8E84-426E-40DD-AFC4-6F175D3DCCD1}">
+              <a14:hiddenFill xmlns:a14="http://schemas.microsoft.com/office/drawing/2010/main">
+                <a:solidFill>
+                  <a:srgbClr val="FFFFFF"/>
+                </a:solidFill>
+              </a14:hiddenFill>
+            </a:ext>
+          </a:extLst>
+        </p:spPr>
+      </p:pic>
+    </p:spTree>
+    <p:extLst>
+      <p:ext uri="{BB962C8B-B14F-4D97-AF65-F5344CB8AC3E}">
+        <p14:creationId xmlns:p14="http://schemas.microsoft.com/office/powerpoint/2010/main" val="2592486701"/>
+      </p:ext>
+    </p:extLst>
+  </p:cSld>
+  <p:clrMapOvr>
+    <a:masterClrMapping/>
+  </p:clrMapOvr>
+  <p:timing>
+    <p:tnLst>
+      <p:par>
+        <p:cTn id="1" dur="indefinite" restart="never" nodeType="tmRoot">
+          <p:childTnLst>
+            <p:seq concurrent="1" nextAc="seek">
+              <p:cTn id="2" dur="indefinite" nodeType="mainSeq">
+                <p:childTnLst>
+                  <p:par>
+                    <p:cTn id="3" fill="hold">
+                      <p:stCondLst>
+                        <p:cond delay="indefinite"/>
+                      </p:stCondLst>
+                      <p:childTnLst>
+                        <p:par>
+                          <p:cTn id="4" fill="hold">
+                            <p:stCondLst>
+                              <p:cond delay="0"/>
+                            </p:stCondLst>
+                            <p:childTnLst>
+                              <p:par>
+                                <p:cTn id="5" presetID="10" presetClass="entr" presetSubtype="0" fill="hold" grpId="0" nodeType="clickEffect">
+                                  <p:stCondLst>
+                                    <p:cond delay="0"/>
+                                  </p:stCondLst>
+                                  <p:childTnLst>
+                                    <p:set>
+                                      <p:cBhvr>
+                                        <p:cTn id="6" dur="1" fill="hold">
+                                          <p:stCondLst>
+                                            <p:cond delay="0"/>
+                                          </p:stCondLst>
+                                        </p:cTn>
+                                        <p:tgtEl>
+                                          <p:spTgt spid="5">
+                                            <p:txEl>
+                                              <p:pRg st="0" end="0"/>
+                                            </p:txEl>
+                                          </p:spTgt>
+                                        </p:tgtEl>
+                                        <p:attrNameLst>
+                                          <p:attrName>style.visibility</p:attrName>
+                                        </p:attrNameLst>
+                                      </p:cBhvr>
+                                      <p:to>
+                                        <p:strVal val="visible"/>
+                                      </p:to>
+                                    </p:set>
+                                    <p:animEffect transition="in" filter="fade">
+                                      <p:cBhvr>
+                                        <p:cTn id="7" dur="500"/>
+                                        <p:tgtEl>
+                                          <p:spTgt spid="5">
+                                            <p:txEl>
+                                              <p:pRg st="0" end="0"/>
+                                            </p:txEl>
+                                          </p:spTgt>
+                                        </p:tgtEl>
+                                      </p:cBhvr>
+                                    </p:animEffect>
+                                  </p:childTnLst>
+                                </p:cTn>
+                              </p:par>
+                              <p:par>
+                                <p:cTn id="8" presetID="10" presetClass="entr" presetSubtype="0" fill="hold" nodeType="withEffect">
+                                  <p:stCondLst>
+                                    <p:cond delay="0"/>
+                                  </p:stCondLst>
+                                  <p:childTnLst>
+                                    <p:set>
+                                      <p:cBhvr>
+                                        <p:cTn id="9" dur="1" fill="hold">
+                                          <p:stCondLst>
+                                            <p:cond delay="0"/>
+                                          </p:stCondLst>
+                                        </p:cTn>
+                                        <p:tgtEl>
+                                          <p:spTgt spid="11"/>
+                                        </p:tgtEl>
+                                        <p:attrNameLst>
+                                          <p:attrName>style.visibility</p:attrName>
+                                        </p:attrNameLst>
+                                      </p:cBhvr>
+                                      <p:to>
+                                        <p:strVal val="visible"/>
+                                      </p:to>
+                                    </p:set>
+                                    <p:animEffect transition="in" filter="fade">
+                                      <p:cBhvr>
+                                        <p:cTn id="10" dur="500"/>
+                                        <p:tgtEl>
+                                          <p:spTgt spid="11"/>
+                                        </p:tgtEl>
+                                      </p:cBhvr>
+                                    </p:animEffect>
+                                  </p:childTnLst>
+                                </p:cTn>
+                              </p:par>
+                              <p:par>
+                                <p:cTn id="11" presetID="10" presetClass="entr" presetSubtype="0" fill="hold" grpId="0" nodeType="withEffect">
+                                  <p:stCondLst>
+                                    <p:cond delay="0"/>
+                                  </p:stCondLst>
+                                  <p:childTnLst>
+                                    <p:set>
+                                      <p:cBhvr>
+                                        <p:cTn id="12" dur="1" fill="hold">
+                                          <p:stCondLst>
+                                            <p:cond delay="0"/>
+                                          </p:stCondLst>
+                                        </p:cTn>
+                                        <p:tgtEl>
+                                          <p:spTgt spid="8">
+                                            <p:txEl>
+                                              <p:pRg st="3" end="3"/>
+                                            </p:txEl>
+                                          </p:spTgt>
+                                        </p:tgtEl>
+                                        <p:attrNameLst>
+                                          <p:attrName>style.visibility</p:attrName>
+                                        </p:attrNameLst>
+                                      </p:cBhvr>
+                                      <p:to>
+                                        <p:strVal val="visible"/>
+                                      </p:to>
+                                    </p:set>
+                                    <p:animEffect transition="in" filter="fade">
+                                      <p:cBhvr>
+                                        <p:cTn id="13" dur="500"/>
+                                        <p:tgtEl>
+                                          <p:spTgt spid="8">
+                                            <p:txEl>
+                                              <p:pRg st="3" end="3"/>
+                                            </p:txEl>
+                                          </p:spTgt>
+                                        </p:tgtEl>
+                                      </p:cBhvr>
+                                    </p:animEffect>
+                                  </p:childTnLst>
+                                </p:cTn>
+                              </p:par>
+                            </p:childTnLst>
+                          </p:cTn>
+                        </p:par>
+                      </p:childTnLst>
+                    </p:cTn>
+                  </p:par>
+                  <p:par>
+                    <p:cTn id="14" fill="hold">
+                      <p:stCondLst>
+                        <p:cond delay="indefinite"/>
+                      </p:stCondLst>
+                      <p:childTnLst>
+                        <p:par>
+                          <p:cTn id="15" fill="hold">
+                            <p:stCondLst>
+                              <p:cond delay="0"/>
+                            </p:stCondLst>
+                            <p:childTnLst>
+                              <p:par>
+                                <p:cTn id="16" presetID="10" presetClass="entr" presetSubtype="0" fill="hold" nodeType="clickEffect">
+                                  <p:stCondLst>
+                                    <p:cond delay="0"/>
+                                  </p:stCondLst>
+                                  <p:childTnLst>
+                                    <p:set>
+                                      <p:cBhvr>
+                                        <p:cTn id="17" dur="1" fill="hold">
+                                          <p:stCondLst>
+                                            <p:cond delay="0"/>
+                                          </p:stCondLst>
+                                        </p:cTn>
+                                        <p:tgtEl>
+                                          <p:spTgt spid="7170"/>
+                                        </p:tgtEl>
+                                        <p:attrNameLst>
+                                          <p:attrName>style.visibility</p:attrName>
+                                        </p:attrNameLst>
+                                      </p:cBhvr>
+                                      <p:to>
+                                        <p:strVal val="visible"/>
+                                      </p:to>
+                                    </p:set>
+                                    <p:animEffect transition="in" filter="fade">
+                                      <p:cBhvr>
+                                        <p:cTn id="18" dur="500"/>
+                                        <p:tgtEl>
+                                          <p:spTgt spid="7170"/>
+                                        </p:tgtEl>
+                                      </p:cBhvr>
+                                    </p:animEffect>
+                                  </p:childTnLst>
+                                </p:cTn>
+                              </p:par>
+                              <p:par>
+                                <p:cTn id="19" presetID="10" presetClass="entr" presetSubtype="0" fill="hold" grpId="0" nodeType="withEffect">
+                                  <p:stCondLst>
+                                    <p:cond delay="0"/>
+                                  </p:stCondLst>
+                                  <p:childTnLst>
+                                    <p:set>
+                                      <p:cBhvr>
+                                        <p:cTn id="20" dur="1" fill="hold">
+                                          <p:stCondLst>
+                                            <p:cond delay="0"/>
+                                          </p:stCondLst>
+                                        </p:cTn>
+                                        <p:tgtEl>
+                                          <p:spTgt spid="9">
+                                            <p:txEl>
+                                              <p:pRg st="0" end="0"/>
+                                            </p:txEl>
+                                          </p:spTgt>
+                                        </p:tgtEl>
+                                        <p:attrNameLst>
+                                          <p:attrName>style.visibility</p:attrName>
+                                        </p:attrNameLst>
+                                      </p:cBhvr>
+                                      <p:to>
+                                        <p:strVal val="visible"/>
+                                      </p:to>
+                                    </p:set>
+                                    <p:animEffect transition="in" filter="fade">
+                                      <p:cBhvr>
+                                        <p:cTn id="21" dur="500"/>
+                                        <p:tgtEl>
+                                          <p:spTgt spid="9">
+                                            <p:txEl>
+                                              <p:pRg st="0" end="0"/>
+                                            </p:txEl>
+                                          </p:spTgt>
+                                        </p:tgtEl>
+                                      </p:cBhvr>
+                                    </p:animEffect>
+                                  </p:childTnLst>
+                                </p:cTn>
+                              </p:par>
+                              <p:par>
+                                <p:cTn id="22" presetID="10" presetClass="entr" presetSubtype="0" fill="hold" grpId="0" nodeType="withEffect">
+                                  <p:stCondLst>
+                                    <p:cond delay="0"/>
+                                  </p:stCondLst>
+                                  <p:childTnLst>
+                                    <p:set>
+                                      <p:cBhvr>
+                                        <p:cTn id="23" dur="1" fill="hold">
+                                          <p:stCondLst>
+                                            <p:cond delay="0"/>
+                                          </p:stCondLst>
+                                        </p:cTn>
+                                        <p:tgtEl>
+                                          <p:spTgt spid="2">
+                                            <p:txEl>
+                                              <p:pRg st="0" end="0"/>
+                                            </p:txEl>
+                                          </p:spTgt>
+                                        </p:tgtEl>
+                                        <p:attrNameLst>
+                                          <p:attrName>style.visibility</p:attrName>
+                                        </p:attrNameLst>
+                                      </p:cBhvr>
+                                      <p:to>
+                                        <p:strVal val="visible"/>
+                                      </p:to>
+                                    </p:set>
+                                    <p:animEffect transition="in" filter="fade">
+                                      <p:cBhvr>
+                                        <p:cTn id="24" dur="500"/>
+                                        <p:tgtEl>
+                                          <p:spTgt spid="2">
+                                            <p:txEl>
+                                              <p:pRg st="0" end="0"/>
+                                            </p:txEl>
+                                          </p:spTgt>
+                                        </p:tgtEl>
+                                      </p:cBhvr>
+                                    </p:animEffect>
+                                  </p:childTnLst>
+                                </p:cTn>
+                              </p:par>
+                            </p:childTnLst>
+                          </p:cTn>
+                        </p:par>
+                      </p:childTnLst>
+                    </p:cTn>
+                  </p:par>
+                  <p:par>
+                    <p:cTn id="25" fill="hold">
+                      <p:stCondLst>
+                        <p:cond delay="indefinite"/>
+                      </p:stCondLst>
+                      <p:childTnLst>
+                        <p:par>
+                          <p:cTn id="26" fill="hold">
+                            <p:stCondLst>
+                              <p:cond delay="0"/>
+                            </p:stCondLst>
+                            <p:childTnLst>
+                              <p:par>
+                                <p:cTn id="27" presetID="10" presetClass="entr" presetSubtype="0" fill="hold" grpId="0" nodeType="clickEffect">
+                                  <p:stCondLst>
+                                    <p:cond delay="0"/>
+                                  </p:stCondLst>
+                                  <p:childTnLst>
+                                    <p:set>
+                                      <p:cBhvr>
+                                        <p:cTn id="28" dur="1" fill="hold">
+                                          <p:stCondLst>
+                                            <p:cond delay="0"/>
+                                          </p:stCondLst>
+                                        </p:cTn>
+                                        <p:tgtEl>
+                                          <p:spTgt spid="7">
+                                            <p:txEl>
+                                              <p:pRg st="0" end="0"/>
+                                            </p:txEl>
+                                          </p:spTgt>
+                                        </p:tgtEl>
+                                        <p:attrNameLst>
+                                          <p:attrName>style.visibility</p:attrName>
+                                        </p:attrNameLst>
+                                      </p:cBhvr>
+                                      <p:to>
+                                        <p:strVal val="visible"/>
+                                      </p:to>
+                                    </p:set>
+                                    <p:animEffect transition="in" filter="fade">
+                                      <p:cBhvr>
+                                        <p:cTn id="29" dur="500"/>
+                                        <p:tgtEl>
+                                          <p:spTgt spid="7">
+                                            <p:txEl>
+                                              <p:pRg st="0" end="0"/>
+                                            </p:txEl>
+                                          </p:spTgt>
+                                        </p:tgtEl>
+                                      </p:cBhvr>
+                                    </p:animEffect>
+                                  </p:childTnLst>
+                                </p:cTn>
+                              </p:par>
+                              <p:par>
+                                <p:cTn id="30" presetID="10" presetClass="entr" presetSubtype="0" fill="hold" nodeType="withEffect">
+                                  <p:stCondLst>
+                                    <p:cond delay="0"/>
+                                  </p:stCondLst>
+                                  <p:childTnLst>
+                                    <p:set>
+                                      <p:cBhvr>
+                                        <p:cTn id="31" dur="1" fill="hold">
+                                          <p:stCondLst>
+                                            <p:cond delay="0"/>
+                                          </p:stCondLst>
+                                        </p:cTn>
+                                        <p:tgtEl>
+                                          <p:spTgt spid="10242"/>
+                                        </p:tgtEl>
+                                        <p:attrNameLst>
+                                          <p:attrName>style.visibility</p:attrName>
+                                        </p:attrNameLst>
+                                      </p:cBhvr>
+                                      <p:to>
+                                        <p:strVal val="visible"/>
+                                      </p:to>
+                                    </p:set>
+                                    <p:animEffect transition="in" filter="fade">
+                                      <p:cBhvr>
+                                        <p:cTn id="32" dur="500"/>
+                                        <p:tgtEl>
+                                          <p:spTgt spid="10242"/>
+                                        </p:tgtEl>
+                                      </p:cBhvr>
+                                    </p:animEffect>
+                                  </p:childTnLst>
+                                </p:cTn>
+                              </p:par>
+                              <p:par>
+                                <p:cTn id="33" presetID="10" presetClass="entr" presetSubtype="0" fill="hold" grpId="0" nodeType="withEffect">
+                                  <p:stCondLst>
+                                    <p:cond delay="0"/>
+                                  </p:stCondLst>
+                                  <p:childTnLst>
+                                    <p:set>
+                                      <p:cBhvr>
+                                        <p:cTn id="34" dur="1" fill="hold">
+                                          <p:stCondLst>
+                                            <p:cond delay="0"/>
+                                          </p:stCondLst>
+                                        </p:cTn>
+                                        <p:tgtEl>
+                                          <p:spTgt spid="10">
+                                            <p:txEl>
+                                              <p:pRg st="4" end="4"/>
+                                            </p:txEl>
+                                          </p:spTgt>
+                                        </p:tgtEl>
+                                        <p:attrNameLst>
+                                          <p:attrName>style.visibility</p:attrName>
+                                        </p:attrNameLst>
+                                      </p:cBhvr>
+                                      <p:to>
+                                        <p:strVal val="visible"/>
+                                      </p:to>
+                                    </p:set>
+                                    <p:animEffect transition="in" filter="fade">
+                                      <p:cBhvr>
+                                        <p:cTn id="35" dur="500"/>
+                                        <p:tgtEl>
+                                          <p:spTgt spid="10">
+                                            <p:txEl>
+                                              <p:pRg st="4" end="4"/>
+                                            </p:txEl>
+                                          </p:spTgt>
+                                        </p:tgtEl>
+                                      </p:cBhvr>
+                                    </p:animEffect>
+                                  </p:childTnLst>
+                                </p:cTn>
+                              </p:par>
+                            </p:childTnLst>
+                          </p:cTn>
+                        </p:par>
+                      </p:childTnLst>
+                    </p:cTn>
+                  </p:par>
+                </p:childTnLst>
+              </p:cTn>
+              <p:prevCondLst>
+                <p:cond evt="onPrev" delay="0">
+                  <p:tgtEl>
+                    <p:sldTgt/>
+                  </p:tgtEl>
+                </p:cond>
+              </p:prevCondLst>
+              <p:nextCondLst>
+                <p:cond evt="onNext" delay="0">
+                  <p:tgtEl>
+                    <p:sldTgt/>
+                  </p:tgtEl>
+                </p:cond>
+              </p:nextCondLst>
+            </p:seq>
+          </p:childTnLst>
+        </p:cTn>
+      </p:par>
+    </p:tnLst>
+    <p:bldLst>
+      <p:bldP spid="5" grpId="0" build="p"/>
+      <p:bldP spid="8" grpId="0" build="p"/>
+      <p:bldP spid="9" grpId="0" build="p"/>
+      <p:bldP spid="7" grpId="0" build="p"/>
+      <p:bldP spid="10" grpId="0" build="p"/>
+      <p:bldP spid="2" grpId="0" build="p"/>
+    </p:bldLst>
+  </p:timing>
+</p:sld>
+</file>
+
+<file path=ppt/slides/slide5.xml><?xml version="1.0" encoding="utf-8"?>
+<p:sld xmlns:a="http://schemas.openxmlformats.org/drawingml/2006/main" xmlns:r="http://schemas.openxmlformats.org/officeDocument/2006/relationships" xmlns:p="http://schemas.openxmlformats.org/presentationml/2006/main">
+  <p:cSld>
+    <p:spTree>
+      <p:nvGrpSpPr>
+        <p:cNvPr id="1" name=""/>
+        <p:cNvGrpSpPr/>
+        <p:nvPr/>
+      </p:nvGrpSpPr>
+      <p:grpSpPr>
+        <a:xfrm>
+          <a:off x="0" y="0"/>
+          <a:ext cx="0" cy="0"/>
+          <a:chOff x="0" y="0"/>
+          <a:chExt cx="0" cy="0"/>
+        </a:xfrm>
+      </p:grpSpPr>
+      <p:sp>
+        <p:nvSpPr>
+          <p:cNvPr id="2" name="Title 1">
+            <a:extLst>
+              <a:ext uri="{FF2B5EF4-FFF2-40B4-BE49-F238E27FC236}">
+                <a16:creationId xmlns:a16="http://schemas.microsoft.com/office/drawing/2014/main" id="{75DB9AC5-40FC-4BE4-9641-AC1A82C93DC9}"/>
+              </a:ext>
+            </a:extLst>
+          </p:cNvPr>
+          <p:cNvSpPr>
+            <a:spLocks noGrp="1"/>
+          </p:cNvSpPr>
+          <p:nvPr>
+            <p:ph type="title"/>
+          </p:nvPr>
+        </p:nvSpPr>
+        <p:spPr/>
+        <p:txBody>
+          <a:bodyPr/>
+          <a:lstStyle/>
+          <a:p>
+            <a:r>
+              <a:rPr lang="en-IN" b="1" i="0" dirty="0">
+                <a:effectLst/>
+                <a:latin typeface="-apple-system"/>
+              </a:rPr>
+              <a:t>Functionalities of KJ Mart</a:t>
+            </a:r>
+            <a:endParaRPr lang="en-IN" dirty="0"/>
+          </a:p>
+        </p:txBody>
+      </p:sp>
+      <p:sp>
+        <p:nvSpPr>
+          <p:cNvPr id="3" name="Content Placeholder 2">
+            <a:extLst>
+              <a:ext uri="{FF2B5EF4-FFF2-40B4-BE49-F238E27FC236}">
+                <a16:creationId xmlns:a16="http://schemas.microsoft.com/office/drawing/2014/main" id="{38027110-7306-4AEB-84AB-79B006A5E584}"/>
+              </a:ext>
+            </a:extLst>
+          </p:cNvPr>
+          <p:cNvSpPr>
+            <a:spLocks noGrp="1"/>
+          </p:cNvSpPr>
+          <p:nvPr>
+            <p:ph idx="1"/>
+          </p:nvPr>
+        </p:nvSpPr>
+        <p:spPr>
+          <a:xfrm>
+            <a:off x="680321" y="2336872"/>
+            <a:ext cx="9613861" cy="4124887"/>
+          </a:xfrm>
+        </p:spPr>
+        <p:txBody>
+          <a:bodyPr>
+            <a:normAutofit/>
+          </a:bodyPr>
+          <a:lstStyle/>
+          <a:p>
+            <a:pPr algn="l">
+              <a:buFont typeface="+mj-lt"/>
+              <a:buAutoNum type="arabicPeriod"/>
+            </a:pPr>
+            <a:r>
+              <a:rPr lang="en-US" sz="3200" b="0" i="0" dirty="0">
+                <a:effectLst/>
+                <a:latin typeface="-apple-system"/>
+              </a:rPr>
+              <a:t>Add as many products to database</a:t>
+            </a:r>
+          </a:p>
+          <a:p>
+            <a:pPr algn="l">
+              <a:buFont typeface="+mj-lt"/>
+              <a:buAutoNum type="arabicPeriod"/>
+            </a:pPr>
+            <a:r>
+              <a:rPr lang="en-US" sz="3200" b="0" i="0" dirty="0">
+                <a:effectLst/>
+                <a:latin typeface="-apple-system"/>
+              </a:rPr>
+              <a:t>Update info about products as per your choice</a:t>
+            </a:r>
+          </a:p>
+          <a:p>
+            <a:pPr algn="l">
+              <a:buFont typeface="+mj-lt"/>
+              <a:buAutoNum type="arabicPeriod"/>
+            </a:pPr>
+            <a:r>
+              <a:rPr lang="en-US" sz="3200" b="0" i="0" dirty="0">
+                <a:effectLst/>
+                <a:latin typeface="-apple-system"/>
+              </a:rPr>
+              <a:t>Handle dynamic sales</a:t>
+            </a:r>
+          </a:p>
+          <a:p>
+            <a:pPr algn="l">
+              <a:buFont typeface="+mj-lt"/>
+              <a:buAutoNum type="arabicPeriod"/>
+            </a:pPr>
+            <a:r>
+              <a:rPr lang="en-US" sz="3200" b="0" i="0" dirty="0">
+                <a:effectLst/>
+                <a:latin typeface="-apple-system"/>
+              </a:rPr>
+              <a:t>Generate &amp; save bills</a:t>
+            </a:r>
+          </a:p>
+          <a:p>
+            <a:pPr algn="l">
+              <a:buFont typeface="+mj-lt"/>
+              <a:buAutoNum type="arabicPeriod"/>
+            </a:pPr>
+            <a:r>
+              <a:rPr lang="en-US" sz="3200" b="0" i="0" dirty="0">
+                <a:effectLst/>
+                <a:latin typeface="-apple-system"/>
+              </a:rPr>
+              <a:t>Print bills</a:t>
+            </a:r>
+          </a:p>
+          <a:p>
+            <a:pPr algn="l">
+              <a:buFont typeface="+mj-lt"/>
+              <a:buAutoNum type="arabicPeriod"/>
+            </a:pPr>
+            <a:r>
+              <a:rPr lang="en-US" sz="3200" b="0" i="0" dirty="0">
+                <a:effectLst/>
+                <a:latin typeface="-apple-system"/>
+              </a:rPr>
+              <a:t>Notifies less stock in database</a:t>
+            </a:r>
+          </a:p>
+        </p:txBody>
+      </p:sp>
+    </p:spTree>
+    <p:extLst>
+      <p:ext uri="{BB962C8B-B14F-4D97-AF65-F5344CB8AC3E}">
+        <p14:creationId xmlns:p14="http://schemas.microsoft.com/office/powerpoint/2010/main" val="3968669192"/>
+      </p:ext>
+    </p:extLst>
+  </p:cSld>
+  <p:clrMapOvr>
+    <a:masterClrMapping/>
+  </p:clrMapOvr>
+  <p:timing>
+    <p:tnLst>
+      <p:par>
+        <p:cTn id="1" dur="indefinite" restart="never" nodeType="tmRoot">
+          <p:childTnLst>
+            <p:seq concurrent="1" nextAc="seek">
+              <p:cTn id="2" dur="indefinite" nodeType="mainSeq">
+                <p:childTnLst>
+                  <p:par>
+                    <p:cTn id="3" fill="hold">
+                      <p:stCondLst>
+                        <p:cond delay="indefinite"/>
+                      </p:stCondLst>
+                      <p:childTnLst>
+                        <p:par>
+                          <p:cTn id="4" fill="hold">
+                            <p:stCondLst>
+                              <p:cond delay="0"/>
+                            </p:stCondLst>
+                            <p:childTnLst>
+                              <p:par>
+                                <p:cTn id="5" presetID="10" presetClass="entr" presetSubtype="0" fill="hold" grpId="0" nodeType="clickEffect">
+                                  <p:stCondLst>
+                                    <p:cond delay="0"/>
+                                  </p:stCondLst>
+                                  <p:childTnLst>
+                                    <p:set>
+                                      <p:cBhvr>
+                                        <p:cTn id="6" dur="1" fill="hold">
+                                          <p:stCondLst>
+                                            <p:cond delay="0"/>
+                                          </p:stCondLst>
+                                        </p:cTn>
+                                        <p:tgtEl>
+                                          <p:spTgt spid="2"/>
+                                        </p:tgtEl>
+                                        <p:attrNameLst>
+                                          <p:attrName>style.visibility</p:attrName>
+                                        </p:attrNameLst>
+                                      </p:cBhvr>
+                                      <p:to>
+                                        <p:strVal val="visible"/>
+                                      </p:to>
+                                    </p:set>
+                                    <p:animEffect transition="in" filter="fade">
+                                      <p:cBhvr>
+                                        <p:cTn id="7" dur="500"/>
+                                        <p:tgtEl>
+                                          <p:spTgt spid="2"/>
+                                        </p:tgtEl>
+                                      </p:cBhvr>
+                                    </p:animEffect>
+                                  </p:childTnLst>
+                                </p:cTn>
+                              </p:par>
+                            </p:childTnLst>
+                          </p:cTn>
+                        </p:par>
+                      </p:childTnLst>
+                    </p:cTn>
+                  </p:par>
+                  <p:par>
+                    <p:cTn id="8" fill="hold">
+                      <p:stCondLst>
+                        <p:cond delay="indefinite"/>
+                      </p:stCondLst>
+                      <p:childTnLst>
+                        <p:par>
+                          <p:cTn id="9" fill="hold">
+                            <p:stCondLst>
+                              <p:cond delay="0"/>
+                            </p:stCondLst>
+                            <p:childTnLst>
+                              <p:par>
+                                <p:cTn id="10" presetID="10" presetClass="entr" presetSubtype="0" fill="hold" nodeType="clickEffect">
+                                  <p:stCondLst>
+                                    <p:cond delay="0"/>
+                                  </p:stCondLst>
+                                  <p:childTnLst>
+                                    <p:set>
+                                      <p:cBhvr>
+                                        <p:cTn id="11" dur="1" fill="hold">
+                                          <p:stCondLst>
+                                            <p:cond delay="0"/>
+                                          </p:stCondLst>
+                                        </p:cTn>
+                                        <p:tgtEl>
+                                          <p:spTgt spid="3">
+                                            <p:txEl>
+                                              <p:pRg st="0" end="0"/>
+                                            </p:txEl>
+                                          </p:spTgt>
+                                        </p:tgtEl>
+                                        <p:attrNameLst>
+                                          <p:attrName>style.visibility</p:attrName>
+                                        </p:attrNameLst>
+                                      </p:cBhvr>
+                                      <p:to>
+                                        <p:strVal val="visible"/>
+                                      </p:to>
+                                    </p:set>
+                                    <p:animEffect transition="in" filter="fade">
+                                      <p:cBhvr>
+                                        <p:cTn id="12" dur="500"/>
+                                        <p:tgtEl>
+                                          <p:spTgt spid="3">
+                                            <p:txEl>
+                                              <p:pRg st="0" end="0"/>
+                                            </p:txEl>
+                                          </p:spTgt>
+                                        </p:tgtEl>
+                                      </p:cBhvr>
+                                    </p:animEffect>
+                                  </p:childTnLst>
+                                </p:cTn>
+                              </p:par>
+                            </p:childTnLst>
+                          </p:cTn>
+                        </p:par>
+                      </p:childTnLst>
+                    </p:cTn>
+                  </p:par>
+                  <p:par>
+                    <p:cTn id="13" fill="hold">
+                      <p:stCondLst>
+                        <p:cond delay="indefinite"/>
+                      </p:stCondLst>
+                      <p:childTnLst>
+                        <p:par>
+                          <p:cTn id="14" fill="hold">
+                            <p:stCondLst>
+                              <p:cond delay="0"/>
+                            </p:stCondLst>
+                            <p:childTnLst>
+                              <p:par>
+                                <p:cTn id="15" presetID="10" presetClass="entr" presetSubtype="0" fill="hold" nodeType="clickEffect">
+                                  <p:stCondLst>
+                                    <p:cond delay="0"/>
+                                  </p:stCondLst>
+                                  <p:childTnLst>
+                                    <p:set>
+                                      <p:cBhvr>
+                                        <p:cTn id="16" dur="1" fill="hold">
+                                          <p:stCondLst>
+                                            <p:cond delay="0"/>
+                                          </p:stCondLst>
+                                        </p:cTn>
+                                        <p:tgtEl>
+                                          <p:spTgt spid="3">
+                                            <p:txEl>
+                                              <p:pRg st="1" end="1"/>
+                                            </p:txEl>
+                                          </p:spTgt>
+                                        </p:tgtEl>
+                                        <p:attrNameLst>
+                                          <p:attrName>style.visibility</p:attrName>
+                                        </p:attrNameLst>
+                                      </p:cBhvr>
+                                      <p:to>
+                                        <p:strVal val="visible"/>
+                                      </p:to>
+                                    </p:set>
+                                    <p:animEffect transition="in" filter="fade">
+                                      <p:cBhvr>
+                                        <p:cTn id="17" dur="500"/>
+                                        <p:tgtEl>
+                                          <p:spTgt spid="3">
+                                            <p:txEl>
+                                              <p:pRg st="1" end="1"/>
+                                            </p:txEl>
+                                          </p:spTgt>
+                                        </p:tgtEl>
+                                      </p:cBhvr>
+                                    </p:animEffect>
+                                  </p:childTnLst>
+                                </p:cTn>
+                              </p:par>
+                              <p:par>
+                                <p:cTn id="18" presetID="10" presetClass="entr" presetSubtype="0" fill="hold" nodeType="withEffect">
+                                  <p:stCondLst>
+                                    <p:cond delay="0"/>
+                                  </p:stCondLst>
+                                  <p:childTnLst>
+                                    <p:set>
+                                      <p:cBhvr>
+                                        <p:cTn id="19" dur="1" fill="hold">
+                                          <p:stCondLst>
+                                            <p:cond delay="0"/>
+                                          </p:stCondLst>
+                                        </p:cTn>
+                                        <p:tgtEl>
+                                          <p:spTgt spid="3">
+                                            <p:txEl>
+                                              <p:pRg st="2" end="2"/>
+                                            </p:txEl>
+                                          </p:spTgt>
+                                        </p:tgtEl>
+                                        <p:attrNameLst>
+                                          <p:attrName>style.visibility</p:attrName>
+                                        </p:attrNameLst>
+                                      </p:cBhvr>
+                                      <p:to>
+                                        <p:strVal val="visible"/>
+                                      </p:to>
+                                    </p:set>
+                                    <p:animEffect transition="in" filter="fade">
+                                      <p:cBhvr>
+                                        <p:cTn id="20" dur="500"/>
+                                        <p:tgtEl>
+                                          <p:spTgt spid="3">
+                                            <p:txEl>
+                                              <p:pRg st="2" end="2"/>
+                                            </p:txEl>
+                                          </p:spTgt>
+                                        </p:tgtEl>
+                                      </p:cBhvr>
+                                    </p:animEffect>
+                                  </p:childTnLst>
+                                </p:cTn>
+                              </p:par>
+                              <p:par>
+                                <p:cTn id="21" presetID="10" presetClass="entr" presetSubtype="0" fill="hold" nodeType="withEffect">
+                                  <p:stCondLst>
+                                    <p:cond delay="0"/>
+                                  </p:stCondLst>
+                                  <p:childTnLst>
+                                    <p:set>
+                                      <p:cBhvr>
+                                        <p:cTn id="22" dur="1" fill="hold">
+                                          <p:stCondLst>
+                                            <p:cond delay="0"/>
+                                          </p:stCondLst>
+                                        </p:cTn>
+                                        <p:tgtEl>
+                                          <p:spTgt spid="3">
+                                            <p:txEl>
+                                              <p:pRg st="3" end="3"/>
+                                            </p:txEl>
+                                          </p:spTgt>
+                                        </p:tgtEl>
+                                        <p:attrNameLst>
+                                          <p:attrName>style.visibility</p:attrName>
+                                        </p:attrNameLst>
+                                      </p:cBhvr>
+                                      <p:to>
+                                        <p:strVal val="visible"/>
+                                      </p:to>
+                                    </p:set>
+                                    <p:animEffect transition="in" filter="fade">
+                                      <p:cBhvr>
+                                        <p:cTn id="23" dur="500"/>
+                                        <p:tgtEl>
+                                          <p:spTgt spid="3">
+                                            <p:txEl>
+                                              <p:pRg st="3" end="3"/>
+                                            </p:txEl>
+                                          </p:spTgt>
+                                        </p:tgtEl>
+                                      </p:cBhvr>
+                                    </p:animEffect>
+                                  </p:childTnLst>
+                                </p:cTn>
+                              </p:par>
+                            </p:childTnLst>
+                          </p:cTn>
+                        </p:par>
+                      </p:childTnLst>
+                    </p:cTn>
+                  </p:par>
+                  <p:par>
+                    <p:cTn id="24" fill="hold">
+                      <p:stCondLst>
+                        <p:cond delay="indefinite"/>
+                      </p:stCondLst>
+                      <p:childTnLst>
+                        <p:par>
+                          <p:cTn id="25" fill="hold">
+                            <p:stCondLst>
+                              <p:cond delay="0"/>
+                            </p:stCondLst>
+                            <p:childTnLst>
+                              <p:par>
+                                <p:cTn id="26" presetID="10" presetClass="entr" presetSubtype="0" fill="hold" nodeType="clickEffect">
+                                  <p:stCondLst>
+                                    <p:cond delay="0"/>
+                                  </p:stCondLst>
+                                  <p:childTnLst>
+                                    <p:set>
+                                      <p:cBhvr>
+                                        <p:cTn id="27" dur="1" fill="hold">
+                                          <p:stCondLst>
+                                            <p:cond delay="0"/>
+                                          </p:stCondLst>
+                                        </p:cTn>
+                                        <p:tgtEl>
+                                          <p:spTgt spid="3">
+                                            <p:txEl>
+                                              <p:pRg st="4" end="4"/>
+                                            </p:txEl>
+                                          </p:spTgt>
+                                        </p:tgtEl>
+                                        <p:attrNameLst>
+                                          <p:attrName>style.visibility</p:attrName>
+                                        </p:attrNameLst>
+                                      </p:cBhvr>
+                                      <p:to>
+                                        <p:strVal val="visible"/>
+                                      </p:to>
+                                    </p:set>
+                                    <p:animEffect transition="in" filter="fade">
+                                      <p:cBhvr>
+                                        <p:cTn id="28" dur="500"/>
+                                        <p:tgtEl>
+                                          <p:spTgt spid="3">
+                                            <p:txEl>
+                                              <p:pRg st="4" end="4"/>
+                                            </p:txEl>
+                                          </p:spTgt>
+                                        </p:tgtEl>
+                                      </p:cBhvr>
+                                    </p:animEffect>
+                                  </p:childTnLst>
+                                </p:cTn>
+                              </p:par>
+                              <p:par>
+                                <p:cTn id="29" presetID="10" presetClass="entr" presetSubtype="0" fill="hold" nodeType="withEffect">
+                                  <p:stCondLst>
+                                    <p:cond delay="0"/>
+                                  </p:stCondLst>
+                                  <p:childTnLst>
+                                    <p:set>
+                                      <p:cBhvr>
+                                        <p:cTn id="30" dur="1" fill="hold">
+                                          <p:stCondLst>
+                                            <p:cond delay="0"/>
+                                          </p:stCondLst>
+                                        </p:cTn>
+                                        <p:tgtEl>
+                                          <p:spTgt spid="3">
+                                            <p:txEl>
+                                              <p:pRg st="5" end="5"/>
+                                            </p:txEl>
+                                          </p:spTgt>
+                                        </p:tgtEl>
+                                        <p:attrNameLst>
+                                          <p:attrName>style.visibility</p:attrName>
+                                        </p:attrNameLst>
+                                      </p:cBhvr>
+                                      <p:to>
+                                        <p:strVal val="visible"/>
+                                      </p:to>
+                                    </p:set>
+                                    <p:animEffect transition="in" filter="fade">
+                                      <p:cBhvr>
+                                        <p:cTn id="31" dur="500"/>
+                                        <p:tgtEl>
+                                          <p:spTgt spid="3">
+                                            <p:txEl>
+                                              <p:pRg st="5" end="5"/>
+                                            </p:txEl>
+                                          </p:spTgt>
+                                        </p:tgtEl>
+                                      </p:cBhvr>
+                                    </p:animEffect>
+                                  </p:childTnLst>
+                                </p:cTn>
+                              </p:par>
+                            </p:childTnLst>
+                          </p:cTn>
+                        </p:par>
+                      </p:childTnLst>
+                    </p:cTn>
+                  </p:par>
+                </p:childTnLst>
+              </p:cTn>
+              <p:prevCondLst>
+                <p:cond evt="onPrev" delay="0">
+                  <p:tgtEl>
+                    <p:sldTgt/>
+                  </p:tgtEl>
+                </p:cond>
+              </p:prevCondLst>
+              <p:nextCondLst>
+                <p:cond evt="onNext" delay="0">
+                  <p:tgtEl>
+                    <p:sldTgt/>
+                  </p:tgtEl>
+                </p:cond>
+              </p:nextCondLst>
+            </p:seq>
+          </p:childTnLst>
+        </p:cTn>
+      </p:par>
+    </p:tnLst>
+    <p:bldLst>
+      <p:bldP spid="2" grpId="0"/>
+    </p:bldLst>
+  </p:timing>
+</p:sld>
+</file>
+
+<file path=ppt/slides/slide6.xml><?xml version="1.0" encoding="utf-8"?>
+<p:sld xmlns:a="http://schemas.openxmlformats.org/drawingml/2006/main" xmlns:r="http://schemas.openxmlformats.org/officeDocument/2006/relationships" xmlns:p="http://schemas.openxmlformats.org/presentationml/2006/main">
+  <p:cSld>
+    <p:spTree>
+      <p:nvGrpSpPr>
+        <p:cNvPr id="1" name=""/>
+        <p:cNvGrpSpPr/>
+        <p:nvPr/>
+      </p:nvGrpSpPr>
+      <p:grpSpPr>
+        <a:xfrm>
+          <a:off x="0" y="0"/>
+          <a:ext cx="0" cy="0"/>
+          <a:chOff x="0" y="0"/>
+          <a:chExt cx="0" cy="0"/>
+        </a:xfrm>
+      </p:grpSpPr>
+      <p:sp>
+        <p:nvSpPr>
+          <p:cNvPr id="2" name="Title 1">
+            <a:extLst>
+              <a:ext uri="{FF2B5EF4-FFF2-40B4-BE49-F238E27FC236}">
+                <a16:creationId xmlns:a16="http://schemas.microsoft.com/office/drawing/2014/main" id="{98BAF333-D493-40E4-B651-BDFD44B8587E}"/>
+              </a:ext>
+            </a:extLst>
+          </p:cNvPr>
+          <p:cNvSpPr>
+            <a:spLocks noGrp="1"/>
+          </p:cNvSpPr>
+          <p:nvPr>
+            <p:ph type="title"/>
+          </p:nvPr>
+        </p:nvSpPr>
+        <p:spPr/>
+        <p:txBody>
+          <a:bodyPr/>
+          <a:lstStyle/>
+          <a:p>
+            <a:r>
+              <a:rPr lang="en-US" dirty="0"/>
+              <a:t>Component diagram</a:t>
+            </a:r>
+            <a:endParaRPr lang="en-IN" dirty="0"/>
+          </a:p>
+        </p:txBody>
+      </p:sp>
+      <p:pic>
+        <p:nvPicPr>
+          <p:cNvPr id="6" name="Content Placeholder 5">
+            <a:extLst>
+              <a:ext uri="{FF2B5EF4-FFF2-40B4-BE49-F238E27FC236}">
+                <a16:creationId xmlns:a16="http://schemas.microsoft.com/office/drawing/2014/main" id="{321C9409-8F05-458E-AD1D-5ADF8C7FF223}"/>
+              </a:ext>
+            </a:extLst>
+          </p:cNvPr>
+          <p:cNvPicPr>
+            <a:picLocks noGrp="1"/>
+          </p:cNvPicPr>
+          <p:nvPr>
+            <p:ph idx="1"/>
+          </p:nvPr>
+        </p:nvPicPr>
+        <p:blipFill>
+          <a:blip r:embed="rId2">
+            <a:extLst>
+              <a:ext uri="{28A0092B-C50C-407E-A947-70E740481C1C}">
+                <a14:useLocalDpi xmlns:a14="http://schemas.microsoft.com/office/drawing/2010/main" val="0"/>
+              </a:ext>
+            </a:extLst>
+          </a:blip>
+          <a:stretch>
+            <a:fillRect/>
+          </a:stretch>
+        </p:blipFill>
+        <p:spPr>
+          <a:xfrm>
+            <a:off x="470517" y="1834166"/>
+            <a:ext cx="10733101" cy="4939496"/>
+          </a:xfrm>
+          <a:prstGeom prst="rect">
+            <a:avLst/>
+          </a:prstGeom>
+        </p:spPr>
+      </p:pic>
+    </p:spTree>
+    <p:extLst>
+      <p:ext uri="{BB962C8B-B14F-4D97-AF65-F5344CB8AC3E}">
+        <p14:creationId xmlns:p14="http://schemas.microsoft.com/office/powerpoint/2010/main" val="1957133535"/>
+      </p:ext>
+    </p:extLst>
+  </p:cSld>
+  <p:clrMapOvr>
+    <a:masterClrMapping/>
+  </p:clrMapOvr>
+  <p:timing>
+    <p:tnLst>
+      <p:par>
+        <p:cTn id="1" dur="indefinite" restart="never" nodeType="tmRoot">
+          <p:childTnLst>
+            <p:seq concurrent="1" nextAc="seek">
+              <p:cTn id="2" dur="indefinite" nodeType="mainSeq">
+                <p:childTnLst>
+                  <p:par>
+                    <p:cTn id="3" fill="hold">
+                      <p:stCondLst>
+                        <p:cond delay="indefinite"/>
+                      </p:stCondLst>
+                      <p:childTnLst>
+                        <p:par>
+                          <p:cTn id="4" fill="hold">
+                            <p:stCondLst>
+                              <p:cond delay="0"/>
+                            </p:stCondLst>
+                            <p:childTnLst>
+                              <p:par>
+                                <p:cTn id="5" presetID="14" presetClass="entr" presetSubtype="10" fill="hold" grpId="0" nodeType="clickEffect">
+                                  <p:stCondLst>
+                                    <p:cond delay="0"/>
+                                  </p:stCondLst>
+                                  <p:childTnLst>
+                                    <p:set>
+                                      <p:cBhvr>
+                                        <p:cTn id="6" dur="1" fill="hold">
+                                          <p:stCondLst>
+                                            <p:cond delay="0"/>
+                                          </p:stCondLst>
+                                        </p:cTn>
+                                        <p:tgtEl>
+                                          <p:spTgt spid="2"/>
+                                        </p:tgtEl>
+                                        <p:attrNameLst>
+                                          <p:attrName>style.visibility</p:attrName>
+                                        </p:attrNameLst>
+                                      </p:cBhvr>
+                                      <p:to>
+                                        <p:strVal val="visible"/>
+                                      </p:to>
+                                    </p:set>
+                                    <p:animEffect transition="in" filter="randombar(horizontal)">
+                                      <p:cBhvr>
+                                        <p:cTn id="7" dur="500"/>
+                                        <p:tgtEl>
+                                          <p:spTgt spid="2"/>
+                                        </p:tgtEl>
+                                      </p:cBhvr>
+                                    </p:animEffect>
+                                  </p:childTnLst>
+                                </p:cTn>
+                              </p:par>
+                            </p:childTnLst>
+                          </p:cTn>
+                        </p:par>
+                      </p:childTnLst>
+                    </p:cTn>
+                  </p:par>
+                  <p:par>
+                    <p:cTn id="8" fill="hold">
+                      <p:stCondLst>
+                        <p:cond delay="indefinite"/>
+                      </p:stCondLst>
+                      <p:childTnLst>
+                        <p:par>
+                          <p:cTn id="9" fill="hold">
+                            <p:stCondLst>
+                              <p:cond delay="0"/>
+                            </p:stCondLst>
+                            <p:childTnLst>
+                              <p:par>
+                                <p:cTn id="10" presetID="14" presetClass="entr" presetSubtype="10" fill="hold" nodeType="clickEffect">
+                                  <p:stCondLst>
+                                    <p:cond delay="0"/>
+                                  </p:stCondLst>
+                                  <p:childTnLst>
+                                    <p:set>
+                                      <p:cBhvr>
+                                        <p:cTn id="11" dur="1" fill="hold">
+                                          <p:stCondLst>
+                                            <p:cond delay="0"/>
+                                          </p:stCondLst>
+                                        </p:cTn>
+                                        <p:tgtEl>
+                                          <p:spTgt spid="6"/>
+                                        </p:tgtEl>
+                                        <p:attrNameLst>
+                                          <p:attrName>style.visibility</p:attrName>
+                                        </p:attrNameLst>
+                                      </p:cBhvr>
+                                      <p:to>
+                                        <p:strVal val="visible"/>
+                                      </p:to>
+                                    </p:set>
+                                    <p:animEffect transition="in" filter="randombar(horizontal)">
+                                      <p:cBhvr>
+                                        <p:cTn id="12" dur="500"/>
+                                        <p:tgtEl>
+                                          <p:spTgt spid="6"/>
+                                        </p:tgtEl>
+                                      </p:cBhvr>
+                                    </p:animEffect>
+                                  </p:childTnLst>
+                                </p:cTn>
+                              </p:par>
+                            </p:childTnLst>
+                          </p:cTn>
+                        </p:par>
+                      </p:childTnLst>
+                    </p:cTn>
+                  </p:par>
+                </p:childTnLst>
+              </p:cTn>
+              <p:prevCondLst>
+                <p:cond evt="onPrev" delay="0">
+                  <p:tgtEl>
+                    <p:sldTgt/>
+                  </p:tgtEl>
+                </p:cond>
+              </p:prevCondLst>
+              <p:nextCondLst>
+                <p:cond evt="onNext" delay="0">
+                  <p:tgtEl>
+                    <p:sldTgt/>
+                  </p:tgtEl>
+                </p:cond>
+              </p:nextCondLst>
+            </p:seq>
+          </p:childTnLst>
+        </p:cTn>
+      </p:par>
+    </p:tnLst>
+    <p:bldLst>
+      <p:bldP spid="2" grpId="0"/>
+    </p:bldLst>
+  </p:timing>
+</p:sld>
+</file>
+
+<file path=ppt/slides/slide7.xml><?xml version="1.0" encoding="utf-8"?>
+<p:sld xmlns:a="http://schemas.openxmlformats.org/drawingml/2006/main" xmlns:r="http://schemas.openxmlformats.org/officeDocument/2006/relationships" xmlns:p="http://schemas.openxmlformats.org/presentationml/2006/main">
+  <p:cSld>
+    <p:spTree>
+      <p:nvGrpSpPr>
+        <p:cNvPr id="1" name=""/>
+        <p:cNvGrpSpPr/>
+        <p:nvPr/>
+      </p:nvGrpSpPr>
+      <p:grpSpPr>
+        <a:xfrm>
+          <a:off x="0" y="0"/>
+          <a:ext cx="0" cy="0"/>
+          <a:chOff x="0" y="0"/>
+          <a:chExt cx="0" cy="0"/>
+        </a:xfrm>
+      </p:grpSpPr>
+      <p:sp>
+        <p:nvSpPr>
+          <p:cNvPr id="2" name="Title 1">
+            <a:extLst>
+              <a:ext uri="{FF2B5EF4-FFF2-40B4-BE49-F238E27FC236}">
+                <a16:creationId xmlns:a16="http://schemas.microsoft.com/office/drawing/2014/main" id="{AE7FCC62-3319-42B3-B157-33550C7C3332}"/>
+              </a:ext>
+            </a:extLst>
+          </p:cNvPr>
+          <p:cNvSpPr>
+            <a:spLocks noGrp="1"/>
+          </p:cNvSpPr>
+          <p:nvPr>
+            <p:ph type="title"/>
+          </p:nvPr>
+        </p:nvSpPr>
+        <p:spPr/>
+        <p:txBody>
+          <a:bodyPr/>
+          <a:lstStyle/>
+          <a:p>
+            <a:r>
+              <a:rPr lang="en-US" dirty="0"/>
+              <a:t>Packages &amp; Modules Used</a:t>
+            </a:r>
+            <a:endParaRPr lang="en-IN" dirty="0"/>
+          </a:p>
+        </p:txBody>
+      </p:sp>
+      <p:sp>
+        <p:nvSpPr>
+          <p:cNvPr id="3" name="Content Placeholder 2">
+            <a:extLst>
+              <a:ext uri="{FF2B5EF4-FFF2-40B4-BE49-F238E27FC236}">
+                <a16:creationId xmlns:a16="http://schemas.microsoft.com/office/drawing/2014/main" id="{E933E68F-42B4-43B0-B30C-BEFA9022B4DD}"/>
+              </a:ext>
+            </a:extLst>
+          </p:cNvPr>
+          <p:cNvSpPr>
+            <a:spLocks noGrp="1"/>
+          </p:cNvSpPr>
+          <p:nvPr>
+            <p:ph idx="1"/>
+          </p:nvPr>
+        </p:nvSpPr>
+        <p:spPr>
+          <a:xfrm>
+            <a:off x="680321" y="2336872"/>
+            <a:ext cx="10749679" cy="4277287"/>
+          </a:xfrm>
+        </p:spPr>
+        <p:txBody>
+          <a:bodyPr>
+            <a:normAutofit fontScale="92500" lnSpcReduction="20000"/>
+          </a:bodyPr>
+          <a:lstStyle/>
+          <a:p>
+            <a:pPr marL="342900" marR="0" lvl="0" indent="-342900" algn="just">
+              <a:lnSpc>
+                <a:spcPct val="115000"/>
+              </a:lnSpc>
+              <a:spcBef>
+                <a:spcPts val="0"/>
+              </a:spcBef>
+              <a:spcAft>
+                <a:spcPts val="0"/>
+              </a:spcAft>
+              <a:buFont typeface="Arial" panose="020B0604020202020204" pitchFamily="34" charset="0"/>
+              <a:buChar char="•"/>
+              <a:tabLst>
+                <a:tab pos="457200" algn="l"/>
+              </a:tabLst>
+            </a:pPr>
+            <a:r>
+              <a:rPr lang="en-US" sz="2600" kern="100" dirty="0" err="1">
+                <a:effectLst/>
+                <a:latin typeface="+mj-lt"/>
+                <a:ea typeface="Calibri" panose="020F0502020204030204" pitchFamily="34" charset="0"/>
+                <a:cs typeface="Calibri" panose="020F0502020204030204" pitchFamily="34" charset="0"/>
+              </a:rPr>
+              <a:t>Tkinter</a:t>
+            </a:r>
+            <a:r>
+              <a:rPr lang="en-US" sz="2600" kern="100" dirty="0">
+                <a:effectLst/>
+                <a:latin typeface="+mj-lt"/>
+                <a:ea typeface="Calibri" panose="020F0502020204030204" pitchFamily="34" charset="0"/>
+                <a:cs typeface="Calibri" panose="020F0502020204030204" pitchFamily="34" charset="0"/>
+              </a:rPr>
+              <a:t> module</a:t>
+            </a:r>
+            <a:endParaRPr lang="en-IN" sz="1900" kern="100" dirty="0">
+              <a:effectLst/>
+              <a:latin typeface="+mj-lt"/>
+              <a:ea typeface="Calibri" panose="020F0502020204030204" pitchFamily="34" charset="0"/>
+              <a:cs typeface="Times New Roman" panose="02020603050405020304" pitchFamily="18" charset="0"/>
+            </a:endParaRPr>
+          </a:p>
+          <a:p>
+            <a:pPr marL="742950" marR="0" lvl="1" indent="-285750" algn="just">
+              <a:lnSpc>
+                <a:spcPct val="115000"/>
+              </a:lnSpc>
+              <a:spcBef>
+                <a:spcPts val="0"/>
+              </a:spcBef>
+              <a:spcAft>
+                <a:spcPts val="0"/>
+              </a:spcAft>
+              <a:buFont typeface="Arial" panose="020B0604020202020204" pitchFamily="34" charset="0"/>
+              <a:buChar char="•"/>
+              <a:tabLst>
+                <a:tab pos="914400" algn="l"/>
+              </a:tabLst>
+            </a:pPr>
+            <a:r>
+              <a:rPr lang="en-US" sz="2600" kern="100" dirty="0">
+                <a:effectLst/>
+                <a:latin typeface="+mj-lt"/>
+                <a:ea typeface="Calibri" panose="020F0502020204030204" pitchFamily="34" charset="0"/>
+                <a:cs typeface="Calibri" panose="020F0502020204030204" pitchFamily="34" charset="0"/>
+              </a:rPr>
+              <a:t>Message box</a:t>
+            </a:r>
+            <a:endParaRPr lang="en-IN" sz="1900" kern="100" dirty="0">
+              <a:effectLst/>
+              <a:latin typeface="+mj-lt"/>
+              <a:ea typeface="Calibri" panose="020F0502020204030204" pitchFamily="34" charset="0"/>
+              <a:cs typeface="Times New Roman" panose="02020603050405020304" pitchFamily="18" charset="0"/>
+            </a:endParaRPr>
+          </a:p>
+          <a:p>
+            <a:pPr marL="742950" marR="0" lvl="1" indent="-285750" algn="just">
+              <a:lnSpc>
+                <a:spcPct val="115000"/>
+              </a:lnSpc>
+              <a:spcBef>
+                <a:spcPts val="0"/>
+              </a:spcBef>
+              <a:spcAft>
+                <a:spcPts val="0"/>
+              </a:spcAft>
+              <a:buFont typeface="Arial" panose="020B0604020202020204" pitchFamily="34" charset="0"/>
+              <a:buChar char="•"/>
+              <a:tabLst>
+                <a:tab pos="914400" algn="l"/>
+              </a:tabLst>
+            </a:pPr>
+            <a:r>
+              <a:rPr lang="en-US" sz="2600" kern="100" dirty="0">
+                <a:effectLst/>
+                <a:latin typeface="+mj-lt"/>
+                <a:ea typeface="Calibri" panose="020F0502020204030204" pitchFamily="34" charset="0"/>
+                <a:cs typeface="Calibri" panose="020F0502020204030204" pitchFamily="34" charset="0"/>
+              </a:rPr>
+              <a:t>Combo box</a:t>
+            </a:r>
+            <a:endParaRPr lang="en-IN" sz="1900" kern="100" dirty="0">
+              <a:effectLst/>
+              <a:latin typeface="+mj-lt"/>
+              <a:ea typeface="Calibri" panose="020F0502020204030204" pitchFamily="34" charset="0"/>
+              <a:cs typeface="Times New Roman" panose="02020603050405020304" pitchFamily="18" charset="0"/>
+            </a:endParaRPr>
+          </a:p>
+          <a:p>
+            <a:pPr marL="742950" marR="0" lvl="1" indent="-285750" algn="just">
+              <a:lnSpc>
+                <a:spcPct val="115000"/>
+              </a:lnSpc>
+              <a:spcBef>
+                <a:spcPts val="0"/>
+              </a:spcBef>
+              <a:spcAft>
+                <a:spcPts val="0"/>
+              </a:spcAft>
+              <a:buFont typeface="Arial" panose="020B0604020202020204" pitchFamily="34" charset="0"/>
+              <a:buChar char="•"/>
+              <a:tabLst>
+                <a:tab pos="914400" algn="l"/>
+              </a:tabLst>
+            </a:pPr>
+            <a:r>
+              <a:rPr lang="en-US" sz="2600" kern="100" dirty="0">
+                <a:effectLst/>
+                <a:latin typeface="+mj-lt"/>
+                <a:ea typeface="Calibri" panose="020F0502020204030204" pitchFamily="34" charset="0"/>
+                <a:cs typeface="Calibri" panose="020F0502020204030204" pitchFamily="34" charset="0"/>
+              </a:rPr>
+              <a:t>Frame navigations</a:t>
+            </a:r>
+            <a:endParaRPr lang="en-IN" sz="1900" kern="100" dirty="0">
+              <a:effectLst/>
+              <a:latin typeface="+mj-lt"/>
+              <a:ea typeface="Calibri" panose="020F0502020204030204" pitchFamily="34" charset="0"/>
+              <a:cs typeface="Times New Roman" panose="02020603050405020304" pitchFamily="18" charset="0"/>
+            </a:endParaRPr>
+          </a:p>
+          <a:p>
+            <a:pPr marL="342900" marR="0" lvl="0" indent="-342900" algn="just">
+              <a:lnSpc>
+                <a:spcPct val="115000"/>
+              </a:lnSpc>
+              <a:spcBef>
+                <a:spcPts val="0"/>
+              </a:spcBef>
+              <a:spcAft>
+                <a:spcPts val="0"/>
+              </a:spcAft>
+              <a:buFont typeface="Arial" panose="020B0604020202020204" pitchFamily="34" charset="0"/>
+              <a:buChar char="•"/>
+              <a:tabLst>
+                <a:tab pos="457200" algn="l"/>
+              </a:tabLst>
+            </a:pPr>
+            <a:r>
+              <a:rPr lang="en-US" sz="2600" kern="100" dirty="0">
+                <a:effectLst/>
+                <a:latin typeface="+mj-lt"/>
+                <a:ea typeface="Calibri" panose="020F0502020204030204" pitchFamily="34" charset="0"/>
+                <a:cs typeface="Calibri" panose="020F0502020204030204" pitchFamily="34" charset="0"/>
+              </a:rPr>
+              <a:t>re module </a:t>
+            </a:r>
+            <a:endParaRPr lang="en-IN" sz="1900" kern="100" dirty="0">
+              <a:effectLst/>
+              <a:latin typeface="+mj-lt"/>
+              <a:ea typeface="Calibri" panose="020F0502020204030204" pitchFamily="34" charset="0"/>
+              <a:cs typeface="Times New Roman" panose="02020603050405020304" pitchFamily="18" charset="0"/>
+            </a:endParaRPr>
+          </a:p>
+          <a:p>
+            <a:pPr marL="742950" marR="0" lvl="1" indent="-285750" algn="just">
+              <a:lnSpc>
+                <a:spcPct val="115000"/>
+              </a:lnSpc>
+              <a:spcBef>
+                <a:spcPts val="0"/>
+              </a:spcBef>
+              <a:spcAft>
+                <a:spcPts val="0"/>
+              </a:spcAft>
+              <a:buFont typeface="Arial" panose="020B0604020202020204" pitchFamily="34" charset="0"/>
+              <a:buChar char="•"/>
+              <a:tabLst>
+                <a:tab pos="914400" algn="l"/>
+              </a:tabLst>
+            </a:pPr>
+            <a:r>
+              <a:rPr lang="en-US" sz="2600" kern="100" dirty="0">
+                <a:effectLst/>
+                <a:latin typeface="+mj-lt"/>
+                <a:ea typeface="Calibri" panose="020F0502020204030204" pitchFamily="34" charset="0"/>
+                <a:cs typeface="Calibri" panose="020F0502020204030204" pitchFamily="34" charset="0"/>
+              </a:rPr>
+              <a:t>Regular expressions for checking phone number</a:t>
+            </a:r>
+            <a:endParaRPr lang="en-IN" sz="1900" kern="100" dirty="0">
+              <a:effectLst/>
+              <a:latin typeface="+mj-lt"/>
+              <a:ea typeface="Calibri" panose="020F0502020204030204" pitchFamily="34" charset="0"/>
+              <a:cs typeface="Times New Roman" panose="02020603050405020304" pitchFamily="18" charset="0"/>
+            </a:endParaRPr>
+          </a:p>
+          <a:p>
+            <a:pPr marL="342900" marR="0" lvl="0" indent="-342900" algn="just">
+              <a:lnSpc>
+                <a:spcPct val="115000"/>
+              </a:lnSpc>
+              <a:spcBef>
+                <a:spcPts val="0"/>
+              </a:spcBef>
+              <a:spcAft>
+                <a:spcPts val="0"/>
+              </a:spcAft>
+              <a:buFont typeface="Arial" panose="020B0604020202020204" pitchFamily="34" charset="0"/>
+              <a:buChar char="•"/>
+              <a:tabLst>
+                <a:tab pos="457200" algn="l"/>
+              </a:tabLst>
+            </a:pPr>
+            <a:r>
+              <a:rPr lang="en-IN" sz="2600" kern="100" dirty="0">
+                <a:effectLst/>
+                <a:latin typeface="+mj-lt"/>
+                <a:ea typeface="Calibri" panose="020F0502020204030204" pitchFamily="34" charset="0"/>
+                <a:cs typeface="Calibri" panose="020F0502020204030204" pitchFamily="34" charset="0"/>
+              </a:rPr>
+              <a:t>Sqlite3 module</a:t>
+            </a:r>
+            <a:endParaRPr lang="en-IN" sz="1900" kern="100" dirty="0">
+              <a:effectLst/>
+              <a:latin typeface="+mj-lt"/>
+              <a:ea typeface="Calibri" panose="020F0502020204030204" pitchFamily="34" charset="0"/>
+              <a:cs typeface="Times New Roman" panose="02020603050405020304" pitchFamily="18" charset="0"/>
+            </a:endParaRPr>
+          </a:p>
+          <a:p>
+            <a:pPr marL="742950" marR="0" lvl="1" indent="-285750" algn="just">
+              <a:lnSpc>
+                <a:spcPct val="115000"/>
+              </a:lnSpc>
+              <a:spcBef>
+                <a:spcPts val="0"/>
+              </a:spcBef>
+              <a:spcAft>
+                <a:spcPts val="0"/>
+              </a:spcAft>
+              <a:buFont typeface="Arial" panose="020B0604020202020204" pitchFamily="34" charset="0"/>
+              <a:buChar char="•"/>
+              <a:tabLst>
+                <a:tab pos="914400" algn="l"/>
+              </a:tabLst>
+            </a:pPr>
+            <a:r>
+              <a:rPr lang="en-IN" sz="2600" kern="100" dirty="0">
+                <a:effectLst/>
+                <a:latin typeface="+mj-lt"/>
+                <a:ea typeface="Calibri" panose="020F0502020204030204" pitchFamily="34" charset="0"/>
+                <a:cs typeface="Calibri" panose="020F0502020204030204" pitchFamily="34" charset="0"/>
+              </a:rPr>
+              <a:t>Database connectivity and Query handling</a:t>
+            </a:r>
+            <a:endParaRPr lang="en-IN" sz="1900" kern="100" dirty="0">
+              <a:effectLst/>
+              <a:latin typeface="+mj-lt"/>
+              <a:ea typeface="Calibri" panose="020F0502020204030204" pitchFamily="34" charset="0"/>
+              <a:cs typeface="Times New Roman" panose="02020603050405020304" pitchFamily="18" charset="0"/>
+            </a:endParaRPr>
+          </a:p>
+          <a:p>
+            <a:pPr marL="342900" marR="0" lvl="0" indent="-342900" algn="just">
+              <a:lnSpc>
+                <a:spcPct val="115000"/>
+              </a:lnSpc>
+              <a:spcBef>
+                <a:spcPts val="0"/>
+              </a:spcBef>
+              <a:spcAft>
+                <a:spcPts val="0"/>
+              </a:spcAft>
+              <a:buFont typeface="Arial" panose="020B0604020202020204" pitchFamily="34" charset="0"/>
+              <a:buChar char="•"/>
+              <a:tabLst>
+                <a:tab pos="457200" algn="l"/>
+              </a:tabLst>
+            </a:pPr>
+            <a:r>
+              <a:rPr lang="en-IN" sz="2600" kern="100" dirty="0">
+                <a:effectLst/>
+                <a:latin typeface="+mj-lt"/>
+                <a:ea typeface="Calibri" panose="020F0502020204030204" pitchFamily="34" charset="0"/>
+                <a:cs typeface="Calibri" panose="020F0502020204030204" pitchFamily="34" charset="0"/>
+              </a:rPr>
+              <a:t>datetime module</a:t>
+            </a:r>
+            <a:endParaRPr lang="en-IN" sz="1900" kern="100" dirty="0">
+              <a:effectLst/>
+              <a:latin typeface="+mj-lt"/>
+              <a:ea typeface="Calibri" panose="020F0502020204030204" pitchFamily="34" charset="0"/>
+              <a:cs typeface="Times New Roman" panose="02020603050405020304" pitchFamily="18" charset="0"/>
+            </a:endParaRPr>
+          </a:p>
+          <a:p>
+            <a:pPr marL="742950" marR="0" lvl="1" indent="-285750" algn="just">
+              <a:lnSpc>
+                <a:spcPct val="115000"/>
+              </a:lnSpc>
+              <a:spcBef>
+                <a:spcPts val="0"/>
+              </a:spcBef>
+              <a:spcAft>
+                <a:spcPts val="0"/>
+              </a:spcAft>
+              <a:buFont typeface="Arial" panose="020B0604020202020204" pitchFamily="34" charset="0"/>
+              <a:buChar char="•"/>
+              <a:tabLst>
+                <a:tab pos="914400" algn="l"/>
+              </a:tabLst>
+            </a:pPr>
+            <a:r>
+              <a:rPr lang="en-IN" sz="2600" kern="100" dirty="0">
+                <a:effectLst/>
+                <a:latin typeface="+mj-lt"/>
+                <a:ea typeface="Calibri" panose="020F0502020204030204" pitchFamily="34" charset="0"/>
+                <a:cs typeface="Calibri" panose="020F0502020204030204" pitchFamily="34" charset="0"/>
+              </a:rPr>
+              <a:t>To show the current date and to create subfolders for bills with respect to current date</a:t>
+            </a:r>
+            <a:endParaRPr lang="en-IN" sz="1900" kern="100" dirty="0">
+              <a:effectLst/>
+              <a:latin typeface="+mj-lt"/>
+              <a:ea typeface="Calibri" panose="020F0502020204030204" pitchFamily="34" charset="0"/>
+              <a:cs typeface="Times New Roman" panose="02020603050405020304" pitchFamily="18" charset="0"/>
+            </a:endParaRPr>
+          </a:p>
+          <a:p>
+            <a:pPr marL="0" marR="0" algn="just">
+              <a:lnSpc>
+                <a:spcPct val="115000"/>
+              </a:lnSpc>
+              <a:spcBef>
+                <a:spcPts val="0"/>
+              </a:spcBef>
+              <a:spcAft>
+                <a:spcPts val="0"/>
+              </a:spcAft>
+            </a:pPr>
+            <a:r>
+              <a:rPr lang="en-IN" sz="1000" b="1" kern="100" dirty="0">
+                <a:effectLst/>
+                <a:latin typeface="Helvetica" panose="020B0604020202020204" pitchFamily="34" charset="0"/>
+                <a:ea typeface="Calibri" panose="020F0502020204030204" pitchFamily="34" charset="0"/>
+                <a:cs typeface="Calibri" panose="020F0502020204030204" pitchFamily="34" charset="0"/>
+              </a:rPr>
+              <a:t> </a:t>
+            </a:r>
+            <a:endParaRPr lang="en-IN" sz="1100" kern="100" dirty="0">
+              <a:effectLst/>
+              <a:latin typeface="Calibri" panose="020F0502020204030204" pitchFamily="34" charset="0"/>
+              <a:ea typeface="Calibri" panose="020F0502020204030204" pitchFamily="34" charset="0"/>
+            </a:endParaRPr>
+          </a:p>
+          <a:p>
+            <a:endParaRPr lang="en-IN" dirty="0"/>
+          </a:p>
+        </p:txBody>
+      </p:sp>
+    </p:spTree>
+    <p:extLst>
+      <p:ext uri="{BB962C8B-B14F-4D97-AF65-F5344CB8AC3E}">
+        <p14:creationId xmlns:p14="http://schemas.microsoft.com/office/powerpoint/2010/main" val="2779206477"/>
+      </p:ext>
+    </p:extLst>
+  </p:cSld>
+  <p:clrMapOvr>
+    <a:masterClrMapping/>
+  </p:clrMapOvr>
+  <p:timing>
+    <p:tnLst>
+      <p:par>
+        <p:cTn id="1" dur="indefinite" restart="never" nodeType="tmRoot">
+          <p:childTnLst>
+            <p:seq concurrent="1" nextAc="seek">
+              <p:cTn id="2" dur="indefinite" nodeType="mainSeq">
+                <p:childTnLst>
+                  <p:par>
+                    <p:cTn id="3" fill="hold">
+                      <p:stCondLst>
+                        <p:cond delay="indefinite"/>
+                      </p:stCondLst>
+                      <p:childTnLst>
+                        <p:par>
+                          <p:cTn id="4" fill="hold">
+                            <p:stCondLst>
+                              <p:cond delay="0"/>
+                            </p:stCondLst>
+                            <p:childTnLst>
+                              <p:par>
+                                <p:cTn id="5" presetID="10" presetClass="entr" presetSubtype="0" fill="hold" grpId="0" nodeType="clickEffect">
+                                  <p:stCondLst>
+                                    <p:cond delay="0"/>
+                                  </p:stCondLst>
+                                  <p:childTnLst>
+                                    <p:set>
+                                      <p:cBhvr>
+                                        <p:cTn id="6" dur="1" fill="hold">
+                                          <p:stCondLst>
+                                            <p:cond delay="0"/>
+                                          </p:stCondLst>
+                                        </p:cTn>
+                                        <p:tgtEl>
+                                          <p:spTgt spid="2"/>
+                                        </p:tgtEl>
+                                        <p:attrNameLst>
+                                          <p:attrName>style.visibility</p:attrName>
+                                        </p:attrNameLst>
+                                      </p:cBhvr>
+                                      <p:to>
+                                        <p:strVal val="visible"/>
+                                      </p:to>
+                                    </p:set>
+                                    <p:animEffect transition="in" filter="fade">
+                                      <p:cBhvr>
+                                        <p:cTn id="7" dur="500"/>
+                                        <p:tgtEl>
+                                          <p:spTgt spid="2"/>
+                                        </p:tgtEl>
+                                      </p:cBhvr>
+                                    </p:animEffect>
+                                  </p:childTnLst>
+                                </p:cTn>
+                              </p:par>
+                            </p:childTnLst>
+                          </p:cTn>
+                        </p:par>
+                      </p:childTnLst>
+                    </p:cTn>
+                  </p:par>
+                  <p:par>
+                    <p:cTn id="8" fill="hold">
+                      <p:stCondLst>
+                        <p:cond delay="indefinite"/>
+                      </p:stCondLst>
+                      <p:childTnLst>
+                        <p:par>
+                          <p:cTn id="9" fill="hold">
+                            <p:stCondLst>
+                              <p:cond delay="0"/>
+                            </p:stCondLst>
+                            <p:childTnLst>
+                              <p:par>
+                                <p:cTn id="10" presetID="10" presetClass="entr" presetSubtype="0" fill="hold" nodeType="clickEffect">
+                                  <p:stCondLst>
+                                    <p:cond delay="0"/>
+                                  </p:stCondLst>
+                                  <p:childTnLst>
+                                    <p:set>
+                                      <p:cBhvr>
+                                        <p:cTn id="11" dur="1" fill="hold">
+                                          <p:stCondLst>
+                                            <p:cond delay="0"/>
+                                          </p:stCondLst>
+                                        </p:cTn>
+                                        <p:tgtEl>
+                                          <p:spTgt spid="3">
+                                            <p:txEl>
+                                              <p:pRg st="0" end="0"/>
+                                            </p:txEl>
+                                          </p:spTgt>
+                                        </p:tgtEl>
+                                        <p:attrNameLst>
+                                          <p:attrName>style.visibility</p:attrName>
+                                        </p:attrNameLst>
+                                      </p:cBhvr>
+                                      <p:to>
+                                        <p:strVal val="visible"/>
+                                      </p:to>
+                                    </p:set>
+                                    <p:animEffect transition="in" filter="fade">
+                                      <p:cBhvr>
+                                        <p:cTn id="12" dur="500"/>
+                                        <p:tgtEl>
+                                          <p:spTgt spid="3">
+                                            <p:txEl>
+                                              <p:pRg st="0" end="0"/>
+                                            </p:txEl>
+                                          </p:spTgt>
+                                        </p:tgtEl>
+                                      </p:cBhvr>
+                                    </p:animEffect>
+                                  </p:childTnLst>
+                                </p:cTn>
+                              </p:par>
+                            </p:childTnLst>
+                          </p:cTn>
+                        </p:par>
+                      </p:childTnLst>
+                    </p:cTn>
+                  </p:par>
+                  <p:par>
+                    <p:cTn id="13" fill="hold">
+                      <p:stCondLst>
+                        <p:cond delay="indefinite"/>
+                      </p:stCondLst>
+                      <p:childTnLst>
+                        <p:par>
+                          <p:cTn id="14" fill="hold">
+                            <p:stCondLst>
+                              <p:cond delay="0"/>
+                            </p:stCondLst>
+                            <p:childTnLst>
+                              <p:par>
+                                <p:cTn id="15" presetID="10" presetClass="entr" presetSubtype="0" fill="hold" nodeType="clickEffect">
+                                  <p:stCondLst>
+                                    <p:cond delay="0"/>
+                                  </p:stCondLst>
+                                  <p:childTnLst>
+                                    <p:set>
+                                      <p:cBhvr>
+                                        <p:cTn id="16" dur="1" fill="hold">
+                                          <p:stCondLst>
+                                            <p:cond delay="0"/>
+                                          </p:stCondLst>
+                                        </p:cTn>
+                                        <p:tgtEl>
+                                          <p:spTgt spid="3">
+                                            <p:txEl>
+                                              <p:pRg st="1" end="1"/>
+                                            </p:txEl>
+                                          </p:spTgt>
+                                        </p:tgtEl>
+                                        <p:attrNameLst>
+                                          <p:attrName>style.visibility</p:attrName>
+                                        </p:attrNameLst>
+                                      </p:cBhvr>
+                                      <p:to>
+                                        <p:strVal val="visible"/>
+                                      </p:to>
+                                    </p:set>
+                                    <p:animEffect transition="in" filter="fade">
+                                      <p:cBhvr>
+                                        <p:cTn id="17" dur="500"/>
+                                        <p:tgtEl>
+                                          <p:spTgt spid="3">
+                                            <p:txEl>
+                                              <p:pRg st="1" end="1"/>
+                                            </p:txEl>
+                                          </p:spTgt>
+                                        </p:tgtEl>
+                                      </p:cBhvr>
+                                    </p:animEffect>
+                                  </p:childTnLst>
+                                </p:cTn>
+                              </p:par>
+                              <p:par>
+                                <p:cTn id="18" presetID="10" presetClass="entr" presetSubtype="0" fill="hold" nodeType="withEffect">
+                                  <p:stCondLst>
+                                    <p:cond delay="0"/>
+                                  </p:stCondLst>
+                                  <p:childTnLst>
+                                    <p:set>
+                                      <p:cBhvr>
+                                        <p:cTn id="19" dur="1" fill="hold">
+                                          <p:stCondLst>
+                                            <p:cond delay="0"/>
+                                          </p:stCondLst>
+                                        </p:cTn>
+                                        <p:tgtEl>
+                                          <p:spTgt spid="3">
+                                            <p:txEl>
+                                              <p:pRg st="2" end="2"/>
+                                            </p:txEl>
+                                          </p:spTgt>
+                                        </p:tgtEl>
+                                        <p:attrNameLst>
+                                          <p:attrName>style.visibility</p:attrName>
+                                        </p:attrNameLst>
+                                      </p:cBhvr>
+                                      <p:to>
+                                        <p:strVal val="visible"/>
+                                      </p:to>
+                                    </p:set>
+                                    <p:animEffect transition="in" filter="fade">
+                                      <p:cBhvr>
+                                        <p:cTn id="20" dur="500"/>
+                                        <p:tgtEl>
+                                          <p:spTgt spid="3">
+                                            <p:txEl>
+                                              <p:pRg st="2" end="2"/>
+                                            </p:txEl>
+                                          </p:spTgt>
+                                        </p:tgtEl>
+                                      </p:cBhvr>
+                                    </p:animEffect>
+                                  </p:childTnLst>
+                                </p:cTn>
+                              </p:par>
+                              <p:par>
+                                <p:cTn id="21" presetID="10" presetClass="entr" presetSubtype="0" fill="hold" nodeType="withEffect">
+                                  <p:stCondLst>
+                                    <p:cond delay="0"/>
+                                  </p:stCondLst>
+                                  <p:childTnLst>
+                                    <p:set>
+                                      <p:cBhvr>
+                                        <p:cTn id="22" dur="1" fill="hold">
+                                          <p:stCondLst>
+                                            <p:cond delay="0"/>
+                                          </p:stCondLst>
+                                        </p:cTn>
+                                        <p:tgtEl>
+                                          <p:spTgt spid="3">
+                                            <p:txEl>
+                                              <p:pRg st="3" end="3"/>
+                                            </p:txEl>
+                                          </p:spTgt>
+                                        </p:tgtEl>
+                                        <p:attrNameLst>
+                                          <p:attrName>style.visibility</p:attrName>
+                                        </p:attrNameLst>
+                                      </p:cBhvr>
+                                      <p:to>
+                                        <p:strVal val="visible"/>
+                                      </p:to>
+                                    </p:set>
+                                    <p:animEffect transition="in" filter="fade">
+                                      <p:cBhvr>
+                                        <p:cTn id="23" dur="500"/>
+                                        <p:tgtEl>
+                                          <p:spTgt spid="3">
+                                            <p:txEl>
+                                              <p:pRg st="3" end="3"/>
+                                            </p:txEl>
+                                          </p:spTgt>
+                                        </p:tgtEl>
+                                      </p:cBhvr>
+                                    </p:animEffect>
+                                  </p:childTnLst>
+                                </p:cTn>
+                              </p:par>
+                            </p:childTnLst>
+                          </p:cTn>
+                        </p:par>
+                      </p:childTnLst>
+                    </p:cTn>
+                  </p:par>
+                  <p:par>
+                    <p:cTn id="24" fill="hold">
+                      <p:stCondLst>
+                        <p:cond delay="indefinite"/>
+                      </p:stCondLst>
+                      <p:childTnLst>
+                        <p:par>
+                          <p:cTn id="25" fill="hold">
+                            <p:stCondLst>
+                              <p:cond delay="0"/>
+                            </p:stCondLst>
+                            <p:childTnLst>
+                              <p:par>
+                                <p:cTn id="26" presetID="10" presetClass="entr" presetSubtype="0" fill="hold" nodeType="clickEffect">
+                                  <p:stCondLst>
+                                    <p:cond delay="0"/>
+                                  </p:stCondLst>
+                                  <p:childTnLst>
+                                    <p:set>
+                                      <p:cBhvr>
+                                        <p:cTn id="27" dur="1" fill="hold">
+                                          <p:stCondLst>
+                                            <p:cond delay="0"/>
+                                          </p:stCondLst>
+                                        </p:cTn>
+                                        <p:tgtEl>
+                                          <p:spTgt spid="3">
+                                            <p:txEl>
+                                              <p:pRg st="4" end="4"/>
+                                            </p:txEl>
+                                          </p:spTgt>
+                                        </p:tgtEl>
+                                        <p:attrNameLst>
+                                          <p:attrName>style.visibility</p:attrName>
+                                        </p:attrNameLst>
+                                      </p:cBhvr>
+                                      <p:to>
+                                        <p:strVal val="visible"/>
+                                      </p:to>
+                                    </p:set>
+                                    <p:animEffect transition="in" filter="fade">
+                                      <p:cBhvr>
+                                        <p:cTn id="28" dur="500"/>
+                                        <p:tgtEl>
+                                          <p:spTgt spid="3">
+                                            <p:txEl>
+                                              <p:pRg st="4" end="4"/>
+                                            </p:txEl>
+                                          </p:spTgt>
+                                        </p:tgtEl>
+                                      </p:cBhvr>
+                                    </p:animEffect>
+                                  </p:childTnLst>
+                                </p:cTn>
+                              </p:par>
+                            </p:childTnLst>
+                          </p:cTn>
+                        </p:par>
+                      </p:childTnLst>
+                    </p:cTn>
+                  </p:par>
+                  <p:par>
+                    <p:cTn id="29" fill="hold">
+                      <p:stCondLst>
+                        <p:cond delay="indefinite"/>
+                      </p:stCondLst>
+                      <p:childTnLst>
+                        <p:par>
+                          <p:cTn id="30" fill="hold">
+                            <p:stCondLst>
+                              <p:cond delay="0"/>
+                            </p:stCondLst>
+                            <p:childTnLst>
+                              <p:par>
+                                <p:cTn id="31" presetID="10" presetClass="entr" presetSubtype="0" fill="hold" nodeType="clickEffect">
+                                  <p:stCondLst>
+                                    <p:cond delay="0"/>
+                                  </p:stCondLst>
+                                  <p:childTnLst>
+                                    <p:set>
+                                      <p:cBhvr>
+                                        <p:cTn id="32" dur="1" fill="hold">
+                                          <p:stCondLst>
+                                            <p:cond delay="0"/>
+                                          </p:stCondLst>
+                                        </p:cTn>
+                                        <p:tgtEl>
+                                          <p:spTgt spid="3">
+                                            <p:txEl>
+                                              <p:pRg st="5" end="5"/>
+                                            </p:txEl>
+                                          </p:spTgt>
+                                        </p:tgtEl>
+                                        <p:attrNameLst>
+                                          <p:attrName>style.visibility</p:attrName>
+                                        </p:attrNameLst>
+                                      </p:cBhvr>
+                                      <p:to>
+                                        <p:strVal val="visible"/>
+                                      </p:to>
+                                    </p:set>
+                                    <p:animEffect transition="in" filter="fade">
+                                      <p:cBhvr>
+                                        <p:cTn id="33" dur="500"/>
+                                        <p:tgtEl>
+                                          <p:spTgt spid="3">
+                                            <p:txEl>
+                                              <p:pRg st="5" end="5"/>
+                                            </p:txEl>
+                                          </p:spTgt>
+                                        </p:tgtEl>
+                                      </p:cBhvr>
+                                    </p:animEffect>
+                                  </p:childTnLst>
+                                </p:cTn>
+                              </p:par>
+                            </p:childTnLst>
+                          </p:cTn>
+                        </p:par>
+                      </p:childTnLst>
+                    </p:cTn>
+                  </p:par>
+                  <p:par>
+                    <p:cTn id="34" fill="hold">
+                      <p:stCondLst>
+                        <p:cond delay="indefinite"/>
+                      </p:stCondLst>
+                      <p:childTnLst>
+                        <p:par>
+                          <p:cTn id="35" fill="hold">
+                            <p:stCondLst>
+                              <p:cond delay="0"/>
+                            </p:stCondLst>
+                            <p:childTnLst>
+                              <p:par>
+                                <p:cTn id="36" presetID="10" presetClass="entr" presetSubtype="0" fill="hold" nodeType="clickEffect">
+                                  <p:stCondLst>
+                                    <p:cond delay="0"/>
+                                  </p:stCondLst>
+                                  <p:childTnLst>
+                                    <p:set>
+                                      <p:cBhvr>
+                                        <p:cTn id="37" dur="1" fill="hold">
+                                          <p:stCondLst>
+                                            <p:cond delay="0"/>
+                                          </p:stCondLst>
+                                        </p:cTn>
+                                        <p:tgtEl>
+                                          <p:spTgt spid="3">
+                                            <p:txEl>
+                                              <p:pRg st="6" end="6"/>
+                                            </p:txEl>
+                                          </p:spTgt>
+                                        </p:tgtEl>
+                                        <p:attrNameLst>
+                                          <p:attrName>style.visibility</p:attrName>
+                                        </p:attrNameLst>
+                                      </p:cBhvr>
+                                      <p:to>
+                                        <p:strVal val="visible"/>
+                                      </p:to>
+                                    </p:set>
+                                    <p:animEffect transition="in" filter="fade">
+                                      <p:cBhvr>
+                                        <p:cTn id="38" dur="500"/>
+                                        <p:tgtEl>
+                                          <p:spTgt spid="3">
+                                            <p:txEl>
+                                              <p:pRg st="6" end="6"/>
+                                            </p:txEl>
+                                          </p:spTgt>
+                                        </p:tgtEl>
+                                      </p:cBhvr>
+                                    </p:animEffect>
+                                  </p:childTnLst>
+                                </p:cTn>
+                              </p:par>
+                            </p:childTnLst>
+                          </p:cTn>
+                        </p:par>
+                      </p:childTnLst>
+                    </p:cTn>
+                  </p:par>
+                  <p:par>
+                    <p:cTn id="39" fill="hold">
+                      <p:stCondLst>
+                        <p:cond delay="indefinite"/>
+                      </p:stCondLst>
+                      <p:childTnLst>
+                        <p:par>
+                          <p:cTn id="40" fill="hold">
+                            <p:stCondLst>
+                              <p:cond delay="0"/>
+                            </p:stCondLst>
+                            <p:childTnLst>
+                              <p:par>
+                                <p:cTn id="41" presetID="10" presetClass="entr" presetSubtype="0" fill="hold" nodeType="clickEffect">
+                                  <p:stCondLst>
+                                    <p:cond delay="0"/>
+                                  </p:stCondLst>
+                                  <p:childTnLst>
+                                    <p:set>
+                                      <p:cBhvr>
+                                        <p:cTn id="42" dur="1" fill="hold">
+                                          <p:stCondLst>
+                                            <p:cond delay="0"/>
+                                          </p:stCondLst>
+                                        </p:cTn>
+                                        <p:tgtEl>
+                                          <p:spTgt spid="3">
+                                            <p:txEl>
+                                              <p:pRg st="7" end="7"/>
+                                            </p:txEl>
+                                          </p:spTgt>
+                                        </p:tgtEl>
+                                        <p:attrNameLst>
+                                          <p:attrName>style.visibility</p:attrName>
+                                        </p:attrNameLst>
+                                      </p:cBhvr>
+                                      <p:to>
+                                        <p:strVal val="visible"/>
+                                      </p:to>
+                                    </p:set>
+                                    <p:animEffect transition="in" filter="fade">
+                                      <p:cBhvr>
+                                        <p:cTn id="43" dur="500"/>
+                                        <p:tgtEl>
+                                          <p:spTgt spid="3">
+                                            <p:txEl>
+                                              <p:pRg st="7" end="7"/>
+                                            </p:txEl>
+                                          </p:spTgt>
+                                        </p:tgtEl>
+                                      </p:cBhvr>
+                                    </p:animEffect>
+                                  </p:childTnLst>
+                                </p:cTn>
+                              </p:par>
+                            </p:childTnLst>
+                          </p:cTn>
+                        </p:par>
+                      </p:childTnLst>
+                    </p:cTn>
+                  </p:par>
+                  <p:par>
+                    <p:cTn id="44" fill="hold">
+                      <p:stCondLst>
+                        <p:cond delay="indefinite"/>
+                      </p:stCondLst>
+                      <p:childTnLst>
+                        <p:par>
+                          <p:cTn id="45" fill="hold">
+                            <p:stCondLst>
+                              <p:cond delay="0"/>
+                            </p:stCondLst>
+                            <p:childTnLst>
+                              <p:par>
+                                <p:cTn id="46" presetID="10" presetClass="entr" presetSubtype="0" fill="hold" nodeType="clickEffect">
+                                  <p:stCondLst>
+                                    <p:cond delay="0"/>
+                                  </p:stCondLst>
+                                  <p:childTnLst>
+                                    <p:set>
+                                      <p:cBhvr>
+                                        <p:cTn id="47" dur="1" fill="hold">
+                                          <p:stCondLst>
+                                            <p:cond delay="0"/>
+                                          </p:stCondLst>
+                                        </p:cTn>
+                                        <p:tgtEl>
+                                          <p:spTgt spid="3">
+                                            <p:txEl>
+                                              <p:pRg st="8" end="8"/>
+                                            </p:txEl>
+                                          </p:spTgt>
+                                        </p:tgtEl>
+                                        <p:attrNameLst>
+                                          <p:attrName>style.visibility</p:attrName>
+                                        </p:attrNameLst>
+                                      </p:cBhvr>
+                                      <p:to>
+                                        <p:strVal val="visible"/>
+                                      </p:to>
+                                    </p:set>
+                                    <p:animEffect transition="in" filter="fade">
+                                      <p:cBhvr>
+                                        <p:cTn id="48" dur="500"/>
+                                        <p:tgtEl>
+                                          <p:spTgt spid="3">
+                                            <p:txEl>
+                                              <p:pRg st="8" end="8"/>
+                                            </p:txEl>
+                                          </p:spTgt>
+                                        </p:tgtEl>
+                                      </p:cBhvr>
+                                    </p:animEffect>
+                                  </p:childTnLst>
+                                </p:cTn>
+                              </p:par>
+                            </p:childTnLst>
+                          </p:cTn>
+                        </p:par>
+                      </p:childTnLst>
+                    </p:cTn>
+                  </p:par>
+                  <p:par>
+                    <p:cTn id="49" fill="hold">
+                      <p:stCondLst>
+                        <p:cond delay="indefinite"/>
+                      </p:stCondLst>
+                      <p:childTnLst>
+                        <p:par>
+                          <p:cTn id="50" fill="hold">
+                            <p:stCondLst>
+                              <p:cond delay="0"/>
+                            </p:stCondLst>
+                            <p:childTnLst>
+                              <p:par>
+                                <p:cTn id="51" presetID="10" presetClass="entr" presetSubtype="0" fill="hold" nodeType="clickEffect">
+                                  <p:stCondLst>
+                                    <p:cond delay="0"/>
+                                  </p:stCondLst>
+                                  <p:childTnLst>
+                                    <p:set>
+                                      <p:cBhvr>
+                                        <p:cTn id="52" dur="1" fill="hold">
+                                          <p:stCondLst>
+                                            <p:cond delay="0"/>
+                                          </p:stCondLst>
+                                        </p:cTn>
+                                        <p:tgtEl>
+                                          <p:spTgt spid="3">
+                                            <p:txEl>
+                                              <p:pRg st="9" end="9"/>
+                                            </p:txEl>
+                                          </p:spTgt>
+                                        </p:tgtEl>
+                                        <p:attrNameLst>
+                                          <p:attrName>style.visibility</p:attrName>
+                                        </p:attrNameLst>
+                                      </p:cBhvr>
+                                      <p:to>
+                                        <p:strVal val="visible"/>
+                                      </p:to>
+                                    </p:set>
+                                    <p:animEffect transition="in" filter="fade">
+                                      <p:cBhvr>
+                                        <p:cTn id="53" dur="500"/>
+                                        <p:tgtEl>
+                                          <p:spTgt spid="3">
+                                            <p:txEl>
+                                              <p:pRg st="9" end="9"/>
+                                            </p:txEl>
+                                          </p:spTgt>
+                                        </p:tgtEl>
+                                      </p:cBhvr>
+                                    </p:animEffect>
+                                  </p:childTnLst>
+                                </p:cTn>
+                              </p:par>
+                            </p:childTnLst>
+                          </p:cTn>
+                        </p:par>
+                      </p:childTnLst>
+                    </p:cTn>
+                  </p:par>
+                </p:childTnLst>
+              </p:cTn>
+              <p:prevCondLst>
+                <p:cond evt="onPrev" delay="0">
+                  <p:tgtEl>
+                    <p:sldTgt/>
+                  </p:tgtEl>
+                </p:cond>
+              </p:prevCondLst>
+              <p:nextCondLst>
+                <p:cond evt="onNext" delay="0">
+                  <p:tgtEl>
+                    <p:sldTgt/>
+                  </p:tgtEl>
+                </p:cond>
+              </p:nextCondLst>
+            </p:seq>
+          </p:childTnLst>
+        </p:cTn>
+      </p:par>
+    </p:tnLst>
+    <p:bldLst>
+      <p:bldP spid="2" grpId="0"/>
+    </p:bldLst>
+  </p:timing>
+</p:sld>
+</file>
+
+<file path=ppt/slides/slide8.xml><?xml version="1.0" encoding="utf-8"?>
+<p:sld xmlns:a="http://schemas.openxmlformats.org/drawingml/2006/main" xmlns:r="http://schemas.openxmlformats.org/officeDocument/2006/relationships" xmlns:p="http://schemas.openxmlformats.org/presentationml/2006/main">
+  <p:cSld>
+    <p:spTree>
+      <p:nvGrpSpPr>
+        <p:cNvPr id="1" name=""/>
+        <p:cNvGrpSpPr/>
+        <p:nvPr/>
+      </p:nvGrpSpPr>
+      <p:grpSpPr>
+        <a:xfrm>
+          <a:off x="0" y="0"/>
+          <a:ext cx="0" cy="0"/>
+          <a:chOff x="0" y="0"/>
+          <a:chExt cx="0" cy="0"/>
+        </a:xfrm>
+      </p:grpSpPr>
+      <p:sp>
+        <p:nvSpPr>
+          <p:cNvPr id="2" name="Title 1">
+            <a:extLst>
+              <a:ext uri="{FF2B5EF4-FFF2-40B4-BE49-F238E27FC236}">
+                <a16:creationId xmlns:a16="http://schemas.microsoft.com/office/drawing/2014/main" id="{603CB033-E0B4-4A60-BB6E-D8109CD40A69}"/>
+              </a:ext>
+            </a:extLst>
+          </p:cNvPr>
+          <p:cNvSpPr>
+            <a:spLocks noGrp="1"/>
+          </p:cNvSpPr>
+          <p:nvPr>
+            <p:ph type="title"/>
+          </p:nvPr>
+        </p:nvSpPr>
+        <p:spPr/>
+        <p:txBody>
+          <a:bodyPr/>
+          <a:lstStyle/>
+          <a:p>
+            <a:r>
+              <a:rPr lang="en-US" dirty="0"/>
+              <a:t>Application from our learnings</a:t>
+            </a:r>
+            <a:endParaRPr lang="en-IN" dirty="0"/>
+          </a:p>
+        </p:txBody>
+      </p:sp>
+      <p:sp>
+        <p:nvSpPr>
+          <p:cNvPr id="3" name="Content Placeholder 2">
+            <a:extLst>
+              <a:ext uri="{FF2B5EF4-FFF2-40B4-BE49-F238E27FC236}">
+                <a16:creationId xmlns:a16="http://schemas.microsoft.com/office/drawing/2014/main" id="{416DBBA3-9E21-4F7B-8DD4-07E0BD6E55BF}"/>
+              </a:ext>
+            </a:extLst>
+          </p:cNvPr>
+          <p:cNvSpPr>
+            <a:spLocks noGrp="1"/>
+          </p:cNvSpPr>
+          <p:nvPr>
+            <p:ph idx="1"/>
+          </p:nvPr>
+        </p:nvSpPr>
+        <p:spPr>
+          <a:xfrm>
+            <a:off x="680322" y="2272683"/>
+            <a:ext cx="9404712" cy="3832090"/>
+          </a:xfrm>
+        </p:spPr>
+        <p:txBody>
+          <a:bodyPr>
+            <a:normAutofit/>
+          </a:bodyPr>
+          <a:lstStyle/>
+          <a:p>
+            <a:r>
+              <a:rPr lang="en-US" sz="2800" dirty="0" err="1"/>
+              <a:t>Tkinter</a:t>
+            </a:r>
+            <a:r>
+              <a:rPr lang="en-US" sz="2800" dirty="0"/>
+              <a:t> module</a:t>
+            </a:r>
+            <a:endParaRPr lang="en-US" sz="2400" dirty="0"/>
+          </a:p>
+          <a:p>
+            <a:r>
+              <a:rPr lang="en-US" sz="2800" dirty="0"/>
+              <a:t>Regular expressions</a:t>
+            </a:r>
+          </a:p>
+          <a:p>
+            <a:r>
+              <a:rPr lang="en-US" sz="2800" dirty="0"/>
+              <a:t>List comprehensions</a:t>
+            </a:r>
+          </a:p>
+          <a:p>
+            <a:r>
+              <a:rPr lang="en-US" sz="2800" dirty="0"/>
+              <a:t>Database connectivity</a:t>
+            </a:r>
+          </a:p>
+          <a:p>
+            <a:r>
+              <a:rPr lang="en-US" sz="2800" dirty="0"/>
+              <a:t>File handling</a:t>
+            </a:r>
+          </a:p>
+          <a:p>
+            <a:r>
+              <a:rPr lang="en-US" sz="2800" dirty="0"/>
+              <a:t>Lambda functions</a:t>
+            </a:r>
+          </a:p>
+        </p:txBody>
+      </p:sp>
+      <p:pic>
+        <p:nvPicPr>
+          <p:cNvPr id="13314" name="Picture 2" descr="I Am A Bounty Hunter And I Have Come Across A Very - Working On Computer  Illustration, HD Png Download - 640x481(#3894217) - PngFind">
+            <a:extLst>
+              <a:ext uri="{FF2B5EF4-FFF2-40B4-BE49-F238E27FC236}">
+                <a16:creationId xmlns:a16="http://schemas.microsoft.com/office/drawing/2014/main" id="{761134AF-4175-4300-B01C-F940EC61632C}"/>
+              </a:ext>
+            </a:extLst>
+          </p:cNvPr>
+          <p:cNvPicPr>
+            <a:picLocks noChangeAspect="1" noChangeArrowheads="1"/>
+          </p:cNvPicPr>
+          <p:nvPr/>
+        </p:nvPicPr>
+        <p:blipFill>
+          <a:blip r:embed="rId2">
+            <a:extLst>
+              <a:ext uri="{BEBA8EAE-BF5A-486C-A8C5-ECC9F3942E4B}">
+                <a14:imgProps xmlns:a14="http://schemas.microsoft.com/office/drawing/2010/main">
+                  <a14:imgLayer r:embed="rId3">
+                    <a14:imgEffect>
+                      <a14:backgroundRemoval t="10000" b="90000" l="10000" r="90000">
+                        <a14:foregroundMark x1="47188" y1="36563" x2="47188" y2="36563"/>
+                        <a14:foregroundMark x1="49688" y1="28438" x2="49688" y2="28438"/>
+                        <a14:foregroundMark x1="70000" y1="28438" x2="70000" y2="28438"/>
+                        <a14:foregroundMark x1="61875" y1="27813" x2="61875" y2="27813"/>
+                        <a14:foregroundMark x1="47188" y1="33438" x2="47188" y2="33438"/>
+                      </a14:backgroundRemoval>
+                    </a14:imgEffect>
+                  </a14:imgLayer>
+                </a14:imgProps>
+              </a:ext>
+              <a:ext uri="{28A0092B-C50C-407E-A947-70E740481C1C}">
+                <a14:useLocalDpi xmlns:a14="http://schemas.microsoft.com/office/drawing/2010/main" val="0"/>
+              </a:ext>
+            </a:extLst>
+          </a:blip>
+          <a:srcRect/>
+          <a:stretch>
+            <a:fillRect/>
+          </a:stretch>
+        </p:blipFill>
+        <p:spPr bwMode="auto">
+          <a:xfrm>
+            <a:off x="5299673" y="1644532"/>
+            <a:ext cx="5485975" cy="4807068"/>
+          </a:xfrm>
+          <a:prstGeom prst="rect">
+            <a:avLst/>
+          </a:prstGeom>
+          <a:noFill/>
+          <a:extLst>
+            <a:ext uri="{909E8E84-426E-40DD-AFC4-6F175D3DCCD1}">
+              <a14:hiddenFill xmlns:a14="http://schemas.microsoft.com/office/drawing/2010/main">
+                <a:solidFill>
+                  <a:srgbClr val="FFFFFF"/>
+                </a:solidFill>
+              </a14:hiddenFill>
+            </a:ext>
+          </a:extLst>
+        </p:spPr>
+      </p:pic>
+    </p:spTree>
+    <p:extLst>
+      <p:ext uri="{BB962C8B-B14F-4D97-AF65-F5344CB8AC3E}">
+        <p14:creationId xmlns:p14="http://schemas.microsoft.com/office/powerpoint/2010/main" val="3137549881"/>
+      </p:ext>
+    </p:extLst>
+  </p:cSld>
+  <p:clrMapOvr>
+    <a:masterClrMapping/>
+  </p:clrMapOvr>
+  <p:timing>
+    <p:tnLst>
+      <p:par>
+        <p:cTn id="1" dur="indefinite" restart="never" nodeType="tmRoot">
+          <p:childTnLst>
+            <p:seq concurrent="1" nextAc="seek">
+              <p:cTn id="2" dur="indefinite" nodeType="mainSeq">
+                <p:childTnLst>
+                  <p:par>
+                    <p:cTn id="3" fill="hold">
+                      <p:stCondLst>
+                        <p:cond delay="indefinite"/>
+                      </p:stCondLst>
+                      <p:childTnLst>
+                        <p:par>
+                          <p:cTn id="4" fill="hold">
+                            <p:stCondLst>
+                              <p:cond delay="0"/>
+                            </p:stCondLst>
+                            <p:childTnLst>
+                              <p:par>
+                                <p:cTn id="5" presetID="1" presetClass="entr" presetSubtype="0" fill="hold" grpId="0" nodeType="clickEffect">
+                                  <p:stCondLst>
+                                    <p:cond delay="0"/>
+                                  </p:stCondLst>
+                                  <p:childTnLst>
+                                    <p:set>
+                                      <p:cBhvr>
+                                        <p:cTn id="6" dur="1" fill="hold">
+                                          <p:stCondLst>
+                                            <p:cond delay="0"/>
+                                          </p:stCondLst>
+                                        </p:cTn>
+                                        <p:tgtEl>
+                                          <p:spTgt spid="2"/>
+                                        </p:tgtEl>
+                                        <p:attrNameLst>
+                                          <p:attrName>style.visibility</p:attrName>
+                                        </p:attrNameLst>
+                                      </p:cBhvr>
+                                      <p:to>
+                                        <p:strVal val="visible"/>
+                                      </p:to>
+                                    </p:set>
+                                  </p:childTnLst>
+                                </p:cTn>
+                              </p:par>
+                            </p:childTnLst>
+                          </p:cTn>
+                        </p:par>
+                      </p:childTnLst>
+                    </p:cTn>
+                  </p:par>
+                  <p:par>
+                    <p:cTn id="7" fill="hold">
+                      <p:stCondLst>
+                        <p:cond delay="indefinite"/>
+                      </p:stCondLst>
+                      <p:childTnLst>
+                        <p:par>
+                          <p:cTn id="8" fill="hold">
+                            <p:stCondLst>
+                              <p:cond delay="0"/>
+                            </p:stCondLst>
+                            <p:childTnLst>
+                              <p:par>
+                                <p:cTn id="9" presetID="10" presetClass="entr" presetSubtype="0" fill="hold" nodeType="clickEffect">
+                                  <p:stCondLst>
+                                    <p:cond delay="0"/>
+                                  </p:stCondLst>
+                                  <p:childTnLst>
+                                    <p:set>
+                                      <p:cBhvr>
+                                        <p:cTn id="10" dur="1" fill="hold">
+                                          <p:stCondLst>
+                                            <p:cond delay="0"/>
+                                          </p:stCondLst>
+                                        </p:cTn>
+                                        <p:tgtEl>
+                                          <p:spTgt spid="13314"/>
+                                        </p:tgtEl>
+                                        <p:attrNameLst>
+                                          <p:attrName>style.visibility</p:attrName>
+                                        </p:attrNameLst>
+                                      </p:cBhvr>
+                                      <p:to>
+                                        <p:strVal val="visible"/>
+                                      </p:to>
+                                    </p:set>
+                                    <p:animEffect transition="in" filter="fade">
+                                      <p:cBhvr>
+                                        <p:cTn id="11" dur="500"/>
+                                        <p:tgtEl>
+                                          <p:spTgt spid="13314"/>
+                                        </p:tgtEl>
+                                      </p:cBhvr>
+                                    </p:animEffect>
+                                  </p:childTnLst>
+                                </p:cTn>
+                              </p:par>
+                            </p:childTnLst>
+                          </p:cTn>
+                        </p:par>
+                      </p:childTnLst>
+                    </p:cTn>
+                  </p:par>
+                  <p:par>
+                    <p:cTn id="12" fill="hold">
+                      <p:stCondLst>
+                        <p:cond delay="indefinite"/>
+                      </p:stCondLst>
+                      <p:childTnLst>
+                        <p:par>
+                          <p:cTn id="13" fill="hold">
+                            <p:stCondLst>
+                              <p:cond delay="0"/>
+                            </p:stCondLst>
+                            <p:childTnLst>
+                              <p:par>
+                                <p:cTn id="14" presetID="14" presetClass="entr" presetSubtype="10" fill="hold" nodeType="clickEffect">
+                                  <p:stCondLst>
+                                    <p:cond delay="0"/>
+                                  </p:stCondLst>
+                                  <p:childTnLst>
+                                    <p:set>
+                                      <p:cBhvr>
+                                        <p:cTn id="15" dur="1" fill="hold">
+                                          <p:stCondLst>
+                                            <p:cond delay="0"/>
+                                          </p:stCondLst>
+                                        </p:cTn>
+                                        <p:tgtEl>
+                                          <p:spTgt spid="3">
+                                            <p:txEl>
+                                              <p:pRg st="0" end="0"/>
+                                            </p:txEl>
+                                          </p:spTgt>
+                                        </p:tgtEl>
+                                        <p:attrNameLst>
+                                          <p:attrName>style.visibility</p:attrName>
+                                        </p:attrNameLst>
+                                      </p:cBhvr>
+                                      <p:to>
+                                        <p:strVal val="visible"/>
+                                      </p:to>
+                                    </p:set>
+                                    <p:animEffect transition="in" filter="randombar(horizontal)">
+                                      <p:cBhvr>
+                                        <p:cTn id="16" dur="500"/>
+                                        <p:tgtEl>
+                                          <p:spTgt spid="3">
+                                            <p:txEl>
+                                              <p:pRg st="0" end="0"/>
+                                            </p:txEl>
+                                          </p:spTgt>
+                                        </p:tgtEl>
+                                      </p:cBhvr>
+                                    </p:animEffect>
+                                  </p:childTnLst>
+                                </p:cTn>
+                              </p:par>
+                              <p:par>
+                                <p:cTn id="17" presetID="14" presetClass="entr" presetSubtype="10" fill="hold" nodeType="withEffect">
+                                  <p:stCondLst>
+                                    <p:cond delay="0"/>
+                                  </p:stCondLst>
+                                  <p:childTnLst>
+                                    <p:set>
+                                      <p:cBhvr>
+                                        <p:cTn id="18" dur="1" fill="hold">
+                                          <p:stCondLst>
+                                            <p:cond delay="0"/>
+                                          </p:stCondLst>
+                                        </p:cTn>
+                                        <p:tgtEl>
+                                          <p:spTgt spid="3">
+                                            <p:txEl>
+                                              <p:pRg st="1" end="1"/>
+                                            </p:txEl>
+                                          </p:spTgt>
+                                        </p:tgtEl>
+                                        <p:attrNameLst>
+                                          <p:attrName>style.visibility</p:attrName>
+                                        </p:attrNameLst>
+                                      </p:cBhvr>
+                                      <p:to>
+                                        <p:strVal val="visible"/>
+                                      </p:to>
+                                    </p:set>
+                                    <p:animEffect transition="in" filter="randombar(horizontal)">
+                                      <p:cBhvr>
+                                        <p:cTn id="19" dur="500"/>
+                                        <p:tgtEl>
+                                          <p:spTgt spid="3">
+                                            <p:txEl>
+                                              <p:pRg st="1" end="1"/>
+                                            </p:txEl>
+                                          </p:spTgt>
+                                        </p:tgtEl>
+                                      </p:cBhvr>
+                                    </p:animEffect>
+                                  </p:childTnLst>
+                                </p:cTn>
+                              </p:par>
+                              <p:par>
+                                <p:cTn id="20" presetID="14" presetClass="entr" presetSubtype="10" fill="hold" nodeType="withEffect">
+                                  <p:stCondLst>
+                                    <p:cond delay="0"/>
+                                  </p:stCondLst>
+                                  <p:childTnLst>
+                                    <p:set>
+                                      <p:cBhvr>
+                                        <p:cTn id="21" dur="1" fill="hold">
+                                          <p:stCondLst>
+                                            <p:cond delay="0"/>
+                                          </p:stCondLst>
+                                        </p:cTn>
+                                        <p:tgtEl>
+                                          <p:spTgt spid="3">
+                                            <p:txEl>
+                                              <p:pRg st="2" end="2"/>
+                                            </p:txEl>
+                                          </p:spTgt>
+                                        </p:tgtEl>
+                                        <p:attrNameLst>
+                                          <p:attrName>style.visibility</p:attrName>
+                                        </p:attrNameLst>
+                                      </p:cBhvr>
+                                      <p:to>
+                                        <p:strVal val="visible"/>
+                                      </p:to>
+                                    </p:set>
+                                    <p:animEffect transition="in" filter="randombar(horizontal)">
+                                      <p:cBhvr>
+                                        <p:cTn id="22" dur="500"/>
+                                        <p:tgtEl>
+                                          <p:spTgt spid="3">
+                                            <p:txEl>
+                                              <p:pRg st="2" end="2"/>
+                                            </p:txEl>
+                                          </p:spTgt>
+                                        </p:tgtEl>
+                                      </p:cBhvr>
+                                    </p:animEffect>
+                                  </p:childTnLst>
+                                </p:cTn>
+                              </p:par>
+                              <p:par>
+                                <p:cTn id="23" presetID="14" presetClass="entr" presetSubtype="10" fill="hold" nodeType="withEffect">
+                                  <p:stCondLst>
+                                    <p:cond delay="0"/>
+                                  </p:stCondLst>
+                                  <p:childTnLst>
+                                    <p:set>
+                                      <p:cBhvr>
+                                        <p:cTn id="24" dur="1" fill="hold">
+                                          <p:stCondLst>
+                                            <p:cond delay="0"/>
+                                          </p:stCondLst>
+                                        </p:cTn>
+                                        <p:tgtEl>
+                                          <p:spTgt spid="3">
+                                            <p:txEl>
+                                              <p:pRg st="3" end="3"/>
+                                            </p:txEl>
+                                          </p:spTgt>
+                                        </p:tgtEl>
+                                        <p:attrNameLst>
+                                          <p:attrName>style.visibility</p:attrName>
+                                        </p:attrNameLst>
+                                      </p:cBhvr>
+                                      <p:to>
+                                        <p:strVal val="visible"/>
+                                      </p:to>
+                                    </p:set>
+                                    <p:animEffect transition="in" filter="randombar(horizontal)">
+                                      <p:cBhvr>
+                                        <p:cTn id="25" dur="500"/>
+                                        <p:tgtEl>
+                                          <p:spTgt spid="3">
+                                            <p:txEl>
+                                              <p:pRg st="3" end="3"/>
+                                            </p:txEl>
+                                          </p:spTgt>
+                                        </p:tgtEl>
+                                      </p:cBhvr>
+                                    </p:animEffect>
+                                  </p:childTnLst>
+                                </p:cTn>
+                              </p:par>
+                              <p:par>
+                                <p:cTn id="26" presetID="14" presetClass="entr" presetSubtype="10" fill="hold" nodeType="withEffect">
+                                  <p:stCondLst>
+                                    <p:cond delay="0"/>
+                                  </p:stCondLst>
+                                  <p:childTnLst>
+                                    <p:set>
+                                      <p:cBhvr>
+                                        <p:cTn id="27" dur="1" fill="hold">
+                                          <p:stCondLst>
+                                            <p:cond delay="0"/>
+                                          </p:stCondLst>
+                                        </p:cTn>
+                                        <p:tgtEl>
+                                          <p:spTgt spid="3">
+                                            <p:txEl>
+                                              <p:pRg st="4" end="4"/>
+                                            </p:txEl>
+                                          </p:spTgt>
+                                        </p:tgtEl>
+                                        <p:attrNameLst>
+                                          <p:attrName>style.visibility</p:attrName>
+                                        </p:attrNameLst>
+                                      </p:cBhvr>
+                                      <p:to>
+                                        <p:strVal val="visible"/>
+                                      </p:to>
+                                    </p:set>
+                                    <p:animEffect transition="in" filter="randombar(horizontal)">
+                                      <p:cBhvr>
+                                        <p:cTn id="28" dur="500"/>
+                                        <p:tgtEl>
+                                          <p:spTgt spid="3">
+                                            <p:txEl>
+                                              <p:pRg st="4" end="4"/>
+                                            </p:txEl>
+                                          </p:spTgt>
+                                        </p:tgtEl>
+                                      </p:cBhvr>
+                                    </p:animEffect>
+                                  </p:childTnLst>
+                                </p:cTn>
+                              </p:par>
+                              <p:par>
+                                <p:cTn id="29" presetID="14" presetClass="entr" presetSubtype="10" fill="hold" nodeType="withEffect">
+                                  <p:stCondLst>
+                                    <p:cond delay="0"/>
+                                  </p:stCondLst>
+                                  <p:childTnLst>
+                                    <p:set>
+                                      <p:cBhvr>
+                                        <p:cTn id="30" dur="1" fill="hold">
+                                          <p:stCondLst>
+                                            <p:cond delay="0"/>
+                                          </p:stCondLst>
+                                        </p:cTn>
+                                        <p:tgtEl>
+                                          <p:spTgt spid="3">
+                                            <p:txEl>
+                                              <p:pRg st="5" end="5"/>
+                                            </p:txEl>
+                                          </p:spTgt>
+                                        </p:tgtEl>
+                                        <p:attrNameLst>
+                                          <p:attrName>style.visibility</p:attrName>
+                                        </p:attrNameLst>
+                                      </p:cBhvr>
+                                      <p:to>
+                                        <p:strVal val="visible"/>
+                                      </p:to>
+                                    </p:set>
+                                    <p:animEffect transition="in" filter="randombar(horizontal)">
+                                      <p:cBhvr>
+                                        <p:cTn id="31" dur="500"/>
+                                        <p:tgtEl>
+                                          <p:spTgt spid="3">
+                                            <p:txEl>
+                                              <p:pRg st="5" end="5"/>
+                                            </p:txEl>
+                                          </p:spTgt>
+                                        </p:tgtEl>
+                                      </p:cBhvr>
+                                    </p:animEffect>
+                                  </p:childTnLst>
+                                </p:cTn>
+                              </p:par>
+                            </p:childTnLst>
+                          </p:cTn>
+                        </p:par>
+                      </p:childTnLst>
+                    </p:cTn>
+                  </p:par>
+                </p:childTnLst>
+              </p:cTn>
+              <p:prevCondLst>
+                <p:cond evt="onPrev" delay="0">
+                  <p:tgtEl>
+                    <p:sldTgt/>
+                  </p:tgtEl>
+                </p:cond>
+              </p:prevCondLst>
+              <p:nextCondLst>
+                <p:cond evt="onNext" delay="0">
+                  <p:tgtEl>
+                    <p:sldTgt/>
+                  </p:tgtEl>
+                </p:cond>
+              </p:nextCondLst>
+            </p:seq>
+          </p:childTnLst>
+        </p:cTn>
+      </p:par>
+    </p:tnLst>
+    <p:bldLst>
+      <p:bldP spid="2" grpId="0"/>
+    </p:bldLst>
+  </p:timing>
+</p:sld>
+</file>
+
+<file path=ppt/slides/slide9.xml><?xml version="1.0" encoding="utf-8"?>
+<p:sld xmlns:a="http://schemas.openxmlformats.org/drawingml/2006/main" xmlns:r="http://schemas.openxmlformats.org/officeDocument/2006/relationships" xmlns:p="http://schemas.openxmlformats.org/presentationml/2006/main">
+  <p:cSld>
+    <p:spTree>
+      <p:nvGrpSpPr>
+        <p:cNvPr id="1" name=""/>
+        <p:cNvGrpSpPr/>
+        <p:nvPr/>
+      </p:nvGrpSpPr>
+      <p:grpSpPr>
+        <a:xfrm>
+          <a:off x="0" y="0"/>
+          <a:ext cx="0" cy="0"/>
+          <a:chOff x="0" y="0"/>
+          <a:chExt cx="0" cy="0"/>
+        </a:xfrm>
+      </p:grpSpPr>
+      <p:sp>
+        <p:nvSpPr>
+          <p:cNvPr id="2" name="Title 1">
+            <a:extLst>
+              <a:ext uri="{FF2B5EF4-FFF2-40B4-BE49-F238E27FC236}">
+                <a16:creationId xmlns:a16="http://schemas.microsoft.com/office/drawing/2014/main" id="{645EB865-628F-4CF9-9228-553EEE9B354F}"/>
+              </a:ext>
+            </a:extLst>
+          </p:cNvPr>
+          <p:cNvSpPr>
+            <a:spLocks noGrp="1"/>
+          </p:cNvSpPr>
+          <p:nvPr>
+            <p:ph type="title"/>
+          </p:nvPr>
+        </p:nvSpPr>
+        <p:spPr/>
+        <p:txBody>
+          <a:bodyPr>
+            <a:normAutofit/>
+          </a:bodyPr>
+          <a:lstStyle/>
+          <a:p>
+            <a:pPr marL="0" marR="0" algn="just">
+              <a:lnSpc>
+                <a:spcPct val="115000"/>
+              </a:lnSpc>
+              <a:spcBef>
+                <a:spcPts val="0"/>
+              </a:spcBef>
+              <a:spcAft>
+                <a:spcPts val="0"/>
+              </a:spcAft>
+            </a:pPr>
+            <a:r>
+              <a:rPr lang="en-IN" sz="3200" b="1" kern="100" dirty="0">
+                <a:effectLst/>
+                <a:latin typeface="Helvetica" panose="020B0604020202020204" pitchFamily="34" charset="0"/>
+                <a:ea typeface="Calibri" panose="020F0502020204030204" pitchFamily="34" charset="0"/>
+                <a:cs typeface="Calibri" panose="020F0502020204030204" pitchFamily="34" charset="0"/>
+              </a:rPr>
+              <a:t>Difficulties faced and measures taken to resolve</a:t>
+            </a:r>
+            <a:endParaRPr lang="en-IN" sz="3200" kern="100" dirty="0">
+              <a:effectLst/>
+              <a:latin typeface="Calibri" panose="020F0502020204030204" pitchFamily="34" charset="0"/>
+              <a:ea typeface="Calibri" panose="020F0502020204030204" pitchFamily="34" charset="0"/>
+            </a:endParaRPr>
+          </a:p>
+        </p:txBody>
+      </p:sp>
+      <p:sp>
+        <p:nvSpPr>
+          <p:cNvPr id="3" name="Content Placeholder 2">
+            <a:extLst>
+              <a:ext uri="{FF2B5EF4-FFF2-40B4-BE49-F238E27FC236}">
+                <a16:creationId xmlns:a16="http://schemas.microsoft.com/office/drawing/2014/main" id="{13B52482-660A-4ECF-9851-FB522C301511}"/>
+              </a:ext>
+            </a:extLst>
+          </p:cNvPr>
+          <p:cNvSpPr>
+            <a:spLocks noGrp="1"/>
+          </p:cNvSpPr>
+          <p:nvPr>
+            <p:ph idx="1"/>
+          </p:nvPr>
+        </p:nvSpPr>
+        <p:spPr>
+          <a:xfrm>
+            <a:off x="680321" y="2336872"/>
+            <a:ext cx="9613861" cy="4328087"/>
+          </a:xfrm>
+        </p:spPr>
+        <p:txBody>
+          <a:bodyPr>
+            <a:normAutofit/>
+          </a:bodyPr>
+          <a:lstStyle/>
+          <a:p>
+            <a:r>
+              <a:rPr lang="en-IN" sz="2000" b="1" kern="100" dirty="0">
+                <a:effectLst/>
+                <a:latin typeface="Helvetica" panose="020B0604020202020204" pitchFamily="34" charset="0"/>
+                <a:ea typeface="Calibri" panose="020F0502020204030204" pitchFamily="34" charset="0"/>
+                <a:cs typeface="Calibri" panose="020F0502020204030204" pitchFamily="34" charset="0"/>
+              </a:rPr>
+              <a:t>Frame navigations :</a:t>
+            </a:r>
+          </a:p>
+          <a:p>
+            <a:pPr lvl="1"/>
+            <a:r>
+              <a:rPr lang="en-IN" b="1" kern="100" dirty="0">
+                <a:latin typeface="Helvetica" panose="020B0604020202020204" pitchFamily="34" charset="0"/>
+                <a:ea typeface="Times New Roman" panose="02020603050405020304" pitchFamily="18" charset="0"/>
+                <a:cs typeface="Calibri" panose="020F0502020204030204" pitchFamily="34" charset="0"/>
+              </a:rPr>
+              <a:t>Change method from OOP to procedural</a:t>
+            </a:r>
+            <a:endParaRPr lang="en-IN" kern="100" dirty="0">
+              <a:effectLst/>
+              <a:latin typeface="Times New Roman" panose="02020603050405020304" pitchFamily="18" charset="0"/>
+              <a:ea typeface="Times New Roman" panose="02020603050405020304" pitchFamily="18" charset="0"/>
+            </a:endParaRPr>
+          </a:p>
+          <a:p>
+            <a:r>
+              <a:rPr lang="en-IN" sz="2000" b="1" kern="100" dirty="0">
+                <a:effectLst/>
+                <a:latin typeface="Helvetica" panose="020B0604020202020204" pitchFamily="34" charset="0"/>
+                <a:ea typeface="Calibri" panose="020F0502020204030204" pitchFamily="34" charset="0"/>
+                <a:cs typeface="Calibri" panose="020F0502020204030204" pitchFamily="34" charset="0"/>
+              </a:rPr>
+              <a:t>Database connectivity</a:t>
+            </a:r>
+          </a:p>
+          <a:p>
+            <a:pPr lvl="1"/>
+            <a:r>
+              <a:rPr lang="en-IN" b="1" kern="100" dirty="0">
+                <a:latin typeface="Helvetica" panose="020B0604020202020204" pitchFamily="34" charset="0"/>
+                <a:ea typeface="Times New Roman" panose="02020603050405020304" pitchFamily="18" charset="0"/>
+                <a:cs typeface="Calibri" panose="020F0502020204030204" pitchFamily="34" charset="0"/>
+              </a:rPr>
+              <a:t>Using </a:t>
+            </a:r>
+            <a:r>
+              <a:rPr lang="en-IN" b="1" kern="100" dirty="0" err="1">
+                <a:latin typeface="Helvetica" panose="020B0604020202020204" pitchFamily="34" charset="0"/>
+                <a:ea typeface="Times New Roman" panose="02020603050405020304" pitchFamily="18" charset="0"/>
+                <a:cs typeface="Calibri" panose="020F0502020204030204" pitchFamily="34" charset="0"/>
+              </a:rPr>
+              <a:t>Os.getcwd</a:t>
+            </a:r>
+            <a:endParaRPr lang="en-IN" kern="100" dirty="0">
+              <a:effectLst/>
+              <a:latin typeface="Times New Roman" panose="02020603050405020304" pitchFamily="18" charset="0"/>
+              <a:ea typeface="Times New Roman" panose="02020603050405020304" pitchFamily="18" charset="0"/>
+            </a:endParaRPr>
+          </a:p>
+          <a:p>
+            <a:r>
+              <a:rPr lang="en-IN" sz="2000" b="1" kern="100" dirty="0">
+                <a:effectLst/>
+                <a:latin typeface="Helvetica" panose="020B0604020202020204" pitchFamily="34" charset="0"/>
+                <a:ea typeface="Calibri" panose="020F0502020204030204" pitchFamily="34" charset="0"/>
+                <a:cs typeface="Calibri" panose="020F0502020204030204" pitchFamily="34" charset="0"/>
+              </a:rPr>
+              <a:t>Combo box</a:t>
+            </a:r>
+          </a:p>
+          <a:p>
+            <a:pPr lvl="1"/>
+            <a:r>
+              <a:rPr lang="en-IN" b="1" kern="100" dirty="0">
+                <a:latin typeface="Helvetica" panose="020B0604020202020204" pitchFamily="34" charset="0"/>
+                <a:ea typeface="Calibri" panose="020F0502020204030204" pitchFamily="34" charset="0"/>
+                <a:cs typeface="Calibri" panose="020F0502020204030204" pitchFamily="34" charset="0"/>
+              </a:rPr>
+              <a:t>Added a label specifying the value</a:t>
+            </a:r>
+            <a:endParaRPr lang="en-IN" kern="100" dirty="0">
+              <a:latin typeface="Times New Roman" panose="02020603050405020304" pitchFamily="18" charset="0"/>
+              <a:ea typeface="Calibri" panose="020F0502020204030204" pitchFamily="34" charset="0"/>
+            </a:endParaRPr>
+          </a:p>
+          <a:p>
+            <a:r>
+              <a:rPr lang="en-IN" sz="2000" b="1" kern="100" dirty="0">
+                <a:effectLst/>
+                <a:latin typeface="Helvetica" panose="020B0604020202020204" pitchFamily="34" charset="0"/>
+                <a:ea typeface="Calibri" panose="020F0502020204030204" pitchFamily="34" charset="0"/>
+                <a:cs typeface="Calibri" panose="020F0502020204030204" pitchFamily="34" charset="0"/>
+              </a:rPr>
+              <a:t>Dynamic ID </a:t>
+            </a:r>
+            <a:r>
+              <a:rPr lang="en-IN" sz="2000" b="1" kern="100" dirty="0" err="1">
+                <a:effectLst/>
+                <a:latin typeface="Helvetica" panose="020B0604020202020204" pitchFamily="34" charset="0"/>
+                <a:ea typeface="Calibri" panose="020F0502020204030204" pitchFamily="34" charset="0"/>
+                <a:cs typeface="Calibri" panose="020F0502020204030204" pitchFamily="34" charset="0"/>
+              </a:rPr>
+              <a:t>updation</a:t>
+            </a:r>
+            <a:endParaRPr lang="en-IN" sz="2000" b="1" kern="100" dirty="0">
+              <a:effectLst/>
+              <a:latin typeface="Helvetica" panose="020B0604020202020204" pitchFamily="34" charset="0"/>
+              <a:ea typeface="Calibri" panose="020F0502020204030204" pitchFamily="34" charset="0"/>
+              <a:cs typeface="Calibri" panose="020F0502020204030204" pitchFamily="34" charset="0"/>
+            </a:endParaRPr>
+          </a:p>
+          <a:p>
+            <a:pPr lvl="1"/>
+            <a:r>
+              <a:rPr lang="en-IN" b="1" kern="100" dirty="0">
+                <a:effectLst/>
+                <a:latin typeface="Helvetica" panose="020B0604020202020204" pitchFamily="34" charset="0"/>
+                <a:ea typeface="Times New Roman" panose="02020603050405020304" pitchFamily="18" charset="0"/>
+                <a:cs typeface="Calibri" panose="020F0502020204030204" pitchFamily="34" charset="0"/>
+              </a:rPr>
+              <a:t>Fetched </a:t>
+            </a:r>
+            <a:r>
+              <a:rPr lang="en-IN" b="1" kern="100" dirty="0">
+                <a:latin typeface="Helvetica" panose="020B0604020202020204" pitchFamily="34" charset="0"/>
+                <a:ea typeface="Times New Roman" panose="02020603050405020304" pitchFamily="18" charset="0"/>
+                <a:cs typeface="Calibri" panose="020F0502020204030204" pitchFamily="34" charset="0"/>
+              </a:rPr>
+              <a:t>ID again in the update and add to database functions</a:t>
+            </a:r>
+            <a:endParaRPr lang="en-IN" kern="100" dirty="0">
+              <a:effectLst/>
+              <a:latin typeface="Times New Roman" panose="02020603050405020304" pitchFamily="18" charset="0"/>
+              <a:ea typeface="Times New Roman" panose="02020603050405020304" pitchFamily="18" charset="0"/>
+            </a:endParaRPr>
+          </a:p>
+          <a:p>
+            <a:r>
+              <a:rPr lang="en-IN" sz="2000" b="1" kern="100" dirty="0">
+                <a:effectLst/>
+                <a:latin typeface="Helvetica" panose="020B0604020202020204" pitchFamily="34" charset="0"/>
+                <a:ea typeface="Calibri" panose="020F0502020204030204" pitchFamily="34" charset="0"/>
+                <a:cs typeface="Calibri" panose="020F0502020204030204" pitchFamily="34" charset="0"/>
+              </a:rPr>
+              <a:t>Printing bills</a:t>
+            </a:r>
+          </a:p>
+          <a:p>
+            <a:pPr lvl="1"/>
+            <a:r>
+              <a:rPr lang="en-IN" b="1" kern="100" dirty="0">
+                <a:latin typeface="Helvetica" panose="020B0604020202020204" pitchFamily="34" charset="0"/>
+                <a:ea typeface="Times New Roman" panose="02020603050405020304" pitchFamily="18" charset="0"/>
+                <a:cs typeface="Calibri" panose="020F0502020204030204" pitchFamily="34" charset="0"/>
+              </a:rPr>
+              <a:t>Created a directory for each dates</a:t>
+            </a:r>
+            <a:endParaRPr lang="en-IN" kern="100" dirty="0">
+              <a:effectLst/>
+              <a:latin typeface="Times New Roman" panose="02020603050405020304" pitchFamily="18" charset="0"/>
+              <a:ea typeface="Times New Roman" panose="02020603050405020304" pitchFamily="18" charset="0"/>
+            </a:endParaRPr>
+          </a:p>
+          <a:p>
+            <a:pPr marL="0" indent="0">
+              <a:buNone/>
+            </a:pPr>
+            <a:endParaRPr lang="en-IN" sz="1800" dirty="0"/>
+          </a:p>
+        </p:txBody>
+      </p:sp>
+    </p:spTree>
+    <p:extLst>
+      <p:ext uri="{BB962C8B-B14F-4D97-AF65-F5344CB8AC3E}">
+        <p14:creationId xmlns:p14="http://schemas.microsoft.com/office/powerpoint/2010/main" val="2771457377"/>
+      </p:ext>
+    </p:extLst>
+  </p:cSld>
+  <p:clrMapOvr>
+    <a:masterClrMapping/>
+  </p:clrMapOvr>
+  <p:timing>
+    <p:tnLst>
+      <p:par>
+        <p:cTn id="1" dur="indefinite" restart="never" nodeType="tmRoot">
+          <p:childTnLst>
+            <p:seq concurrent="1" nextAc="seek">
+              <p:cTn id="2" dur="indefinite" nodeType="mainSeq">
+                <p:childTnLst>
+                  <p:par>
+                    <p:cTn id="3" fill="hold">
+                      <p:stCondLst>
+                        <p:cond delay="indefinite"/>
+                      </p:stCondLst>
+                      <p:childTnLst>
+                        <p:par>
+                          <p:cTn id="4" fill="hold">
+                            <p:stCondLst>
+                              <p:cond delay="0"/>
+                            </p:stCondLst>
+                            <p:childTnLst>
+                              <p:par>
+                                <p:cTn id="5" presetID="10" presetClass="entr" presetSubtype="0" fill="hold" grpId="0" nodeType="clickEffect">
+                                  <p:stCondLst>
+                                    <p:cond delay="0"/>
+                                  </p:stCondLst>
+                                  <p:childTnLst>
+                                    <p:set>
+                                      <p:cBhvr>
+                                        <p:cTn id="6" dur="1" fill="hold">
+                                          <p:stCondLst>
+                                            <p:cond delay="0"/>
+                                          </p:stCondLst>
+                                        </p:cTn>
+                                        <p:tgtEl>
+                                          <p:spTgt spid="2"/>
+                                        </p:tgtEl>
+                                        <p:attrNameLst>
+                                          <p:attrName>style.visibility</p:attrName>
+                                        </p:attrNameLst>
+                                      </p:cBhvr>
+                                      <p:to>
+                                        <p:strVal val="visible"/>
+                                      </p:to>
+                                    </p:set>
+                                    <p:animEffect transition="in" filter="fade">
+                                      <p:cBhvr>
+                                        <p:cTn id="7" dur="500"/>
+                                        <p:tgtEl>
+                                          <p:spTgt spid="2"/>
+                                        </p:tgtEl>
+                                      </p:cBhvr>
+                                    </p:animEffect>
+                                  </p:childTnLst>
+                                </p:cTn>
+                              </p:par>
+                            </p:childTnLst>
+                          </p:cTn>
+                        </p:par>
+                      </p:childTnLst>
+                    </p:cTn>
+                  </p:par>
+                  <p:par>
+                    <p:cTn id="8" fill="hold">
+                      <p:stCondLst>
+                        <p:cond delay="indefinite"/>
+                      </p:stCondLst>
+                      <p:childTnLst>
+                        <p:par>
+                          <p:cTn id="9" fill="hold">
+                            <p:stCondLst>
+                              <p:cond delay="0"/>
+                            </p:stCondLst>
+                            <p:childTnLst>
+                              <p:par>
+                                <p:cTn id="10" presetID="10" presetClass="entr" presetSubtype="0" fill="hold" nodeType="clickEffect">
+                                  <p:stCondLst>
+                                    <p:cond delay="0"/>
+                                  </p:stCondLst>
+                                  <p:childTnLst>
+                                    <p:set>
+                                      <p:cBhvr>
+                                        <p:cTn id="11" dur="1" fill="hold">
+                                          <p:stCondLst>
+                                            <p:cond delay="0"/>
+                                          </p:stCondLst>
+                                        </p:cTn>
+                                        <p:tgtEl>
+                                          <p:spTgt spid="3">
+                                            <p:txEl>
+                                              <p:pRg st="0" end="0"/>
+                                            </p:txEl>
+                                          </p:spTgt>
+                                        </p:tgtEl>
+                                        <p:attrNameLst>
+                                          <p:attrName>style.visibility</p:attrName>
+                                        </p:attrNameLst>
+                                      </p:cBhvr>
+                                      <p:to>
+                                        <p:strVal val="visible"/>
+                                      </p:to>
+                                    </p:set>
+                                    <p:animEffect transition="in" filter="fade">
+                                      <p:cBhvr>
+                                        <p:cTn id="12" dur="500"/>
+                                        <p:tgtEl>
+                                          <p:spTgt spid="3">
+                                            <p:txEl>
+                                              <p:pRg st="0" end="0"/>
+                                            </p:txEl>
+                                          </p:spTgt>
+                                        </p:tgtEl>
+                                      </p:cBhvr>
+                                    </p:animEffect>
+                                  </p:childTnLst>
+                                </p:cTn>
+                              </p:par>
+                              <p:par>
+                                <p:cTn id="13" presetID="10" presetClass="entr" presetSubtype="0" fill="hold" nodeType="withEffect">
+                                  <p:stCondLst>
+                                    <p:cond delay="0"/>
+                                  </p:stCondLst>
+                                  <p:childTnLst>
+                                    <p:set>
+                                      <p:cBhvr>
+                                        <p:cTn id="14" dur="1" fill="hold">
+                                          <p:stCondLst>
+                                            <p:cond delay="0"/>
+                                          </p:stCondLst>
+                                        </p:cTn>
+                                        <p:tgtEl>
+                                          <p:spTgt spid="3">
+                                            <p:txEl>
+                                              <p:pRg st="1" end="1"/>
+                                            </p:txEl>
+                                          </p:spTgt>
+                                        </p:tgtEl>
+                                        <p:attrNameLst>
+                                          <p:attrName>style.visibility</p:attrName>
+                                        </p:attrNameLst>
+                                      </p:cBhvr>
+                                      <p:to>
+                                        <p:strVal val="visible"/>
+                                      </p:to>
+                                    </p:set>
+                                    <p:animEffect transition="in" filter="fade">
+                                      <p:cBhvr>
+                                        <p:cTn id="15" dur="500"/>
+                                        <p:tgtEl>
+                                          <p:spTgt spid="3">
+                                            <p:txEl>
+                                              <p:pRg st="1" end="1"/>
+                                            </p:txEl>
+                                          </p:spTgt>
+                                        </p:tgtEl>
+                                      </p:cBhvr>
+                                    </p:animEffect>
+                                  </p:childTnLst>
+                                </p:cTn>
+                              </p:par>
+                            </p:childTnLst>
+                          </p:cTn>
+                        </p:par>
+                      </p:childTnLst>
+                    </p:cTn>
+                  </p:par>
+                  <p:par>
+                    <p:cTn id="16" fill="hold">
+                      <p:stCondLst>
+                        <p:cond delay="indefinite"/>
+                      </p:stCondLst>
+                      <p:childTnLst>
+                        <p:par>
+                          <p:cTn id="17" fill="hold">
+                            <p:stCondLst>
+                              <p:cond delay="0"/>
+                            </p:stCondLst>
+                            <p:childTnLst>
+                              <p:par>
+                                <p:cTn id="18" presetID="10" presetClass="entr" presetSubtype="0" fill="hold" nodeType="clickEffect">
+                                  <p:stCondLst>
+                                    <p:cond delay="0"/>
+                                  </p:stCondLst>
+                                  <p:childTnLst>
+                                    <p:set>
+                                      <p:cBhvr>
+                                        <p:cTn id="19" dur="1" fill="hold">
+                                          <p:stCondLst>
+                                            <p:cond delay="0"/>
+                                          </p:stCondLst>
+                                        </p:cTn>
+                                        <p:tgtEl>
+                                          <p:spTgt spid="3">
+                                            <p:txEl>
+                                              <p:pRg st="2" end="2"/>
+                                            </p:txEl>
+                                          </p:spTgt>
+                                        </p:tgtEl>
+                                        <p:attrNameLst>
+                                          <p:attrName>style.visibility</p:attrName>
+                                        </p:attrNameLst>
+                                      </p:cBhvr>
+                                      <p:to>
+                                        <p:strVal val="visible"/>
+                                      </p:to>
+                                    </p:set>
+                                    <p:animEffect transition="in" filter="fade">
+                                      <p:cBhvr>
+                                        <p:cTn id="20" dur="500"/>
+                                        <p:tgtEl>
+                                          <p:spTgt spid="3">
+                                            <p:txEl>
+                                              <p:pRg st="2" end="2"/>
+                                            </p:txEl>
+                                          </p:spTgt>
+                                        </p:tgtEl>
+                                      </p:cBhvr>
+                                    </p:animEffect>
+                                  </p:childTnLst>
+                                </p:cTn>
+                              </p:par>
+                              <p:par>
+                                <p:cTn id="21" presetID="10" presetClass="entr" presetSubtype="0" fill="hold" nodeType="withEffect">
+                                  <p:stCondLst>
+                                    <p:cond delay="0"/>
+                                  </p:stCondLst>
+                                  <p:childTnLst>
+                                    <p:set>
+                                      <p:cBhvr>
+                                        <p:cTn id="22" dur="1" fill="hold">
+                                          <p:stCondLst>
+                                            <p:cond delay="0"/>
+                                          </p:stCondLst>
+                                        </p:cTn>
+                                        <p:tgtEl>
+                                          <p:spTgt spid="3">
+                                            <p:txEl>
+                                              <p:pRg st="3" end="3"/>
+                                            </p:txEl>
+                                          </p:spTgt>
+                                        </p:tgtEl>
+                                        <p:attrNameLst>
+                                          <p:attrName>style.visibility</p:attrName>
+                                        </p:attrNameLst>
+                                      </p:cBhvr>
+                                      <p:to>
+                                        <p:strVal val="visible"/>
+                                      </p:to>
+                                    </p:set>
+                                    <p:animEffect transition="in" filter="fade">
+                                      <p:cBhvr>
+                                        <p:cTn id="23" dur="500"/>
+                                        <p:tgtEl>
+                                          <p:spTgt spid="3">
+                                            <p:txEl>
+                                              <p:pRg st="3" end="3"/>
+                                            </p:txEl>
+                                          </p:spTgt>
+                                        </p:tgtEl>
+                                      </p:cBhvr>
+                                    </p:animEffect>
+                                  </p:childTnLst>
+                                </p:cTn>
+                              </p:par>
+                            </p:childTnLst>
+                          </p:cTn>
+                        </p:par>
+                      </p:childTnLst>
+                    </p:cTn>
+                  </p:par>
+                  <p:par>
+                    <p:cTn id="24" fill="hold">
+                      <p:stCondLst>
+                        <p:cond delay="indefinite"/>
+                      </p:stCondLst>
+                      <p:childTnLst>
+                        <p:par>
+                          <p:cTn id="25" fill="hold">
+                            <p:stCondLst>
+                              <p:cond delay="0"/>
+                            </p:stCondLst>
+                            <p:childTnLst>
+                              <p:par>
+                                <p:cTn id="26" presetID="10" presetClass="entr" presetSubtype="0" fill="hold" nodeType="clickEffect">
+                                  <p:stCondLst>
+                                    <p:cond delay="0"/>
+                                  </p:stCondLst>
+                                  <p:childTnLst>
+                                    <p:set>
+                                      <p:cBhvr>
+                                        <p:cTn id="27" dur="1" fill="hold">
+                                          <p:stCondLst>
+                                            <p:cond delay="0"/>
+                                          </p:stCondLst>
+                                        </p:cTn>
+                                        <p:tgtEl>
+                                          <p:spTgt spid="3">
+                                            <p:txEl>
+                                              <p:pRg st="4" end="4"/>
+                                            </p:txEl>
+                                          </p:spTgt>
+                                        </p:tgtEl>
+                                        <p:attrNameLst>
+                                          <p:attrName>style.visibility</p:attrName>
+                                        </p:attrNameLst>
+                                      </p:cBhvr>
+                                      <p:to>
+                                        <p:strVal val="visible"/>
+                                      </p:to>
+                                    </p:set>
+                                    <p:animEffect transition="in" filter="fade">
+                                      <p:cBhvr>
+                                        <p:cTn id="28" dur="500"/>
+                                        <p:tgtEl>
+                                          <p:spTgt spid="3">
+                                            <p:txEl>
+                                              <p:pRg st="4" end="4"/>
+                                            </p:txEl>
+                                          </p:spTgt>
+                                        </p:tgtEl>
+                                      </p:cBhvr>
+                                    </p:animEffect>
+                                  </p:childTnLst>
+                                </p:cTn>
+                              </p:par>
+                              <p:par>
+                                <p:cTn id="29" presetID="10" presetClass="entr" presetSubtype="0" fill="hold" nodeType="withEffect">
+                                  <p:stCondLst>
+                                    <p:cond delay="0"/>
+                                  </p:stCondLst>
+                                  <p:childTnLst>
+                                    <p:set>
+                                      <p:cBhvr>
+                                        <p:cTn id="30" dur="1" fill="hold">
+                                          <p:stCondLst>
+                                            <p:cond delay="0"/>
+                                          </p:stCondLst>
+                                        </p:cTn>
+                                        <p:tgtEl>
+                                          <p:spTgt spid="3">
+                                            <p:txEl>
+                                              <p:pRg st="5" end="5"/>
+                                            </p:txEl>
+                                          </p:spTgt>
+                                        </p:tgtEl>
+                                        <p:attrNameLst>
+                                          <p:attrName>style.visibility</p:attrName>
+                                        </p:attrNameLst>
+                                      </p:cBhvr>
+                                      <p:to>
+                                        <p:strVal val="visible"/>
+                                      </p:to>
+                                    </p:set>
+                                    <p:animEffect transition="in" filter="fade">
+                                      <p:cBhvr>
+                                        <p:cTn id="31" dur="500"/>
+                                        <p:tgtEl>
+                                          <p:spTgt spid="3">
+                                            <p:txEl>
+                                              <p:pRg st="5" end="5"/>
+                                            </p:txEl>
+                                          </p:spTgt>
+                                        </p:tgtEl>
+                                      </p:cBhvr>
+                                    </p:animEffect>
+                                  </p:childTnLst>
+                                </p:cTn>
+                              </p:par>
+                            </p:childTnLst>
+                          </p:cTn>
+                        </p:par>
+                      </p:childTnLst>
+                    </p:cTn>
+                  </p:par>
+                  <p:par>
+                    <p:cTn id="32" fill="hold">
+                      <p:stCondLst>
+                        <p:cond delay="indefinite"/>
+                      </p:stCondLst>
+                      <p:childTnLst>
+                        <p:par>
+                          <p:cTn id="33" fill="hold">
+                            <p:stCondLst>
+                              <p:cond delay="0"/>
+                            </p:stCondLst>
+                            <p:childTnLst>
+                              <p:par>
+                                <p:cTn id="34" presetID="10" presetClass="entr" presetSubtype="0" fill="hold" nodeType="clickEffect">
+                                  <p:stCondLst>
+                                    <p:cond delay="0"/>
+                                  </p:stCondLst>
+                                  <p:childTnLst>
+                                    <p:set>
+                                      <p:cBhvr>
+                                        <p:cTn id="35" dur="1" fill="hold">
+                                          <p:stCondLst>
+                                            <p:cond delay="0"/>
+                                          </p:stCondLst>
+                                        </p:cTn>
+                                        <p:tgtEl>
+                                          <p:spTgt spid="3">
+                                            <p:txEl>
+                                              <p:pRg st="6" end="6"/>
+                                            </p:txEl>
+                                          </p:spTgt>
+                                        </p:tgtEl>
+                                        <p:attrNameLst>
+                                          <p:attrName>style.visibility</p:attrName>
+                                        </p:attrNameLst>
+                                      </p:cBhvr>
+                                      <p:to>
+                                        <p:strVal val="visible"/>
+                                      </p:to>
+                                    </p:set>
+                                    <p:animEffect transition="in" filter="fade">
+                                      <p:cBhvr>
+                                        <p:cTn id="36" dur="500"/>
+                                        <p:tgtEl>
+                                          <p:spTgt spid="3">
+                                            <p:txEl>
+                                              <p:pRg st="6" end="6"/>
+                                            </p:txEl>
+                                          </p:spTgt>
+                                        </p:tgtEl>
+                                      </p:cBhvr>
+                                    </p:animEffect>
+                                  </p:childTnLst>
+                                </p:cTn>
+                              </p:par>
+                              <p:par>
+                                <p:cTn id="37" presetID="10" presetClass="entr" presetSubtype="0" fill="hold" nodeType="withEffect">
+                                  <p:stCondLst>
+                                    <p:cond delay="0"/>
+                                  </p:stCondLst>
+                                  <p:childTnLst>
+                                    <p:set>
+                                      <p:cBhvr>
+                                        <p:cTn id="38" dur="1" fill="hold">
+                                          <p:stCondLst>
+                                            <p:cond delay="0"/>
+                                          </p:stCondLst>
+                                        </p:cTn>
+                                        <p:tgtEl>
+                                          <p:spTgt spid="3">
+                                            <p:txEl>
+                                              <p:pRg st="7" end="7"/>
+                                            </p:txEl>
+                                          </p:spTgt>
+                                        </p:tgtEl>
+                                        <p:attrNameLst>
+                                          <p:attrName>style.visibility</p:attrName>
+                                        </p:attrNameLst>
+                                      </p:cBhvr>
+                                      <p:to>
+                                        <p:strVal val="visible"/>
+                                      </p:to>
+                                    </p:set>
+                                    <p:animEffect transition="in" filter="fade">
+                                      <p:cBhvr>
+                                        <p:cTn id="39" dur="500"/>
+                                        <p:tgtEl>
+                                          <p:spTgt spid="3">
+                                            <p:txEl>
+                                              <p:pRg st="7" end="7"/>
+                                            </p:txEl>
+                                          </p:spTgt>
+                                        </p:tgtEl>
+                                      </p:cBhvr>
+                                    </p:animEffect>
+                                  </p:childTnLst>
+                                </p:cTn>
+                              </p:par>
+                            </p:childTnLst>
+                          </p:cTn>
+                        </p:par>
+                      </p:childTnLst>
+                    </p:cTn>
+                  </p:par>
+                  <p:par>
+                    <p:cTn id="40" fill="hold">
+                      <p:stCondLst>
+                        <p:cond delay="indefinite"/>
+                      </p:stCondLst>
+                      <p:childTnLst>
+                        <p:par>
+                          <p:cTn id="41" fill="hold">
+                            <p:stCondLst>
+                              <p:cond delay="0"/>
+                            </p:stCondLst>
+                            <p:childTnLst>
+                              <p:par>
+                                <p:cTn id="42" presetID="10" presetClass="entr" presetSubtype="0" fill="hold" nodeType="clickEffect">
+                                  <p:stCondLst>
+                                    <p:cond delay="0"/>
+                                  </p:stCondLst>
+                                  <p:childTnLst>
+                                    <p:set>
+                                      <p:cBhvr>
+                                        <p:cTn id="43" dur="1" fill="hold">
+                                          <p:stCondLst>
+                                            <p:cond delay="0"/>
+                                          </p:stCondLst>
+                                        </p:cTn>
+                                        <p:tgtEl>
+                                          <p:spTgt spid="3">
+                                            <p:txEl>
+                                              <p:pRg st="8" end="8"/>
+                                            </p:txEl>
+                                          </p:spTgt>
+                                        </p:tgtEl>
+                                        <p:attrNameLst>
+                                          <p:attrName>style.visibility</p:attrName>
+                                        </p:attrNameLst>
+                                      </p:cBhvr>
+                                      <p:to>
+                                        <p:strVal val="visible"/>
+                                      </p:to>
+                                    </p:set>
+                                    <p:animEffect transition="in" filter="fade">
+                                      <p:cBhvr>
+                                        <p:cTn id="44" dur="500"/>
+                                        <p:tgtEl>
+                                          <p:spTgt spid="3">
+                                            <p:txEl>
+                                              <p:pRg st="8" end="8"/>
+                                            </p:txEl>
+                                          </p:spTgt>
+                                        </p:tgtEl>
+                                      </p:cBhvr>
+                                    </p:animEffect>
+                                  </p:childTnLst>
+                                </p:cTn>
+                              </p:par>
+                              <p:par>
+                                <p:cTn id="45" presetID="10" presetClass="entr" presetSubtype="0" fill="hold" nodeType="withEffect">
+                                  <p:stCondLst>
+                                    <p:cond delay="0"/>
+                                  </p:stCondLst>
+                                  <p:childTnLst>
+                                    <p:set>
+                                      <p:cBhvr>
+                                        <p:cTn id="46" dur="1" fill="hold">
+                                          <p:stCondLst>
+                                            <p:cond delay="0"/>
+                                          </p:stCondLst>
+                                        </p:cTn>
+                                        <p:tgtEl>
+                                          <p:spTgt spid="3">
+                                            <p:txEl>
+                                              <p:pRg st="9" end="9"/>
+                                            </p:txEl>
+                                          </p:spTgt>
+                                        </p:tgtEl>
+                                        <p:attrNameLst>
+                                          <p:attrName>style.visibility</p:attrName>
+                                        </p:attrNameLst>
+                                      </p:cBhvr>
+                                      <p:to>
+                                        <p:strVal val="visible"/>
+                                      </p:to>
+                                    </p:set>
+                                    <p:animEffect transition="in" filter="fade">
+                                      <p:cBhvr>
+                                        <p:cTn id="47" dur="500"/>
+                                        <p:tgtEl>
+                                          <p:spTgt spid="3">
+                                            <p:txEl>
+                                              <p:pRg st="9" end="9"/>
+                                            </p:txEl>
+                                          </p:spTgt>
+                                        </p:tgtEl>
+                                      </p:cBhvr>
+                                    </p:animEffect>
+                                  </p:childTnLst>
+                                </p:cTn>
+                              </p:par>
+                            </p:childTnLst>
+                          </p:cTn>
+                        </p:par>
+                      </p:childTnLst>
+                    </p:cTn>
+                  </p:par>
+                </p:childTnLst>
+              </p:cTn>
+              <p:prevCondLst>
+                <p:cond evt="onPrev" delay="0">
+                  <p:tgtEl>
+                    <p:sldTgt/>
+                  </p:tgtEl>
+                </p:cond>
+              </p:prevCondLst>
+              <p:nextCondLst>
+                <p:cond evt="onNext" delay="0">
+                  <p:tgtEl>
+                    <p:sldTgt/>
+                  </p:tgtEl>
+                </p:cond>
+              </p:nextCondLst>
+            </p:seq>
+          </p:childTnLst>
+        </p:cTn>
+      </p:par>
+    </p:tnLst>
+    <p:bldLst>
+      <p:bldP spid="2" grpId="0"/>
+    </p:bldLst>
+  </p:timing>
 </p:sld>
 </file>
 

--- a/KJ Mart.pptx
+++ b/KJ Mart.pptx
@@ -397,7 +397,7 @@
           <a:p>
             <a:fld id="{78ABE3C1-DBE1-495D-B57B-2849774B866A}" type="datetimeFigureOut">
               <a:rPr lang="en-US" dirty="0"/>
-              <a:t>4/25/2021</a:t>
+              <a:t>4/27/2021</a:t>
             </a:fld>
             <a:endParaRPr lang="en-US" dirty="0"/>
           </a:p>
@@ -806,7 +806,7 @@
           <a:p>
             <a:fld id="{446C117F-5CCF-4837-BE5F-2B92066CAFAF}" type="datetimeFigureOut">
               <a:rPr lang="en-US" dirty="0"/>
-              <a:t>4/25/2021</a:t>
+              <a:t>4/27/2021</a:t>
             </a:fld>
             <a:endParaRPr lang="en-US" dirty="0"/>
           </a:p>
@@ -1137,7 +1137,7 @@
           <a:p>
             <a:fld id="{84EB90BD-B6CE-46B7-997F-7313B992CCDC}" type="datetimeFigureOut">
               <a:rPr lang="en-US" dirty="0"/>
-              <a:t>4/25/2021</a:t>
+              <a:t>4/27/2021</a:t>
             </a:fld>
             <a:endParaRPr lang="en-US" dirty="0"/>
           </a:p>
@@ -1537,7 +1537,7 @@
           <a:p>
             <a:fld id="{CDB9D11F-B188-461D-B23F-39381795C052}" type="datetimeFigureOut">
               <a:rPr lang="en-US" dirty="0"/>
-              <a:t>4/25/2021</a:t>
+              <a:t>4/27/2021</a:t>
             </a:fld>
             <a:endParaRPr lang="en-US" dirty="0"/>
           </a:p>
@@ -2100,7 +2100,7 @@
           <a:p>
             <a:fld id="{52E6D8D9-55A2-4063-B0F3-121F44549695}" type="datetimeFigureOut">
               <a:rPr lang="en-US" dirty="0"/>
-              <a:t>4/25/2021</a:t>
+              <a:t>4/27/2021</a:t>
             </a:fld>
             <a:endParaRPr lang="en-US" dirty="0"/>
           </a:p>
@@ -2776,7 +2776,7 @@
           <a:p>
             <a:fld id="{D4B24536-994D-4021-A283-9F449C0DB509}" type="datetimeFigureOut">
               <a:rPr lang="en-US" dirty="0"/>
-              <a:t>4/25/2021</a:t>
+              <a:t>4/27/2021</a:t>
             </a:fld>
             <a:endParaRPr lang="en-US" dirty="0"/>
           </a:p>
@@ -3684,7 +3684,7 @@
           <a:p>
             <a:fld id="{3CBBBB78-C96F-47B7-AB17-D852CA960AC9}" type="datetimeFigureOut">
               <a:rPr lang="en-US" dirty="0"/>
-              <a:t>4/25/2021</a:t>
+              <a:t>4/27/2021</a:t>
             </a:fld>
             <a:endParaRPr lang="en-US" dirty="0"/>
           </a:p>
@@ -3992,7 +3992,7 @@
           <a:p>
             <a:fld id="{1FA3F48C-C7C6-4055-9F49-3777875E72AE}" type="datetimeFigureOut">
               <a:rPr lang="en-US" dirty="0"/>
-              <a:t>4/25/2021</a:t>
+              <a:t>4/27/2021</a:t>
             </a:fld>
             <a:endParaRPr lang="en-US" dirty="0"/>
           </a:p>
@@ -4251,7 +4251,7 @@
           <a:p>
             <a:fld id="{6178E61D-D431-422C-9764-11DAFE33AB63}" type="datetimeFigureOut">
               <a:rPr lang="en-US" dirty="0"/>
-              <a:t>4/25/2021</a:t>
+              <a:t>4/27/2021</a:t>
             </a:fld>
             <a:endParaRPr lang="en-US" dirty="0"/>
           </a:p>
@@ -4570,7 +4570,7 @@
           <a:p>
             <a:fld id="{12DE42F4-6EEF-4EF7-8ED4-2208F0F89A08}" type="datetimeFigureOut">
               <a:rPr lang="en-US" dirty="0"/>
-              <a:t>4/25/2021</a:t>
+              <a:t>4/27/2021</a:t>
             </a:fld>
             <a:endParaRPr lang="en-US" dirty="0"/>
           </a:p>
@@ -4954,7 +4954,7 @@
           <a:p>
             <a:fld id="{30578ACC-22D6-47C1-A373-4FD133E34F3C}" type="datetimeFigureOut">
               <a:rPr lang="en-US" dirty="0"/>
-              <a:t>4/25/2021</a:t>
+              <a:t>4/27/2021</a:t>
             </a:fld>
             <a:endParaRPr lang="en-US" dirty="0"/>
           </a:p>
@@ -5325,7 +5325,7 @@
           <a:p>
             <a:fld id="{4E5A6C69-6797-4E8A-BF37-F2C3751466E9}" type="datetimeFigureOut">
               <a:rPr lang="en-US" dirty="0"/>
-              <a:t>4/25/2021</a:t>
+              <a:t>4/27/2021</a:t>
             </a:fld>
             <a:endParaRPr lang="en-US" dirty="0"/>
           </a:p>
@@ -5826,7 +5826,7 @@
           <a:p>
             <a:fld id="{D82014A1-A632-4878-A0D3-F52BA7563730}" type="datetimeFigureOut">
               <a:rPr lang="en-US" dirty="0"/>
-              <a:t>4/25/2021</a:t>
+              <a:t>4/27/2021</a:t>
             </a:fld>
             <a:endParaRPr lang="en-US" dirty="0"/>
           </a:p>
@@ -6078,7 +6078,7 @@
           <a:p>
             <a:fld id="{CE99F462-093F-4566-844B-4C71F2739DA5}" type="datetimeFigureOut">
               <a:rPr lang="en-US" dirty="0"/>
-              <a:t>4/25/2021</a:t>
+              <a:t>4/27/2021</a:t>
             </a:fld>
             <a:endParaRPr lang="en-US" dirty="0"/>
           </a:p>
@@ -6236,7 +6236,7 @@
           <a:p>
             <a:fld id="{3D24A7AC-904D-4781-85BA-7D10C17ED021}" type="datetimeFigureOut">
               <a:rPr lang="en-US" dirty="0"/>
-              <a:t>4/25/2021</a:t>
+              <a:t>4/27/2021</a:t>
             </a:fld>
             <a:endParaRPr lang="en-US" dirty="0"/>
           </a:p>
@@ -6621,7 +6621,7 @@
           <a:p>
             <a:fld id="{E331444B-B92B-4E27-8C94-BB93EAF5CB18}" type="datetimeFigureOut">
               <a:rPr lang="en-US" dirty="0"/>
-              <a:t>4/25/2021</a:t>
+              <a:t>4/27/2021</a:t>
             </a:fld>
             <a:endParaRPr lang="en-US" dirty="0"/>
           </a:p>
@@ -7025,7 +7025,7 @@
           <a:p>
             <a:fld id="{363EFA5E-FA76-400D-B3DC-F0BA90E6D107}" type="datetimeFigureOut">
               <a:rPr lang="en-US" dirty="0"/>
-              <a:t>4/25/2021</a:t>
+              <a:t>4/27/2021</a:t>
             </a:fld>
             <a:endParaRPr lang="en-US" dirty="0"/>
           </a:p>
@@ -7264,7 +7264,7 @@
           <a:p>
             <a:fld id="{9D6E9DEC-419B-4CC5-A080-3B06BD5A8291}" type="datetimeFigureOut">
               <a:rPr lang="en-US" dirty="0"/>
-              <a:t>4/25/2021</a:t>
+              <a:t>4/27/2021</a:t>
             </a:fld>
             <a:endParaRPr lang="en-US" dirty="0"/>
           </a:p>
@@ -7982,7 +7982,7 @@
           <p:nvPr>
             <p:extLst>
               <p:ext uri="{D42A27DB-BD31-4B8C-83A1-F6EECF244321}">
-                <p14:modId xmlns:p14="http://schemas.microsoft.com/office/powerpoint/2010/main" val="2584626587"/>
+                <p14:modId xmlns:p14="http://schemas.microsoft.com/office/powerpoint/2010/main" val="1213249557"/>
               </p:ext>
             </p:extLst>
           </p:nvPr>
@@ -8359,7 +8359,7 @@
                     <a:p>
                       <a:r>
                         <a:rPr lang="en-US" dirty="0"/>
-                        <a:t>Dynamic calculation of profit and loss</a:t>
+                        <a:t>Dynamic calculation of prices</a:t>
                       </a:r>
                     </a:p>
                   </a:txBody>
@@ -8421,26 +8421,17 @@
                     <a:bodyPr/>
                     <a:lstStyle/>
                     <a:p>
-                      <a:pPr marL="0" marR="0" lvl="0" indent="0" algn="l" defTabSz="914400" rtl="0" eaLnBrk="1" fontAlgn="auto" latinLnBrk="0" hangingPunct="1">
-                        <a:lnSpc>
-                          <a:spcPct val="100000"/>
-                        </a:lnSpc>
-                        <a:spcBef>
-                          <a:spcPts val="0"/>
-                        </a:spcBef>
-                        <a:spcAft>
-                          <a:spcPts val="0"/>
-                        </a:spcAft>
-                        <a:buClrTx/>
-                        <a:buSzTx/>
-                        <a:buFontTx/>
-                        <a:buNone/>
-                        <a:tabLst/>
-                        <a:defRPr/>
-                      </a:pPr>
+                      <a:r>
+                        <a:rPr lang="en-US" dirty="0" err="1"/>
+                        <a:t>Pathik</a:t>
+                      </a:r>
                       <a:r>
                         <a:rPr lang="en-US" dirty="0"/>
-                        <a:t>Rushabh Gandhi</a:t>
+                        <a:t> </a:t>
+                      </a:r>
+                      <a:r>
+                        <a:rPr lang="en-US" dirty="0" err="1"/>
+                        <a:t>Ghugare</a:t>
                       </a:r>
                       <a:endParaRPr lang="en-IN" dirty="0"/>
                     </a:p>
@@ -13261,12 +13252,6 @@
               <a:t>File handling</a:t>
             </a:r>
           </a:p>
-          <a:p>
-            <a:r>
-              <a:rPr lang="en-US" sz="2800" dirty="0"/>
-              <a:t>Lambda functions</a:t>
-            </a:r>
-          </a:p>
         </p:txBody>
       </p:sp>
       <p:pic>
@@ -13674,49 +13659,6 @@
                                   </p:childTnLst>
                                 </p:cTn>
                               </p:par>
-                              <p:par>
-                                <p:cTn id="29" presetID="14" presetClass="entr" presetSubtype="10" fill="hold" nodeType="withEffect">
-                                  <p:stCondLst>
-                                    <p:cond delay="0"/>
-                                  </p:stCondLst>
-                                  <p:childTnLst>
-                                    <p:set>
-                                      <p:cBhvr>
-                                        <p:cTn id="30" dur="1" fill="hold">
-                                          <p:stCondLst>
-                                            <p:cond delay="0"/>
-                                          </p:stCondLst>
-                                        </p:cTn>
-                                        <p:tgtEl>
-                                          <p:spTgt spid="3">
-                                            <p:txEl>
-                                              <p:pRg st="5" end="5"/>
-                                            </p:txEl>
-                                          </p:spTgt>
-                                        </p:tgtEl>
-                                        <p:attrNameLst>
-                                          <p:attrName>style.visibility</p:attrName>
-                                        </p:attrNameLst>
-                                      </p:cBhvr>
-                                      <p:to>
-                                        <p:strVal val="visible"/>
-                                      </p:to>
-                                    </p:set>
-                                    <p:animEffect transition="in" filter="randombar(horizontal)">
-                                      <p:cBhvr>
-                                        <p:cTn id="31" dur="500"/>
-                                        <p:tgtEl>
-                                          <p:spTgt spid="3">
-                                            <p:txEl>
-                                              <p:pRg st="5" end="5"/>
-                                            </p:txEl>
-                                          </p:spTgt>
-                                        </p:tgtEl>
-                                      </p:cBhvr>
-                                    </p:animEffect>
-                                  </p:childTnLst>
-                                </p:cTn>
-                              </p:par>
                             </p:childTnLst>
                           </p:cTn>
                         </p:par>
@@ -13900,7 +13842,7 @@
                 <a:ea typeface="Times New Roman" panose="02020603050405020304" pitchFamily="18" charset="0"/>
                 <a:cs typeface="Calibri" panose="020F0502020204030204" pitchFamily="34" charset="0"/>
               </a:rPr>
-              <a:t>Os.getcwd</a:t>
+              <a:t>os.getcwd</a:t>
             </a:r>
             <a:endParaRPr lang="en-IN" kern="100" dirty="0">
               <a:effectLst/>
